--- a/Lecture_Slides/PH 123 Lecture 06.pptx
+++ b/Lecture_Slides/PH 123 Lecture 06.pptx
@@ -5,59 +5,62 @@
     <p:sldMasterId id="2147483648" r:id="rId1"/>
   </p:sldMasterIdLst>
   <p:notesMasterIdLst>
-    <p:notesMasterId r:id="rId52"/>
+    <p:notesMasterId r:id="rId55"/>
   </p:notesMasterIdLst>
   <p:sldIdLst>
-    <p:sldId id="286" r:id="rId2"/>
-    <p:sldId id="285" r:id="rId3"/>
-    <p:sldId id="287" r:id="rId4"/>
-    <p:sldId id="289" r:id="rId5"/>
-    <p:sldId id="341" r:id="rId6"/>
-    <p:sldId id="310" r:id="rId7"/>
-    <p:sldId id="344" r:id="rId8"/>
-    <p:sldId id="288" r:id="rId9"/>
-    <p:sldId id="311" r:id="rId10"/>
-    <p:sldId id="290" r:id="rId11"/>
-    <p:sldId id="291" r:id="rId12"/>
-    <p:sldId id="312" r:id="rId13"/>
-    <p:sldId id="292" r:id="rId14"/>
-    <p:sldId id="313" r:id="rId15"/>
-    <p:sldId id="293" r:id="rId16"/>
-    <p:sldId id="294" r:id="rId17"/>
-    <p:sldId id="295" r:id="rId18"/>
-    <p:sldId id="296" r:id="rId19"/>
-    <p:sldId id="297" r:id="rId20"/>
-    <p:sldId id="298" r:id="rId21"/>
-    <p:sldId id="314" r:id="rId22"/>
-    <p:sldId id="315" r:id="rId23"/>
-    <p:sldId id="316" r:id="rId24"/>
-    <p:sldId id="317" r:id="rId25"/>
-    <p:sldId id="299" r:id="rId26"/>
-    <p:sldId id="300" r:id="rId27"/>
-    <p:sldId id="301" r:id="rId28"/>
-    <p:sldId id="302" r:id="rId29"/>
-    <p:sldId id="303" r:id="rId30"/>
-    <p:sldId id="328" r:id="rId31"/>
-    <p:sldId id="329" r:id="rId32"/>
-    <p:sldId id="330" r:id="rId33"/>
-    <p:sldId id="331" r:id="rId34"/>
-    <p:sldId id="332" r:id="rId35"/>
-    <p:sldId id="333" r:id="rId36"/>
-    <p:sldId id="334" r:id="rId37"/>
-    <p:sldId id="335" r:id="rId38"/>
-    <p:sldId id="304" r:id="rId39"/>
-    <p:sldId id="305" r:id="rId40"/>
-    <p:sldId id="306" r:id="rId41"/>
-    <p:sldId id="307" r:id="rId42"/>
-    <p:sldId id="308" r:id="rId43"/>
-    <p:sldId id="309" r:id="rId44"/>
-    <p:sldId id="336" r:id="rId45"/>
-    <p:sldId id="337" r:id="rId46"/>
-    <p:sldId id="342" r:id="rId47"/>
-    <p:sldId id="343" r:id="rId48"/>
-    <p:sldId id="339" r:id="rId49"/>
-    <p:sldId id="340" r:id="rId50"/>
-    <p:sldId id="284" r:id="rId51"/>
+    <p:sldId id="345" r:id="rId2"/>
+    <p:sldId id="347" r:id="rId3"/>
+    <p:sldId id="346" r:id="rId4"/>
+    <p:sldId id="286" r:id="rId5"/>
+    <p:sldId id="285" r:id="rId6"/>
+    <p:sldId id="287" r:id="rId7"/>
+    <p:sldId id="289" r:id="rId8"/>
+    <p:sldId id="341" r:id="rId9"/>
+    <p:sldId id="310" r:id="rId10"/>
+    <p:sldId id="344" r:id="rId11"/>
+    <p:sldId id="288" r:id="rId12"/>
+    <p:sldId id="311" r:id="rId13"/>
+    <p:sldId id="290" r:id="rId14"/>
+    <p:sldId id="291" r:id="rId15"/>
+    <p:sldId id="312" r:id="rId16"/>
+    <p:sldId id="292" r:id="rId17"/>
+    <p:sldId id="313" r:id="rId18"/>
+    <p:sldId id="293" r:id="rId19"/>
+    <p:sldId id="294" r:id="rId20"/>
+    <p:sldId id="295" r:id="rId21"/>
+    <p:sldId id="296" r:id="rId22"/>
+    <p:sldId id="297" r:id="rId23"/>
+    <p:sldId id="298" r:id="rId24"/>
+    <p:sldId id="314" r:id="rId25"/>
+    <p:sldId id="315" r:id="rId26"/>
+    <p:sldId id="316" r:id="rId27"/>
+    <p:sldId id="317" r:id="rId28"/>
+    <p:sldId id="299" r:id="rId29"/>
+    <p:sldId id="300" r:id="rId30"/>
+    <p:sldId id="301" r:id="rId31"/>
+    <p:sldId id="302" r:id="rId32"/>
+    <p:sldId id="303" r:id="rId33"/>
+    <p:sldId id="328" r:id="rId34"/>
+    <p:sldId id="329" r:id="rId35"/>
+    <p:sldId id="330" r:id="rId36"/>
+    <p:sldId id="331" r:id="rId37"/>
+    <p:sldId id="332" r:id="rId38"/>
+    <p:sldId id="333" r:id="rId39"/>
+    <p:sldId id="334" r:id="rId40"/>
+    <p:sldId id="335" r:id="rId41"/>
+    <p:sldId id="304" r:id="rId42"/>
+    <p:sldId id="305" r:id="rId43"/>
+    <p:sldId id="306" r:id="rId44"/>
+    <p:sldId id="307" r:id="rId45"/>
+    <p:sldId id="308" r:id="rId46"/>
+    <p:sldId id="309" r:id="rId47"/>
+    <p:sldId id="336" r:id="rId48"/>
+    <p:sldId id="337" r:id="rId49"/>
+    <p:sldId id="342" r:id="rId50"/>
+    <p:sldId id="343" r:id="rId51"/>
+    <p:sldId id="339" r:id="rId52"/>
+    <p:sldId id="340" r:id="rId53"/>
+    <p:sldId id="284" r:id="rId54"/>
   </p:sldIdLst>
   <p:sldSz cx="9144000" cy="6858000" type="screen4x3"/>
   <p:notesSz cx="6858000" cy="9144000"/>
@@ -175,6 +178,14 @@
 </p:presentation>
 </file>
 
+<file path=ppt/revisionInfo.xml><?xml version="1.0" encoding="utf-8"?>
+<p1510:revInfo xmlns:a="http://schemas.openxmlformats.org/drawingml/2006/main" xmlns:r="http://schemas.openxmlformats.org/officeDocument/2006/relationships" xmlns:p1510="http://schemas.microsoft.com/office/powerpoint/2015/10/main">
+  <p1510:revLst>
+    <p1510:client id="{12E905DC-A7E5-4A40-BD03-0BDCEA7D9035}" v="31" dt="2025-04-22T21:02:36.190"/>
+  </p1510:revLst>
+</p1510:revInfo>
+</file>
+
 <file path=ppt/changesInfos/changesInfo1.xml><?xml version="1.0" encoding="utf-8"?>
 <pc:chgInfo xmlns:a="http://schemas.openxmlformats.org/drawingml/2006/main" xmlns:r="http://schemas.openxmlformats.org/officeDocument/2006/relationships" xmlns:ac="http://schemas.microsoft.com/office/drawing/2013/main/command" xmlns:pc="http://schemas.microsoft.com/office/powerpoint/2013/main/command">
   <pc:docChgLst>
@@ -204,150 +215,6 @@
           <pc:docMk/>
           <pc:sldMk cId="1389832616" sldId="310"/>
         </pc:sldMkLst>
-        <pc:spChg chg="mod topLvl">
-          <ac:chgData name="Lines, Todd" userId="afaf7c3a-e8aa-4568-882a-02ad8f9e19b0" providerId="ADAL" clId="{D14D749C-C0D3-485E-8084-7F974543AFC9}" dt="2019-04-30T18:09:37.548" v="41" actId="164"/>
-          <ac:spMkLst>
-            <pc:docMk/>
-            <pc:sldMk cId="1389832616" sldId="310"/>
-            <ac:spMk id="5126" creationId="{00000000-0000-0000-0000-000000000000}"/>
-          </ac:spMkLst>
-        </pc:spChg>
-        <pc:spChg chg="mod topLvl">
-          <ac:chgData name="Lines, Todd" userId="afaf7c3a-e8aa-4568-882a-02ad8f9e19b0" providerId="ADAL" clId="{D14D749C-C0D3-485E-8084-7F974543AFC9}" dt="2019-04-30T18:09:37.548" v="41" actId="164"/>
-          <ac:spMkLst>
-            <pc:docMk/>
-            <pc:sldMk cId="1389832616" sldId="310"/>
-            <ac:spMk id="5127" creationId="{00000000-0000-0000-0000-000000000000}"/>
-          </ac:spMkLst>
-        </pc:spChg>
-        <pc:spChg chg="mod topLvl">
-          <ac:chgData name="Lines, Todd" userId="afaf7c3a-e8aa-4568-882a-02ad8f9e19b0" providerId="ADAL" clId="{D14D749C-C0D3-485E-8084-7F974543AFC9}" dt="2019-04-30T18:09:37.548" v="41" actId="164"/>
-          <ac:spMkLst>
-            <pc:docMk/>
-            <pc:sldMk cId="1389832616" sldId="310"/>
-            <ac:spMk id="5128" creationId="{00000000-0000-0000-0000-000000000000}"/>
-          </ac:spMkLst>
-        </pc:spChg>
-        <pc:spChg chg="mod topLvl">
-          <ac:chgData name="Lines, Todd" userId="afaf7c3a-e8aa-4568-882a-02ad8f9e19b0" providerId="ADAL" clId="{D14D749C-C0D3-485E-8084-7F974543AFC9}" dt="2019-04-30T18:09:37.548" v="41" actId="164"/>
-          <ac:spMkLst>
-            <pc:docMk/>
-            <pc:sldMk cId="1389832616" sldId="310"/>
-            <ac:spMk id="5129" creationId="{00000000-0000-0000-0000-000000000000}"/>
-          </ac:spMkLst>
-        </pc:spChg>
-        <pc:spChg chg="mod topLvl">
-          <ac:chgData name="Lines, Todd" userId="afaf7c3a-e8aa-4568-882a-02ad8f9e19b0" providerId="ADAL" clId="{D14D749C-C0D3-485E-8084-7F974543AFC9}" dt="2019-04-30T18:09:37.548" v="41" actId="164"/>
-          <ac:spMkLst>
-            <pc:docMk/>
-            <pc:sldMk cId="1389832616" sldId="310"/>
-            <ac:spMk id="5130" creationId="{00000000-0000-0000-0000-000000000000}"/>
-          </ac:spMkLst>
-        </pc:spChg>
-        <pc:spChg chg="mod topLvl">
-          <ac:chgData name="Lines, Todd" userId="afaf7c3a-e8aa-4568-882a-02ad8f9e19b0" providerId="ADAL" clId="{D14D749C-C0D3-485E-8084-7F974543AFC9}" dt="2019-04-30T18:09:37.548" v="41" actId="164"/>
-          <ac:spMkLst>
-            <pc:docMk/>
-            <pc:sldMk cId="1389832616" sldId="310"/>
-            <ac:spMk id="5131" creationId="{00000000-0000-0000-0000-000000000000}"/>
-          </ac:spMkLst>
-        </pc:spChg>
-        <pc:spChg chg="mod topLvl">
-          <ac:chgData name="Lines, Todd" userId="afaf7c3a-e8aa-4568-882a-02ad8f9e19b0" providerId="ADAL" clId="{D14D749C-C0D3-485E-8084-7F974543AFC9}" dt="2019-04-30T18:09:37.548" v="41" actId="164"/>
-          <ac:spMkLst>
-            <pc:docMk/>
-            <pc:sldMk cId="1389832616" sldId="310"/>
-            <ac:spMk id="5132" creationId="{00000000-0000-0000-0000-000000000000}"/>
-          </ac:spMkLst>
-        </pc:spChg>
-        <pc:spChg chg="mod topLvl">
-          <ac:chgData name="Lines, Todd" userId="afaf7c3a-e8aa-4568-882a-02ad8f9e19b0" providerId="ADAL" clId="{D14D749C-C0D3-485E-8084-7F974543AFC9}" dt="2019-04-30T18:09:37.548" v="41" actId="164"/>
-          <ac:spMkLst>
-            <pc:docMk/>
-            <pc:sldMk cId="1389832616" sldId="310"/>
-            <ac:spMk id="5133" creationId="{00000000-0000-0000-0000-000000000000}"/>
-          </ac:spMkLst>
-        </pc:spChg>
-        <pc:spChg chg="mod topLvl">
-          <ac:chgData name="Lines, Todd" userId="afaf7c3a-e8aa-4568-882a-02ad8f9e19b0" providerId="ADAL" clId="{D14D749C-C0D3-485E-8084-7F974543AFC9}" dt="2019-04-30T18:09:37.548" v="41" actId="164"/>
-          <ac:spMkLst>
-            <pc:docMk/>
-            <pc:sldMk cId="1389832616" sldId="310"/>
-            <ac:spMk id="5134" creationId="{00000000-0000-0000-0000-000000000000}"/>
-          </ac:spMkLst>
-        </pc:spChg>
-        <pc:spChg chg="mod topLvl">
-          <ac:chgData name="Lines, Todd" userId="afaf7c3a-e8aa-4568-882a-02ad8f9e19b0" providerId="ADAL" clId="{D14D749C-C0D3-485E-8084-7F974543AFC9}" dt="2019-04-30T18:09:37.548" v="41" actId="164"/>
-          <ac:spMkLst>
-            <pc:docMk/>
-            <pc:sldMk cId="1389832616" sldId="310"/>
-            <ac:spMk id="5135" creationId="{00000000-0000-0000-0000-000000000000}"/>
-          </ac:spMkLst>
-        </pc:spChg>
-        <pc:spChg chg="mod topLvl">
-          <ac:chgData name="Lines, Todd" userId="afaf7c3a-e8aa-4568-882a-02ad8f9e19b0" providerId="ADAL" clId="{D14D749C-C0D3-485E-8084-7F974543AFC9}" dt="2019-04-30T18:09:37.548" v="41" actId="164"/>
-          <ac:spMkLst>
-            <pc:docMk/>
-            <pc:sldMk cId="1389832616" sldId="310"/>
-            <ac:spMk id="5136" creationId="{00000000-0000-0000-0000-000000000000}"/>
-          </ac:spMkLst>
-        </pc:spChg>
-        <pc:spChg chg="mod topLvl">
-          <ac:chgData name="Lines, Todd" userId="afaf7c3a-e8aa-4568-882a-02ad8f9e19b0" providerId="ADAL" clId="{D14D749C-C0D3-485E-8084-7F974543AFC9}" dt="2019-04-30T18:09:37.548" v="41" actId="164"/>
-          <ac:spMkLst>
-            <pc:docMk/>
-            <pc:sldMk cId="1389832616" sldId="310"/>
-            <ac:spMk id="5137" creationId="{00000000-0000-0000-0000-000000000000}"/>
-          </ac:spMkLst>
-        </pc:spChg>
-        <pc:grpChg chg="del">
-          <ac:chgData name="Lines, Todd" userId="afaf7c3a-e8aa-4568-882a-02ad8f9e19b0" providerId="ADAL" clId="{D14D749C-C0D3-485E-8084-7F974543AFC9}" dt="2019-04-30T18:06:23.326" v="0" actId="165"/>
-          <ac:grpSpMkLst>
-            <pc:docMk/>
-            <pc:sldMk cId="1389832616" sldId="310"/>
-            <ac:grpSpMk id="2" creationId="{00000000-0000-0000-0000-000000000000}"/>
-          </ac:grpSpMkLst>
-        </pc:grpChg>
-        <pc:grpChg chg="del mod topLvl">
-          <ac:chgData name="Lines, Todd" userId="afaf7c3a-e8aa-4568-882a-02ad8f9e19b0" providerId="ADAL" clId="{D14D749C-C0D3-485E-8084-7F974543AFC9}" dt="2019-04-30T18:06:50.370" v="3" actId="165"/>
-          <ac:grpSpMkLst>
-            <pc:docMk/>
-            <pc:sldMk cId="1389832616" sldId="310"/>
-            <ac:grpSpMk id="3" creationId="{00000000-0000-0000-0000-000000000000}"/>
-          </ac:grpSpMkLst>
-        </pc:grpChg>
-        <pc:grpChg chg="add del mod">
-          <ac:chgData name="Lines, Todd" userId="afaf7c3a-e8aa-4568-882a-02ad8f9e19b0" providerId="ADAL" clId="{D14D749C-C0D3-485E-8084-7F974543AFC9}" dt="2019-04-30T18:07:54.781" v="29" actId="165"/>
-          <ac:grpSpMkLst>
-            <pc:docMk/>
-            <pc:sldMk cId="1389832616" sldId="310"/>
-            <ac:grpSpMk id="4" creationId="{BC36162A-A64D-4A92-8B71-01264315B24A}"/>
-          </ac:grpSpMkLst>
-        </pc:grpChg>
-        <pc:grpChg chg="add mod">
-          <ac:chgData name="Lines, Todd" userId="afaf7c3a-e8aa-4568-882a-02ad8f9e19b0" providerId="ADAL" clId="{D14D749C-C0D3-485E-8084-7F974543AFC9}" dt="2019-04-30T18:09:37.548" v="41" actId="164"/>
-          <ac:grpSpMkLst>
-            <pc:docMk/>
-            <pc:sldMk cId="1389832616" sldId="310"/>
-            <ac:grpSpMk id="5" creationId="{93DAC785-4362-47EC-9CB8-3B72511717BB}"/>
-          </ac:grpSpMkLst>
-        </pc:grpChg>
-        <pc:graphicFrameChg chg="mod topLvl">
-          <ac:chgData name="Lines, Todd" userId="afaf7c3a-e8aa-4568-882a-02ad8f9e19b0" providerId="ADAL" clId="{D14D749C-C0D3-485E-8084-7F974543AFC9}" dt="2019-04-30T18:09:37.548" v="41" actId="164"/>
-          <ac:graphicFrameMkLst>
-            <pc:docMk/>
-            <pc:sldMk cId="1389832616" sldId="310"/>
-            <ac:graphicFrameMk id="5122" creationId="{00000000-0000-0000-0000-000000000000}"/>
-          </ac:graphicFrameMkLst>
-        </pc:graphicFrameChg>
-        <pc:picChg chg="del mod">
-          <ac:chgData name="Lines, Todd" userId="afaf7c3a-e8aa-4568-882a-02ad8f9e19b0" providerId="ADAL" clId="{D14D749C-C0D3-485E-8084-7F974543AFC9}" dt="2019-04-30T18:09:50.841" v="43"/>
-          <ac:picMkLst>
-            <pc:docMk/>
-            <pc:sldMk cId="1389832616" sldId="310"/>
-            <ac:picMk id="6" creationId="{9F5718DE-BDB9-47F2-8CD0-650475A07DE0}"/>
-          </ac:picMkLst>
-        </pc:picChg>
       </pc:sldChg>
       <pc:sldChg chg="ord">
         <pc:chgData name="Lines, Todd" userId="afaf7c3a-e8aa-4568-882a-02ad8f9e19b0" providerId="ADAL" clId="{D14D749C-C0D3-485E-8084-7F974543AFC9}" dt="2019-04-30T18:32:17.690" v="48"/>
@@ -362,14 +229,6 @@
           <pc:docMk/>
           <pc:sldMk cId="1222242176" sldId="314"/>
         </pc:sldMkLst>
-        <pc:picChg chg="del mod">
-          <ac:chgData name="Lines, Todd" userId="afaf7c3a-e8aa-4568-882a-02ad8f9e19b0" providerId="ADAL" clId="{D14D749C-C0D3-485E-8084-7F974543AFC9}" dt="2019-04-30T18:53:59.664" v="50"/>
-          <ac:picMkLst>
-            <pc:docMk/>
-            <pc:sldMk cId="1222242176" sldId="314"/>
-            <ac:picMk id="7" creationId="{103356B0-9435-43AF-8F0E-29B8BAA8A78A}"/>
-          </ac:picMkLst>
-        </pc:picChg>
       </pc:sldChg>
       <pc:sldChg chg="delSp modSp">
         <pc:chgData name="Lines, Todd" userId="afaf7c3a-e8aa-4568-882a-02ad8f9e19b0" providerId="ADAL" clId="{D14D749C-C0D3-485E-8084-7F974543AFC9}" dt="2019-04-30T18:55:25.372" v="52"/>
@@ -377,14 +236,6 @@
           <pc:docMk/>
           <pc:sldMk cId="1189374261" sldId="315"/>
         </pc:sldMkLst>
-        <pc:picChg chg="del mod">
-          <ac:chgData name="Lines, Todd" userId="afaf7c3a-e8aa-4568-882a-02ad8f9e19b0" providerId="ADAL" clId="{D14D749C-C0D3-485E-8084-7F974543AFC9}" dt="2019-04-30T18:55:25.372" v="52"/>
-          <ac:picMkLst>
-            <pc:docMk/>
-            <pc:sldMk cId="1189374261" sldId="315"/>
-            <ac:picMk id="4" creationId="{DA3992FC-05C1-40B3-A370-D908CBA7B181}"/>
-          </ac:picMkLst>
-        </pc:picChg>
       </pc:sldChg>
       <pc:sldChg chg="delSp modSp">
         <pc:chgData name="Lines, Todd" userId="afaf7c3a-e8aa-4568-882a-02ad8f9e19b0" providerId="ADAL" clId="{D14D749C-C0D3-485E-8084-7F974543AFC9}" dt="2019-04-30T18:56:17.180" v="55"/>
@@ -392,22 +243,6 @@
           <pc:docMk/>
           <pc:sldMk cId="1734463390" sldId="316"/>
         </pc:sldMkLst>
-        <pc:spChg chg="del">
-          <ac:chgData name="Lines, Todd" userId="afaf7c3a-e8aa-4568-882a-02ad8f9e19b0" providerId="ADAL" clId="{D14D749C-C0D3-485E-8084-7F974543AFC9}" dt="2019-04-30T18:56:00.006" v="53" actId="478"/>
-          <ac:spMkLst>
-            <pc:docMk/>
-            <pc:sldMk cId="1734463390" sldId="316"/>
-            <ac:spMk id="40963" creationId="{00000000-0000-0000-0000-000000000000}"/>
-          </ac:spMkLst>
-        </pc:spChg>
-        <pc:picChg chg="del mod">
-          <ac:chgData name="Lines, Todd" userId="afaf7c3a-e8aa-4568-882a-02ad8f9e19b0" providerId="ADAL" clId="{D14D749C-C0D3-485E-8084-7F974543AFC9}" dt="2019-04-30T18:56:17.180" v="55"/>
-          <ac:picMkLst>
-            <pc:docMk/>
-            <pc:sldMk cId="1734463390" sldId="316"/>
-            <ac:picMk id="4" creationId="{023BC418-3931-46E3-A4DD-8C9FC04F5C6F}"/>
-          </ac:picMkLst>
-        </pc:picChg>
       </pc:sldChg>
       <pc:sldChg chg="delSp modSp">
         <pc:chgData name="Lines, Todd" userId="afaf7c3a-e8aa-4568-882a-02ad8f9e19b0" providerId="ADAL" clId="{D14D749C-C0D3-485E-8084-7F974543AFC9}" dt="2019-04-30T18:56:42.530" v="58"/>
@@ -415,22 +250,6 @@
           <pc:docMk/>
           <pc:sldMk cId="3937303269" sldId="317"/>
         </pc:sldMkLst>
-        <pc:spChg chg="del">
-          <ac:chgData name="Lines, Todd" userId="afaf7c3a-e8aa-4568-882a-02ad8f9e19b0" providerId="ADAL" clId="{D14D749C-C0D3-485E-8084-7F974543AFC9}" dt="2019-04-30T18:56:30.453" v="56" actId="478"/>
-          <ac:spMkLst>
-            <pc:docMk/>
-            <pc:sldMk cId="3937303269" sldId="317"/>
-            <ac:spMk id="41987" creationId="{00000000-0000-0000-0000-000000000000}"/>
-          </ac:spMkLst>
-        </pc:spChg>
-        <pc:picChg chg="del mod">
-          <ac:chgData name="Lines, Todd" userId="afaf7c3a-e8aa-4568-882a-02ad8f9e19b0" providerId="ADAL" clId="{D14D749C-C0D3-485E-8084-7F974543AFC9}" dt="2019-04-30T18:56:42.530" v="58"/>
-          <ac:picMkLst>
-            <pc:docMk/>
-            <pc:sldMk cId="3937303269" sldId="317"/>
-            <ac:picMk id="4" creationId="{664D7EED-04A8-42F0-9951-C12BCE023342}"/>
-          </ac:picMkLst>
-        </pc:picChg>
       </pc:sldChg>
       <pc:sldChg chg="delSp modSp">
         <pc:chgData name="Lines, Todd" userId="afaf7c3a-e8aa-4568-882a-02ad8f9e19b0" providerId="ADAL" clId="{D14D749C-C0D3-485E-8084-7F974543AFC9}" dt="2019-04-30T18:57:28.338" v="60"/>
@@ -438,14 +257,6 @@
           <pc:docMk/>
           <pc:sldMk cId="3726261940" sldId="336"/>
         </pc:sldMkLst>
-        <pc:picChg chg="del mod">
-          <ac:chgData name="Lines, Todd" userId="afaf7c3a-e8aa-4568-882a-02ad8f9e19b0" providerId="ADAL" clId="{D14D749C-C0D3-485E-8084-7F974543AFC9}" dt="2019-04-30T18:57:28.338" v="60"/>
-          <ac:picMkLst>
-            <pc:docMk/>
-            <pc:sldMk cId="3726261940" sldId="336"/>
-            <ac:picMk id="8" creationId="{FC5AEA90-AFF9-4676-A184-901E0E8FA33F}"/>
-          </ac:picMkLst>
-        </pc:picChg>
       </pc:sldChg>
       <pc:sldChg chg="add">
         <pc:chgData name="Lines, Todd" userId="afaf7c3a-e8aa-4568-882a-02ad8f9e19b0" providerId="ADAL" clId="{D14D749C-C0D3-485E-8084-7F974543AFC9}" dt="2019-04-30T18:26:48.630" v="47"/>
@@ -453,6 +264,164 @@
           <pc:docMk/>
           <pc:sldMk cId="103656388" sldId="344"/>
         </pc:sldMkLst>
+      </pc:sldChg>
+    </pc:docChg>
+  </pc:docChgLst>
+  <pc:docChgLst>
+    <pc:chgData name="Lines, Todd" userId="afaf7c3a-e8aa-4568-882a-02ad8f9e19b0" providerId="ADAL" clId="{12E905DC-A7E5-4A40-BD03-0BDCEA7D9035}"/>
+    <pc:docChg chg="undo custSel addSld modSld">
+      <pc:chgData name="Lines, Todd" userId="afaf7c3a-e8aa-4568-882a-02ad8f9e19b0" providerId="ADAL" clId="{12E905DC-A7E5-4A40-BD03-0BDCEA7D9035}" dt="2025-04-22T21:02:40.986" v="122" actId="21"/>
+      <pc:docMkLst>
+        <pc:docMk/>
+      </pc:docMkLst>
+      <pc:sldChg chg="modSp new mod">
+        <pc:chgData name="Lines, Todd" userId="afaf7c3a-e8aa-4568-882a-02ad8f9e19b0" providerId="ADAL" clId="{12E905DC-A7E5-4A40-BD03-0BDCEA7D9035}" dt="2025-04-22T20:51:26.915" v="9" actId="20577"/>
+        <pc:sldMkLst>
+          <pc:docMk/>
+          <pc:sldMk cId="3875607050" sldId="345"/>
+        </pc:sldMkLst>
+        <pc:spChg chg="mod">
+          <ac:chgData name="Lines, Todd" userId="afaf7c3a-e8aa-4568-882a-02ad8f9e19b0" providerId="ADAL" clId="{12E905DC-A7E5-4A40-BD03-0BDCEA7D9035}" dt="2025-04-22T20:51:26.915" v="9" actId="20577"/>
+          <ac:spMkLst>
+            <pc:docMk/>
+            <pc:sldMk cId="3875607050" sldId="345"/>
+            <ac:spMk id="2" creationId="{E1C3A048-6484-8EDE-428B-D7D2F7E8C037}"/>
+          </ac:spMkLst>
+        </pc:spChg>
+      </pc:sldChg>
+      <pc:sldChg chg="addSp delSp modSp new mod modClrScheme chgLayout">
+        <pc:chgData name="Lines, Todd" userId="afaf7c3a-e8aa-4568-882a-02ad8f9e19b0" providerId="ADAL" clId="{12E905DC-A7E5-4A40-BD03-0BDCEA7D9035}" dt="2025-04-22T20:51:34.209" v="14" actId="20577"/>
+        <pc:sldMkLst>
+          <pc:docMk/>
+          <pc:sldMk cId="1412958550" sldId="346"/>
+        </pc:sldMkLst>
+        <pc:spChg chg="del mod ord">
+          <ac:chgData name="Lines, Todd" userId="afaf7c3a-e8aa-4568-882a-02ad8f9e19b0" providerId="ADAL" clId="{12E905DC-A7E5-4A40-BD03-0BDCEA7D9035}" dt="2025-04-22T20:51:32.232" v="11" actId="700"/>
+          <ac:spMkLst>
+            <pc:docMk/>
+            <pc:sldMk cId="1412958550" sldId="346"/>
+            <ac:spMk id="2" creationId="{049977CA-3104-AC29-456C-E6F1AD47AD1F}"/>
+          </ac:spMkLst>
+        </pc:spChg>
+        <pc:spChg chg="del mod ord">
+          <ac:chgData name="Lines, Todd" userId="afaf7c3a-e8aa-4568-882a-02ad8f9e19b0" providerId="ADAL" clId="{12E905DC-A7E5-4A40-BD03-0BDCEA7D9035}" dt="2025-04-22T20:51:32.232" v="11" actId="700"/>
+          <ac:spMkLst>
+            <pc:docMk/>
+            <pc:sldMk cId="1412958550" sldId="346"/>
+            <ac:spMk id="3" creationId="{B57FF44F-DD49-1128-BEED-B4C00658DFA5}"/>
+          </ac:spMkLst>
+        </pc:spChg>
+        <pc:spChg chg="add mod ord">
+          <ac:chgData name="Lines, Todd" userId="afaf7c3a-e8aa-4568-882a-02ad8f9e19b0" providerId="ADAL" clId="{12E905DC-A7E5-4A40-BD03-0BDCEA7D9035}" dt="2025-04-22T20:51:34.209" v="14" actId="20577"/>
+          <ac:spMkLst>
+            <pc:docMk/>
+            <pc:sldMk cId="1412958550" sldId="346"/>
+            <ac:spMk id="4" creationId="{1B0358E7-5ABA-69A2-E2B3-B3C44C1A0611}"/>
+          </ac:spMkLst>
+        </pc:spChg>
+        <pc:spChg chg="add mod ord">
+          <ac:chgData name="Lines, Todd" userId="afaf7c3a-e8aa-4568-882a-02ad8f9e19b0" providerId="ADAL" clId="{12E905DC-A7E5-4A40-BD03-0BDCEA7D9035}" dt="2025-04-22T20:51:32.232" v="11" actId="700"/>
+          <ac:spMkLst>
+            <pc:docMk/>
+            <pc:sldMk cId="1412958550" sldId="346"/>
+            <ac:spMk id="5" creationId="{20BA4F39-95C8-22FC-D198-3A41F6A5CD2F}"/>
+          </ac:spMkLst>
+        </pc:spChg>
+      </pc:sldChg>
+      <pc:sldChg chg="addSp delSp modSp new mod">
+        <pc:chgData name="Lines, Todd" userId="afaf7c3a-e8aa-4568-882a-02ad8f9e19b0" providerId="ADAL" clId="{12E905DC-A7E5-4A40-BD03-0BDCEA7D9035}" dt="2025-04-22T21:02:40.986" v="122" actId="21"/>
+        <pc:sldMkLst>
+          <pc:docMk/>
+          <pc:sldMk cId="1643441071" sldId="347"/>
+        </pc:sldMkLst>
+        <pc:spChg chg="del">
+          <ac:chgData name="Lines, Todd" userId="afaf7c3a-e8aa-4568-882a-02ad8f9e19b0" providerId="ADAL" clId="{12E905DC-A7E5-4A40-BD03-0BDCEA7D9035}" dt="2025-04-22T20:51:53.184" v="16" actId="478"/>
+          <ac:spMkLst>
+            <pc:docMk/>
+            <pc:sldMk cId="1643441071" sldId="347"/>
+            <ac:spMk id="2" creationId="{385B1757-2E78-AD1A-A2E3-C7CCCC1FE5E0}"/>
+          </ac:spMkLst>
+        </pc:spChg>
+        <pc:spChg chg="del">
+          <ac:chgData name="Lines, Todd" userId="afaf7c3a-e8aa-4568-882a-02ad8f9e19b0" providerId="ADAL" clId="{12E905DC-A7E5-4A40-BD03-0BDCEA7D9035}" dt="2025-04-22T20:51:53.184" v="16" actId="478"/>
+          <ac:spMkLst>
+            <pc:docMk/>
+            <pc:sldMk cId="1643441071" sldId="347"/>
+            <ac:spMk id="3" creationId="{4BFCC663-6974-4AE0-F4CE-56FDF6C4554C}"/>
+          </ac:spMkLst>
+        </pc:spChg>
+        <pc:spChg chg="add mod">
+          <ac:chgData name="Lines, Todd" userId="afaf7c3a-e8aa-4568-882a-02ad8f9e19b0" providerId="ADAL" clId="{12E905DC-A7E5-4A40-BD03-0BDCEA7D9035}" dt="2025-04-22T20:53:09.399" v="19" actId="2085"/>
+          <ac:spMkLst>
+            <pc:docMk/>
+            <pc:sldMk cId="1643441071" sldId="347"/>
+            <ac:spMk id="4" creationId="{613C0366-ADBD-5FA5-A76A-CC6520D623DA}"/>
+          </ac:spMkLst>
+        </pc:spChg>
+        <pc:spChg chg="add mod">
+          <ac:chgData name="Lines, Todd" userId="afaf7c3a-e8aa-4568-882a-02ad8f9e19b0" providerId="ADAL" clId="{12E905DC-A7E5-4A40-BD03-0BDCEA7D9035}" dt="2025-04-22T20:53:44.218" v="24" actId="207"/>
+          <ac:spMkLst>
+            <pc:docMk/>
+            <pc:sldMk cId="1643441071" sldId="347"/>
+            <ac:spMk id="5" creationId="{8DEE0855-A788-A402-48A5-46F63F828A3E}"/>
+          </ac:spMkLst>
+        </pc:spChg>
+        <pc:spChg chg="add mod">
+          <ac:chgData name="Lines, Todd" userId="afaf7c3a-e8aa-4568-882a-02ad8f9e19b0" providerId="ADAL" clId="{12E905DC-A7E5-4A40-BD03-0BDCEA7D9035}" dt="2025-04-22T20:54:01.816" v="28" actId="207"/>
+          <ac:spMkLst>
+            <pc:docMk/>
+            <pc:sldMk cId="1643441071" sldId="347"/>
+            <ac:spMk id="6" creationId="{70FE5A38-89EB-A82A-AB61-B6D8415A3953}"/>
+          </ac:spMkLst>
+        </pc:spChg>
+        <pc:spChg chg="add mod ord">
+          <ac:chgData name="Lines, Todd" userId="afaf7c3a-e8aa-4568-882a-02ad8f9e19b0" providerId="ADAL" clId="{12E905DC-A7E5-4A40-BD03-0BDCEA7D9035}" dt="2025-04-22T20:54:34.554" v="36" actId="14100"/>
+          <ac:spMkLst>
+            <pc:docMk/>
+            <pc:sldMk cId="1643441071" sldId="347"/>
+            <ac:spMk id="7" creationId="{D8FD1B72-CCBE-CE40-E955-1FAE8C362531}"/>
+          </ac:spMkLst>
+        </pc:spChg>
+        <pc:spChg chg="add mod">
+          <ac:chgData name="Lines, Todd" userId="afaf7c3a-e8aa-4568-882a-02ad8f9e19b0" providerId="ADAL" clId="{12E905DC-A7E5-4A40-BD03-0BDCEA7D9035}" dt="2025-04-22T21:00:33.404" v="107" actId="208"/>
+          <ac:spMkLst>
+            <pc:docMk/>
+            <pc:sldMk cId="1643441071" sldId="347"/>
+            <ac:spMk id="9" creationId="{97BAF4FB-DA6A-6AD6-F1CC-6144FB3A9559}"/>
+          </ac:spMkLst>
+        </pc:spChg>
+        <pc:spChg chg="add mod">
+          <ac:chgData name="Lines, Todd" userId="afaf7c3a-e8aa-4568-882a-02ad8f9e19b0" providerId="ADAL" clId="{12E905DC-A7E5-4A40-BD03-0BDCEA7D9035}" dt="2025-04-22T21:01:32.822" v="117" actId="1076"/>
+          <ac:spMkLst>
+            <pc:docMk/>
+            <pc:sldMk cId="1643441071" sldId="347"/>
+            <ac:spMk id="10" creationId="{72AF48F9-FB2B-4063-8E03-104E1C15DF2D}"/>
+          </ac:spMkLst>
+        </pc:spChg>
+        <pc:spChg chg="add mod">
+          <ac:chgData name="Lines, Todd" userId="afaf7c3a-e8aa-4568-882a-02ad8f9e19b0" providerId="ADAL" clId="{12E905DC-A7E5-4A40-BD03-0BDCEA7D9035}" dt="2025-04-22T21:02:13.592" v="120" actId="1076"/>
+          <ac:spMkLst>
+            <pc:docMk/>
+            <pc:sldMk cId="1643441071" sldId="347"/>
+            <ac:spMk id="11" creationId="{E7585B40-CC23-8828-633D-7F296358D19A}"/>
+          </ac:spMkLst>
+        </pc:spChg>
+        <pc:picChg chg="add del mod">
+          <ac:chgData name="Lines, Todd" userId="afaf7c3a-e8aa-4568-882a-02ad8f9e19b0" providerId="ADAL" clId="{12E905DC-A7E5-4A40-BD03-0BDCEA7D9035}" dt="2025-04-22T20:59:59.133" v="101" actId="478"/>
+          <ac:picMkLst>
+            <pc:docMk/>
+            <pc:sldMk cId="1643441071" sldId="347"/>
+            <ac:picMk id="8" creationId="{0E3A0BF1-4A0D-F53F-016A-90E4B7185960}"/>
+          </ac:picMkLst>
+        </pc:picChg>
+        <pc:picChg chg="del mod">
+          <ac:chgData name="Lines, Todd" userId="afaf7c3a-e8aa-4568-882a-02ad8f9e19b0" providerId="ADAL" clId="{12E905DC-A7E5-4A40-BD03-0BDCEA7D9035}" dt="2025-04-22T21:02:40.986" v="122" actId="21"/>
+          <ac:picMkLst>
+            <pc:docMk/>
+            <pc:sldMk cId="1643441071" sldId="347"/>
+            <ac:picMk id="12" creationId="{15D6841E-DACC-8B5A-668E-C4C36F2C4590}"/>
+          </ac:picMkLst>
+        </pc:picChg>
       </pc:sldChg>
     </pc:docChg>
   </pc:docChgLst>
@@ -541,7 +510,7 @@
           <a:p>
             <a:fld id="{DA081139-F0BA-49F9-93A6-6F626C1CF540}" type="datetimeFigureOut">
               <a:rPr lang="en-US" smtClean="0"/>
-              <a:t>4/30/2019</a:t>
+              <a:t>4/22/2025</a:t>
             </a:fld>
             <a:endParaRPr lang="en-US"/>
           </a:p>
@@ -918,7 +887,7 @@
                   <a:spcPct val="0"/>
                 </a:spcAft>
               </a:pPr>
-              <a:t>37</a:t>
+              <a:t>40</a:t>
             </a:fld>
             <a:endParaRPr lang="en-US"/>
           </a:p>
@@ -1116,7 +1085,7 @@
           <a:p>
             <a:fld id="{EDF140B7-8B0E-44A6-9E20-D5135BF064F6}" type="datetimeFigureOut">
               <a:rPr lang="en-US" smtClean="0"/>
-              <a:t>4/30/2019</a:t>
+              <a:t>4/22/2025</a:t>
             </a:fld>
             <a:endParaRPr lang="en-US"/>
           </a:p>
@@ -1279,7 +1248,7 @@
           <a:p>
             <a:fld id="{EDF140B7-8B0E-44A6-9E20-D5135BF064F6}" type="datetimeFigureOut">
               <a:rPr lang="en-US" smtClean="0"/>
-              <a:t>4/30/2019</a:t>
+              <a:t>4/22/2025</a:t>
             </a:fld>
             <a:endParaRPr lang="en-US"/>
           </a:p>
@@ -1452,7 +1421,7 @@
           <a:p>
             <a:fld id="{EDF140B7-8B0E-44A6-9E20-D5135BF064F6}" type="datetimeFigureOut">
               <a:rPr lang="en-US" smtClean="0"/>
-              <a:t>4/30/2019</a:t>
+              <a:t>4/22/2025</a:t>
             </a:fld>
             <a:endParaRPr lang="en-US"/>
           </a:p>
@@ -1615,7 +1584,7 @@
           <a:p>
             <a:fld id="{EDF140B7-8B0E-44A6-9E20-D5135BF064F6}" type="datetimeFigureOut">
               <a:rPr lang="en-US" smtClean="0"/>
-              <a:t>4/30/2019</a:t>
+              <a:t>4/22/2025</a:t>
             </a:fld>
             <a:endParaRPr lang="en-US"/>
           </a:p>
@@ -1855,7 +1824,7 @@
           <a:p>
             <a:fld id="{EDF140B7-8B0E-44A6-9E20-D5135BF064F6}" type="datetimeFigureOut">
               <a:rPr lang="en-US" smtClean="0"/>
-              <a:t>4/30/2019</a:t>
+              <a:t>4/22/2025</a:t>
             </a:fld>
             <a:endParaRPr lang="en-US"/>
           </a:p>
@@ -2135,7 +2104,7 @@
           <a:p>
             <a:fld id="{EDF140B7-8B0E-44A6-9E20-D5135BF064F6}" type="datetimeFigureOut">
               <a:rPr lang="en-US" smtClean="0"/>
-              <a:t>4/30/2019</a:t>
+              <a:t>4/22/2025</a:t>
             </a:fld>
             <a:endParaRPr lang="en-US"/>
           </a:p>
@@ -2549,7 +2518,7 @@
           <a:p>
             <a:fld id="{EDF140B7-8B0E-44A6-9E20-D5135BF064F6}" type="datetimeFigureOut">
               <a:rPr lang="en-US" smtClean="0"/>
-              <a:t>4/30/2019</a:t>
+              <a:t>4/22/2025</a:t>
             </a:fld>
             <a:endParaRPr lang="en-US"/>
           </a:p>
@@ -2661,7 +2630,7 @@
           <a:p>
             <a:fld id="{EDF140B7-8B0E-44A6-9E20-D5135BF064F6}" type="datetimeFigureOut">
               <a:rPr lang="en-US" smtClean="0"/>
-              <a:t>4/30/2019</a:t>
+              <a:t>4/22/2025</a:t>
             </a:fld>
             <a:endParaRPr lang="en-US"/>
           </a:p>
@@ -2751,7 +2720,7 @@
           <a:p>
             <a:fld id="{EDF140B7-8B0E-44A6-9E20-D5135BF064F6}" type="datetimeFigureOut">
               <a:rPr lang="en-US" smtClean="0"/>
-              <a:t>4/30/2019</a:t>
+              <a:t>4/22/2025</a:t>
             </a:fld>
             <a:endParaRPr lang="en-US"/>
           </a:p>
@@ -3021,7 +2990,7 @@
           <a:p>
             <a:fld id="{EDF140B7-8B0E-44A6-9E20-D5135BF064F6}" type="datetimeFigureOut">
               <a:rPr lang="en-US" smtClean="0"/>
-              <a:t>4/30/2019</a:t>
+              <a:t>4/22/2025</a:t>
             </a:fld>
             <a:endParaRPr lang="en-US"/>
           </a:p>
@@ -3268,7 +3237,7 @@
           <a:p>
             <a:fld id="{EDF140B7-8B0E-44A6-9E20-D5135BF064F6}" type="datetimeFigureOut">
               <a:rPr lang="en-US" smtClean="0"/>
-              <a:t>4/30/2019</a:t>
+              <a:t>4/22/2025</a:t>
             </a:fld>
             <a:endParaRPr lang="en-US"/>
           </a:p>
@@ -3474,7 +3443,7 @@
           <a:p>
             <a:fld id="{EDF140B7-8B0E-44A6-9E20-D5135BF064F6}" type="datetimeFigureOut">
               <a:rPr lang="en-US" smtClean="0"/>
-              <a:t>4/30/2019</a:t>
+              <a:t>4/22/2025</a:t>
             </a:fld>
             <a:endParaRPr lang="en-US"/>
           </a:p>
@@ -3846,12 +3815,18 @@
       </p:grpSpPr>
       <p:sp>
         <p:nvSpPr>
-          <p:cNvPr id="2" name="Title 1"/>
+          <p:cNvPr id="2" name="Title 1">
+            <a:extLst>
+              <a:ext uri="{FF2B5EF4-FFF2-40B4-BE49-F238E27FC236}">
+                <a16:creationId xmlns:a16="http://schemas.microsoft.com/office/drawing/2014/main" id="{E1C3A048-6484-8EDE-428B-D7D2F7E8C037}"/>
+              </a:ext>
+            </a:extLst>
+          </p:cNvPr>
           <p:cNvSpPr>
             <a:spLocks noGrp="1"/>
           </p:cNvSpPr>
           <p:nvPr>
-            <p:ph type="title"/>
+            <p:ph type="ctrTitle"/>
           </p:nvPr>
         </p:nvSpPr>
         <p:spPr/>
@@ -3861,19 +3836,25 @@
           <a:p>
             <a:r>
               <a:rPr lang="en-US" dirty="0"/>
-              <a:t>Question 223.4.5.1</a:t>
+              <a:t>Lecture 6</a:t>
             </a:r>
           </a:p>
         </p:txBody>
       </p:sp>
       <p:sp>
         <p:nvSpPr>
-          <p:cNvPr id="3" name="Content Placeholder 2"/>
+          <p:cNvPr id="3" name="Subtitle 2">
+            <a:extLst>
+              <a:ext uri="{FF2B5EF4-FFF2-40B4-BE49-F238E27FC236}">
+                <a16:creationId xmlns:a16="http://schemas.microsoft.com/office/drawing/2014/main" id="{708FF576-B4FD-4AA6-5391-5A45FB1C8BF6}"/>
+              </a:ext>
+            </a:extLst>
+          </p:cNvPr>
           <p:cNvSpPr>
             <a:spLocks noGrp="1"/>
           </p:cNvSpPr>
           <p:nvPr>
-            <p:ph idx="1"/>
+            <p:ph type="subTitle" idx="1"/>
           </p:nvPr>
         </p:nvSpPr>
         <p:spPr/>
@@ -3881,77 +3862,6 @@
           <a:bodyPr/>
           <a:lstStyle/>
           <a:p>
-            <a:pPr marL="0" indent="0">
-              <a:buNone/>
-            </a:pPr>
-            <a:r>
-              <a:rPr lang="en-US" dirty="0"/>
-              <a:t>If the index of refraction is  n = 2, how fast is the light going in the material medium?</a:t>
-            </a:r>
-          </a:p>
-          <a:p>
-            <a:pPr marL="514350" indent="-514350">
-              <a:buAutoNum type="alphaLcParenR"/>
-            </a:pPr>
-            <a:r>
-              <a:rPr lang="en-US" dirty="0"/>
-              <a:t>Twice the speed of light</a:t>
-            </a:r>
-          </a:p>
-          <a:p>
-            <a:pPr marL="514350" indent="-514350">
-              <a:buAutoNum type="alphaLcParenR"/>
-            </a:pPr>
-            <a:r>
-              <a:rPr lang="en-US" dirty="0"/>
-              <a:t>Half the speed of light</a:t>
-            </a:r>
-          </a:p>
-          <a:p>
-            <a:pPr marL="514350" indent="-514350">
-              <a:buAutoNum type="alphaLcParenR"/>
-            </a:pPr>
-            <a:r>
-              <a:rPr lang="en-US" dirty="0"/>
-              <a:t>A quarter the speed of light</a:t>
-            </a:r>
-          </a:p>
-          <a:p>
-            <a:pPr marL="514350" indent="-514350">
-              <a:buAutoNum type="alphaLcParenR"/>
-            </a:pPr>
-            <a:r>
-              <a:rPr lang="en-US" dirty="0"/>
-              <a:t>1/16 the speed of light</a:t>
-            </a:r>
-          </a:p>
-        </p:txBody>
-      </p:sp>
-      <p:sp>
-        <p:nvSpPr>
-          <p:cNvPr id="4" name="Slide Number Placeholder 3"/>
-          <p:cNvSpPr>
-            <a:spLocks noGrp="1"/>
-          </p:cNvSpPr>
-          <p:nvPr>
-            <p:ph type="sldNum" sz="quarter" idx="12"/>
-          </p:nvPr>
-        </p:nvSpPr>
-        <p:spPr/>
-        <p:txBody>
-          <a:bodyPr/>
-          <a:lstStyle/>
-          <a:p>
-            <a:pPr>
-              <a:defRPr/>
-            </a:pPr>
-            <a:fld id="{64137B81-8888-4253-92EC-0AED2A590749}" type="slidenum">
-              <a:rPr lang="en-US" smtClean="0"/>
-              <a:pPr>
-                <a:defRPr/>
-              </a:pPr>
-              <a:t>1</a:t>
-            </a:fld>
             <a:endParaRPr lang="en-US"/>
           </a:p>
         </p:txBody>
@@ -3959,7 +3869,7 @@
     </p:spTree>
     <p:extLst>
       <p:ext uri="{BB962C8B-B14F-4D97-AF65-F5344CB8AC3E}">
-        <p14:creationId xmlns:p14="http://schemas.microsoft.com/office/powerpoint/2010/main" val="723896467"/>
+        <p14:creationId xmlns:p14="http://schemas.microsoft.com/office/powerpoint/2010/main" val="3875607050"/>
       </p:ext>
     </p:extLst>
   </p:cSld>
@@ -3970,6 +3880,2145 @@
 </file>
 
 <file path=ppt/slides/slide10.xml><?xml version="1.0" encoding="utf-8"?>
+<p:sld xmlns:a="http://schemas.openxmlformats.org/drawingml/2006/main" xmlns:r="http://schemas.openxmlformats.org/officeDocument/2006/relationships" xmlns:p="http://schemas.openxmlformats.org/presentationml/2006/main">
+  <p:cSld>
+    <p:spTree>
+      <p:nvGrpSpPr>
+        <p:cNvPr id="1" name=""/>
+        <p:cNvGrpSpPr/>
+        <p:nvPr/>
+      </p:nvGrpSpPr>
+      <p:grpSpPr>
+        <a:xfrm>
+          <a:off x="0" y="0"/>
+          <a:ext cx="0" cy="0"/>
+          <a:chOff x="0" y="0"/>
+          <a:chExt cx="0" cy="0"/>
+        </a:xfrm>
+      </p:grpSpPr>
+      <p:grpSp>
+        <p:nvGrpSpPr>
+          <p:cNvPr id="3" name="Group 5"/>
+          <p:cNvGrpSpPr>
+            <a:grpSpLocks/>
+          </p:cNvGrpSpPr>
+          <p:nvPr/>
+        </p:nvGrpSpPr>
+        <p:grpSpPr bwMode="auto">
+          <a:xfrm>
+            <a:off x="924128" y="291829"/>
+            <a:ext cx="6945548" cy="6313252"/>
+            <a:chOff x="1056" y="1824"/>
+            <a:chExt cx="1536" cy="1584"/>
+          </a:xfrm>
+        </p:grpSpPr>
+        <p:sp>
+          <p:nvSpPr>
+            <p:cNvPr id="5131" name="Oval 6"/>
+            <p:cNvSpPr>
+              <a:spLocks noChangeArrowheads="1"/>
+            </p:cNvSpPr>
+            <p:nvPr/>
+          </p:nvSpPr>
+          <p:spPr bwMode="auto">
+            <a:xfrm>
+              <a:off x="1056" y="1824"/>
+              <a:ext cx="1536" cy="1584"/>
+            </a:xfrm>
+            <a:prstGeom prst="ellipse">
+              <a:avLst/>
+            </a:prstGeom>
+            <a:solidFill>
+              <a:srgbClr val="FFFFFF"/>
+            </a:solidFill>
+            <a:ln w="9525" algn="ctr">
+              <a:solidFill>
+                <a:schemeClr val="tx1"/>
+              </a:solidFill>
+              <a:round/>
+              <a:headEnd/>
+              <a:tailEnd/>
+            </a:ln>
+          </p:spPr>
+          <p:txBody>
+            <a:bodyPr wrap="none" anchor="ctr"/>
+            <a:lstStyle/>
+            <a:p>
+              <a:endParaRPr lang="en-US" dirty="0"/>
+            </a:p>
+          </p:txBody>
+        </p:sp>
+        <p:sp>
+          <p:nvSpPr>
+            <p:cNvPr id="5132" name="Oval 7"/>
+            <p:cNvSpPr>
+              <a:spLocks noChangeArrowheads="1"/>
+            </p:cNvSpPr>
+            <p:nvPr/>
+          </p:nvSpPr>
+          <p:spPr bwMode="auto">
+            <a:xfrm>
+              <a:off x="1224" y="1992"/>
+              <a:ext cx="1200" cy="1248"/>
+            </a:xfrm>
+            <a:prstGeom prst="ellipse">
+              <a:avLst/>
+            </a:prstGeom>
+            <a:solidFill>
+              <a:srgbClr val="FFFFFF"/>
+            </a:solidFill>
+            <a:ln w="9525" algn="ctr">
+              <a:solidFill>
+                <a:schemeClr val="tx1"/>
+              </a:solidFill>
+              <a:round/>
+              <a:headEnd/>
+              <a:tailEnd/>
+            </a:ln>
+          </p:spPr>
+          <p:txBody>
+            <a:bodyPr wrap="none" anchor="ctr"/>
+            <a:lstStyle/>
+            <a:p>
+              <a:endParaRPr lang="en-US"/>
+            </a:p>
+          </p:txBody>
+        </p:sp>
+        <p:sp>
+          <p:nvSpPr>
+            <p:cNvPr id="5133" name="Oval 8"/>
+            <p:cNvSpPr>
+              <a:spLocks noChangeArrowheads="1"/>
+            </p:cNvSpPr>
+            <p:nvPr/>
+          </p:nvSpPr>
+          <p:spPr bwMode="auto">
+            <a:xfrm>
+              <a:off x="1392" y="2136"/>
+              <a:ext cx="864" cy="960"/>
+            </a:xfrm>
+            <a:prstGeom prst="ellipse">
+              <a:avLst/>
+            </a:prstGeom>
+            <a:solidFill>
+              <a:srgbClr val="FFFFFF"/>
+            </a:solidFill>
+            <a:ln w="9525" algn="ctr">
+              <a:solidFill>
+                <a:schemeClr val="tx1"/>
+              </a:solidFill>
+              <a:round/>
+              <a:headEnd/>
+              <a:tailEnd/>
+            </a:ln>
+          </p:spPr>
+          <p:txBody>
+            <a:bodyPr wrap="none" anchor="ctr"/>
+            <a:lstStyle/>
+            <a:p>
+              <a:endParaRPr lang="en-US"/>
+            </a:p>
+          </p:txBody>
+        </p:sp>
+        <p:sp>
+          <p:nvSpPr>
+            <p:cNvPr id="5134" name="Oval 9"/>
+            <p:cNvSpPr>
+              <a:spLocks noChangeArrowheads="1"/>
+            </p:cNvSpPr>
+            <p:nvPr/>
+          </p:nvSpPr>
+          <p:spPr bwMode="auto">
+            <a:xfrm>
+              <a:off x="1512" y="2256"/>
+              <a:ext cx="624" cy="720"/>
+            </a:xfrm>
+            <a:prstGeom prst="ellipse">
+              <a:avLst/>
+            </a:prstGeom>
+            <a:solidFill>
+              <a:srgbClr val="FFFFFF"/>
+            </a:solidFill>
+            <a:ln w="9525" algn="ctr">
+              <a:solidFill>
+                <a:schemeClr val="tx1"/>
+              </a:solidFill>
+              <a:round/>
+              <a:headEnd/>
+              <a:tailEnd/>
+            </a:ln>
+          </p:spPr>
+          <p:txBody>
+            <a:bodyPr wrap="none" anchor="ctr"/>
+            <a:lstStyle/>
+            <a:p>
+              <a:endParaRPr lang="en-US"/>
+            </a:p>
+          </p:txBody>
+        </p:sp>
+        <p:sp>
+          <p:nvSpPr>
+            <p:cNvPr id="5135" name="Oval 10"/>
+            <p:cNvSpPr>
+              <a:spLocks noChangeArrowheads="1"/>
+            </p:cNvSpPr>
+            <p:nvPr/>
+          </p:nvSpPr>
+          <p:spPr bwMode="auto">
+            <a:xfrm>
+              <a:off x="1622" y="2400"/>
+              <a:ext cx="400" cy="432"/>
+            </a:xfrm>
+            <a:prstGeom prst="ellipse">
+              <a:avLst/>
+            </a:prstGeom>
+            <a:solidFill>
+              <a:srgbClr val="FFFFFF"/>
+            </a:solidFill>
+            <a:ln w="9525" algn="ctr">
+              <a:solidFill>
+                <a:schemeClr val="tx1"/>
+              </a:solidFill>
+              <a:round/>
+              <a:headEnd/>
+              <a:tailEnd/>
+            </a:ln>
+          </p:spPr>
+          <p:txBody>
+            <a:bodyPr wrap="none" anchor="ctr"/>
+            <a:lstStyle/>
+            <a:p>
+              <a:endParaRPr lang="en-US"/>
+            </a:p>
+          </p:txBody>
+        </p:sp>
+        <p:sp>
+          <p:nvSpPr>
+            <p:cNvPr id="5136" name="Oval 11"/>
+            <p:cNvSpPr>
+              <a:spLocks noChangeArrowheads="1"/>
+            </p:cNvSpPr>
+            <p:nvPr/>
+          </p:nvSpPr>
+          <p:spPr bwMode="auto">
+            <a:xfrm>
+              <a:off x="1738" y="2520"/>
+              <a:ext cx="179" cy="192"/>
+            </a:xfrm>
+            <a:prstGeom prst="ellipse">
+              <a:avLst/>
+            </a:prstGeom>
+            <a:solidFill>
+              <a:srgbClr val="FFFFFF"/>
+            </a:solidFill>
+            <a:ln w="9525" algn="ctr">
+              <a:solidFill>
+                <a:schemeClr val="tx1"/>
+              </a:solidFill>
+              <a:round/>
+              <a:headEnd/>
+              <a:tailEnd/>
+            </a:ln>
+          </p:spPr>
+          <p:txBody>
+            <a:bodyPr wrap="none" anchor="ctr"/>
+            <a:lstStyle/>
+            <a:p>
+              <a:endParaRPr lang="en-US"/>
+            </a:p>
+          </p:txBody>
+        </p:sp>
+        <p:sp>
+          <p:nvSpPr>
+            <p:cNvPr id="5137" name="Oval 12"/>
+            <p:cNvSpPr>
+              <a:spLocks noChangeArrowheads="1"/>
+            </p:cNvSpPr>
+            <p:nvPr/>
+          </p:nvSpPr>
+          <p:spPr bwMode="auto">
+            <a:xfrm>
+              <a:off x="1816" y="2599"/>
+              <a:ext cx="26" cy="33"/>
+            </a:xfrm>
+            <a:prstGeom prst="ellipse">
+              <a:avLst/>
+            </a:prstGeom>
+            <a:solidFill>
+              <a:schemeClr val="tx1"/>
+            </a:solidFill>
+            <a:ln w="9525" algn="ctr">
+              <a:solidFill>
+                <a:schemeClr val="tx1"/>
+              </a:solidFill>
+              <a:round/>
+              <a:headEnd/>
+              <a:tailEnd/>
+            </a:ln>
+          </p:spPr>
+          <p:txBody>
+            <a:bodyPr wrap="none" anchor="ctr"/>
+            <a:lstStyle/>
+            <a:p>
+              <a:endParaRPr lang="en-US"/>
+            </a:p>
+          </p:txBody>
+        </p:sp>
+      </p:grpSp>
+      <p:grpSp>
+        <p:nvGrpSpPr>
+          <p:cNvPr id="19" name="Group 18"/>
+          <p:cNvGrpSpPr/>
+          <p:nvPr/>
+        </p:nvGrpSpPr>
+        <p:grpSpPr>
+          <a:xfrm>
+            <a:off x="4665807" y="3208274"/>
+            <a:ext cx="1101841" cy="2876952"/>
+            <a:chOff x="1255765" y="2207348"/>
+            <a:chExt cx="1272743" cy="3815140"/>
+          </a:xfrm>
+          <a:solidFill>
+            <a:schemeClr val="tx2">
+              <a:lumMod val="50000"/>
+            </a:schemeClr>
+          </a:solidFill>
+        </p:grpSpPr>
+        <p:sp>
+          <p:nvSpPr>
+            <p:cNvPr id="20" name="Oval 12"/>
+            <p:cNvSpPr>
+              <a:spLocks noChangeArrowheads="1"/>
+            </p:cNvSpPr>
+            <p:nvPr/>
+          </p:nvSpPr>
+          <p:spPr bwMode="auto">
+            <a:xfrm flipH="1">
+              <a:off x="1681044" y="2865611"/>
+              <a:ext cx="420688" cy="1400456"/>
+            </a:xfrm>
+            <a:prstGeom prst="ellipse">
+              <a:avLst/>
+            </a:prstGeom>
+            <a:grpFill/>
+            <a:ln w="9525" algn="ctr">
+              <a:noFill/>
+              <a:round/>
+              <a:headEnd/>
+              <a:tailEnd/>
+            </a:ln>
+          </p:spPr>
+          <p:txBody>
+            <a:bodyPr wrap="none" anchor="ctr"/>
+            <a:lstStyle/>
+            <a:p>
+              <a:endParaRPr lang="en-US" dirty="0"/>
+            </a:p>
+          </p:txBody>
+        </p:sp>
+        <p:sp>
+          <p:nvSpPr>
+            <p:cNvPr id="21" name="Rectangle 14"/>
+            <p:cNvSpPr>
+              <a:spLocks noChangeArrowheads="1"/>
+            </p:cNvSpPr>
+            <p:nvPr/>
+          </p:nvSpPr>
+          <p:spPr bwMode="auto">
+            <a:xfrm rot="10099660" flipH="1">
+              <a:off x="2313352" y="3441501"/>
+              <a:ext cx="169239" cy="704850"/>
+            </a:xfrm>
+            <a:prstGeom prst="rect">
+              <a:avLst/>
+            </a:prstGeom>
+            <a:grpFill/>
+            <a:ln w="9525" algn="ctr">
+              <a:noFill/>
+              <a:miter lim="800000"/>
+              <a:headEnd/>
+              <a:tailEnd/>
+            </a:ln>
+          </p:spPr>
+          <p:txBody>
+            <a:bodyPr wrap="none" anchor="ctr"/>
+            <a:lstStyle/>
+            <a:p>
+              <a:endParaRPr lang="en-US" dirty="0"/>
+            </a:p>
+          </p:txBody>
+        </p:sp>
+        <p:sp>
+          <p:nvSpPr>
+            <p:cNvPr id="22" name="Rectangle 17"/>
+            <p:cNvSpPr>
+              <a:spLocks noChangeArrowheads="1"/>
+            </p:cNvSpPr>
+            <p:nvPr/>
+          </p:nvSpPr>
+          <p:spPr bwMode="auto">
+            <a:xfrm flipH="1">
+              <a:off x="1271541" y="5760992"/>
+              <a:ext cx="448907" cy="205387"/>
+            </a:xfrm>
+            <a:prstGeom prst="rect">
+              <a:avLst/>
+            </a:prstGeom>
+            <a:grpFill/>
+            <a:ln w="9525" algn="ctr">
+              <a:noFill/>
+              <a:miter lim="800000"/>
+              <a:headEnd/>
+              <a:tailEnd/>
+            </a:ln>
+          </p:spPr>
+          <p:txBody>
+            <a:bodyPr wrap="none" anchor="ctr"/>
+            <a:lstStyle/>
+            <a:p>
+              <a:endParaRPr lang="en-US" dirty="0"/>
+            </a:p>
+          </p:txBody>
+        </p:sp>
+        <p:sp>
+          <p:nvSpPr>
+            <p:cNvPr id="23" name="Oval 22"/>
+            <p:cNvSpPr>
+              <a:spLocks noChangeArrowheads="1"/>
+            </p:cNvSpPr>
+            <p:nvPr/>
+          </p:nvSpPr>
+          <p:spPr bwMode="auto">
+            <a:xfrm flipH="1">
+              <a:off x="1628646" y="2207348"/>
+              <a:ext cx="496888" cy="692150"/>
+            </a:xfrm>
+            <a:prstGeom prst="ellipse">
+              <a:avLst/>
+            </a:prstGeom>
+            <a:grpFill/>
+            <a:ln w="9525" algn="ctr">
+              <a:solidFill>
+                <a:schemeClr val="bg1"/>
+              </a:solidFill>
+              <a:round/>
+              <a:headEnd/>
+              <a:tailEnd/>
+            </a:ln>
+          </p:spPr>
+          <p:txBody>
+            <a:bodyPr wrap="none" anchor="ctr"/>
+            <a:lstStyle/>
+            <a:p>
+              <a:endParaRPr lang="en-US" dirty="0"/>
+            </a:p>
+          </p:txBody>
+        </p:sp>
+        <p:sp>
+          <p:nvSpPr>
+            <p:cNvPr id="24" name="Rectangle 23"/>
+            <p:cNvSpPr>
+              <a:spLocks noChangeArrowheads="1"/>
+            </p:cNvSpPr>
+            <p:nvPr/>
+          </p:nvSpPr>
+          <p:spPr bwMode="auto">
+            <a:xfrm rot="8649417" flipH="1">
+              <a:off x="2100794" y="2904963"/>
+              <a:ext cx="183140" cy="701857"/>
+            </a:xfrm>
+            <a:prstGeom prst="rect">
+              <a:avLst/>
+            </a:prstGeom>
+            <a:grpFill/>
+            <a:ln w="9525" algn="ctr">
+              <a:noFill/>
+              <a:miter lim="800000"/>
+              <a:headEnd/>
+              <a:tailEnd/>
+            </a:ln>
+          </p:spPr>
+          <p:txBody>
+            <a:bodyPr wrap="none" anchor="ctr"/>
+            <a:lstStyle/>
+            <a:p>
+              <a:endParaRPr lang="en-US" dirty="0"/>
+            </a:p>
+          </p:txBody>
+        </p:sp>
+        <p:sp>
+          <p:nvSpPr>
+            <p:cNvPr id="25" name="Rectangle 15"/>
+            <p:cNvSpPr>
+              <a:spLocks noChangeArrowheads="1"/>
+            </p:cNvSpPr>
+            <p:nvPr/>
+          </p:nvSpPr>
+          <p:spPr bwMode="auto">
+            <a:xfrm rot="20522501" flipH="1">
+              <a:off x="1956616" y="3998171"/>
+              <a:ext cx="239713" cy="1019175"/>
+            </a:xfrm>
+            <a:prstGeom prst="rect">
+              <a:avLst/>
+            </a:prstGeom>
+            <a:grpFill/>
+            <a:ln w="9525" algn="ctr">
+              <a:noFill/>
+              <a:miter lim="800000"/>
+              <a:headEnd/>
+              <a:tailEnd/>
+            </a:ln>
+          </p:spPr>
+          <p:txBody>
+            <a:bodyPr wrap="none" anchor="ctr"/>
+            <a:lstStyle/>
+            <a:p>
+              <a:endParaRPr lang="en-US" dirty="0"/>
+            </a:p>
+          </p:txBody>
+        </p:sp>
+        <p:sp>
+          <p:nvSpPr>
+            <p:cNvPr id="26" name="Rectangle 15"/>
+            <p:cNvSpPr>
+              <a:spLocks noChangeArrowheads="1"/>
+            </p:cNvSpPr>
+            <p:nvPr/>
+          </p:nvSpPr>
+          <p:spPr bwMode="auto">
+            <a:xfrm flipH="1">
+              <a:off x="2108045" y="4871561"/>
+              <a:ext cx="236538" cy="1150927"/>
+            </a:xfrm>
+            <a:prstGeom prst="rect">
+              <a:avLst/>
+            </a:prstGeom>
+            <a:grpFill/>
+            <a:ln w="9525" algn="ctr">
+              <a:noFill/>
+              <a:miter lim="800000"/>
+              <a:headEnd/>
+              <a:tailEnd/>
+            </a:ln>
+          </p:spPr>
+          <p:txBody>
+            <a:bodyPr wrap="none" anchor="ctr"/>
+            <a:lstStyle/>
+            <a:p>
+              <a:endParaRPr lang="en-US" dirty="0"/>
+            </a:p>
+          </p:txBody>
+        </p:sp>
+        <p:sp>
+          <p:nvSpPr>
+            <p:cNvPr id="27" name="Rectangle 26"/>
+            <p:cNvSpPr>
+              <a:spLocks noChangeArrowheads="1"/>
+            </p:cNvSpPr>
+            <p:nvPr/>
+          </p:nvSpPr>
+          <p:spPr bwMode="auto">
+            <a:xfrm rot="335058" flipH="1">
+              <a:off x="2127532" y="5806095"/>
+              <a:ext cx="360147" cy="192590"/>
+            </a:xfrm>
+            <a:prstGeom prst="rect">
+              <a:avLst/>
+            </a:prstGeom>
+            <a:grpFill/>
+            <a:ln w="9525" algn="ctr">
+              <a:noFill/>
+              <a:miter lim="800000"/>
+              <a:headEnd/>
+              <a:tailEnd/>
+            </a:ln>
+          </p:spPr>
+          <p:txBody>
+            <a:bodyPr wrap="none" anchor="ctr"/>
+            <a:lstStyle/>
+            <a:p>
+              <a:endParaRPr lang="en-US" dirty="0"/>
+            </a:p>
+          </p:txBody>
+        </p:sp>
+        <p:sp>
+          <p:nvSpPr>
+            <p:cNvPr id="28" name="Rectangle 15"/>
+            <p:cNvSpPr>
+              <a:spLocks noChangeArrowheads="1"/>
+            </p:cNvSpPr>
+            <p:nvPr/>
+          </p:nvSpPr>
+          <p:spPr bwMode="auto">
+            <a:xfrm rot="631007" flipH="1">
+              <a:off x="1551643" y="3961764"/>
+              <a:ext cx="241300" cy="1019175"/>
+            </a:xfrm>
+            <a:prstGeom prst="rect">
+              <a:avLst/>
+            </a:prstGeom>
+            <a:grpFill/>
+            <a:ln w="9525" algn="ctr">
+              <a:noFill/>
+              <a:miter lim="800000"/>
+              <a:headEnd/>
+              <a:tailEnd/>
+            </a:ln>
+          </p:spPr>
+          <p:txBody>
+            <a:bodyPr wrap="none" anchor="ctr"/>
+            <a:lstStyle/>
+            <a:p>
+              <a:endParaRPr lang="en-US" dirty="0"/>
+            </a:p>
+          </p:txBody>
+        </p:sp>
+        <p:sp>
+          <p:nvSpPr>
+            <p:cNvPr id="29" name="Rectangle 15"/>
+            <p:cNvSpPr>
+              <a:spLocks noChangeArrowheads="1"/>
+            </p:cNvSpPr>
+            <p:nvPr/>
+          </p:nvSpPr>
+          <p:spPr bwMode="auto">
+            <a:xfrm flipH="1">
+              <a:off x="1504795" y="4791106"/>
+              <a:ext cx="209037" cy="1189088"/>
+            </a:xfrm>
+            <a:prstGeom prst="rect">
+              <a:avLst/>
+            </a:prstGeom>
+            <a:grpFill/>
+            <a:ln w="9525" algn="ctr">
+              <a:noFill/>
+              <a:miter lim="800000"/>
+              <a:headEnd/>
+              <a:tailEnd/>
+            </a:ln>
+          </p:spPr>
+          <p:txBody>
+            <a:bodyPr wrap="none" anchor="ctr"/>
+            <a:lstStyle/>
+            <a:p>
+              <a:endParaRPr lang="en-US" dirty="0"/>
+            </a:p>
+          </p:txBody>
+        </p:sp>
+        <p:sp>
+          <p:nvSpPr>
+            <p:cNvPr id="30" name="Rectangle 13"/>
+            <p:cNvSpPr>
+              <a:spLocks noChangeArrowheads="1"/>
+            </p:cNvSpPr>
+            <p:nvPr/>
+          </p:nvSpPr>
+          <p:spPr bwMode="auto">
+            <a:xfrm rot="811954" flipH="1">
+              <a:off x="2384593" y="4006620"/>
+              <a:ext cx="143915" cy="300064"/>
+            </a:xfrm>
+            <a:prstGeom prst="rect">
+              <a:avLst/>
+            </a:prstGeom>
+            <a:grpFill/>
+            <a:ln w="9525" algn="ctr">
+              <a:noFill/>
+              <a:miter lim="800000"/>
+              <a:headEnd/>
+              <a:tailEnd/>
+            </a:ln>
+          </p:spPr>
+          <p:txBody>
+            <a:bodyPr wrap="none" anchor="ctr"/>
+            <a:lstStyle/>
+            <a:p>
+              <a:endParaRPr lang="en-US" dirty="0"/>
+            </a:p>
+          </p:txBody>
+        </p:sp>
+        <p:sp>
+          <p:nvSpPr>
+            <p:cNvPr id="31" name="Rectangle 14"/>
+            <p:cNvSpPr>
+              <a:spLocks noChangeArrowheads="1"/>
+            </p:cNvSpPr>
+            <p:nvPr/>
+          </p:nvSpPr>
+          <p:spPr bwMode="auto">
+            <a:xfrm rot="11244453" flipH="1">
+              <a:off x="1319151" y="3460533"/>
+              <a:ext cx="169239" cy="704850"/>
+            </a:xfrm>
+            <a:prstGeom prst="rect">
+              <a:avLst/>
+            </a:prstGeom>
+            <a:grpFill/>
+            <a:ln w="9525" algn="ctr">
+              <a:noFill/>
+              <a:miter lim="800000"/>
+              <a:headEnd/>
+              <a:tailEnd/>
+            </a:ln>
+          </p:spPr>
+          <p:txBody>
+            <a:bodyPr wrap="none" anchor="ctr"/>
+            <a:lstStyle/>
+            <a:p>
+              <a:endParaRPr lang="en-US" dirty="0"/>
+            </a:p>
+          </p:txBody>
+        </p:sp>
+        <p:sp>
+          <p:nvSpPr>
+            <p:cNvPr id="32" name="Rectangle 31"/>
+            <p:cNvSpPr>
+              <a:spLocks noChangeArrowheads="1"/>
+            </p:cNvSpPr>
+            <p:nvPr/>
+          </p:nvSpPr>
+          <p:spPr bwMode="auto">
+            <a:xfrm rot="12761612" flipH="1">
+              <a:off x="1514614" y="2863204"/>
+              <a:ext cx="183140" cy="701857"/>
+            </a:xfrm>
+            <a:prstGeom prst="rect">
+              <a:avLst/>
+            </a:prstGeom>
+            <a:grpFill/>
+            <a:ln w="9525" algn="ctr">
+              <a:noFill/>
+              <a:miter lim="800000"/>
+              <a:headEnd/>
+              <a:tailEnd/>
+            </a:ln>
+          </p:spPr>
+          <p:txBody>
+            <a:bodyPr wrap="none" anchor="ctr"/>
+            <a:lstStyle/>
+            <a:p>
+              <a:endParaRPr lang="en-US" dirty="0"/>
+            </a:p>
+          </p:txBody>
+        </p:sp>
+        <p:sp>
+          <p:nvSpPr>
+            <p:cNvPr id="33" name="Rectangle 13"/>
+            <p:cNvSpPr>
+              <a:spLocks noChangeArrowheads="1"/>
+            </p:cNvSpPr>
+            <p:nvPr/>
+          </p:nvSpPr>
+          <p:spPr bwMode="auto">
+            <a:xfrm rot="7497537" flipH="1">
+              <a:off x="1303841" y="4035577"/>
+              <a:ext cx="165219" cy="261372"/>
+            </a:xfrm>
+            <a:prstGeom prst="rect">
+              <a:avLst/>
+            </a:prstGeom>
+            <a:grpFill/>
+            <a:ln w="9525" algn="ctr">
+              <a:noFill/>
+              <a:miter lim="800000"/>
+              <a:headEnd/>
+              <a:tailEnd/>
+            </a:ln>
+          </p:spPr>
+          <p:txBody>
+            <a:bodyPr wrap="none" anchor="ctr"/>
+            <a:lstStyle/>
+            <a:p>
+              <a:endParaRPr lang="en-US" dirty="0"/>
+            </a:p>
+          </p:txBody>
+        </p:sp>
+      </p:grpSp>
+      <p:sp>
+        <p:nvSpPr>
+          <p:cNvPr id="35" name="Oval 34"/>
+          <p:cNvSpPr/>
+          <p:nvPr/>
+        </p:nvSpPr>
+        <p:spPr>
+          <a:xfrm>
+            <a:off x="4953029" y="4053306"/>
+            <a:ext cx="513289" cy="711625"/>
+          </a:xfrm>
+          <a:prstGeom prst="ellipse">
+            <a:avLst/>
+          </a:prstGeom>
+          <a:solidFill>
+            <a:schemeClr val="tx2">
+              <a:lumMod val="50000"/>
+            </a:schemeClr>
+          </a:solidFill>
+          <a:ln>
+            <a:noFill/>
+          </a:ln>
+        </p:spPr>
+        <p:style>
+          <a:lnRef idx="2">
+            <a:schemeClr val="accent1">
+              <a:shade val="50000"/>
+            </a:schemeClr>
+          </a:lnRef>
+          <a:fillRef idx="1">
+            <a:schemeClr val="accent1"/>
+          </a:fillRef>
+          <a:effectRef idx="0">
+            <a:schemeClr val="accent1"/>
+          </a:effectRef>
+          <a:fontRef idx="minor">
+            <a:schemeClr val="lt1"/>
+          </a:fontRef>
+        </p:style>
+        <p:txBody>
+          <a:bodyPr rtlCol="0" anchor="ctr"/>
+          <a:lstStyle/>
+          <a:p>
+            <a:pPr algn="ctr"/>
+            <a:endParaRPr lang="en-US"/>
+          </a:p>
+        </p:txBody>
+      </p:sp>
+      <p:grpSp>
+        <p:nvGrpSpPr>
+          <p:cNvPr id="36" name="Group 35"/>
+          <p:cNvGrpSpPr/>
+          <p:nvPr/>
+        </p:nvGrpSpPr>
+        <p:grpSpPr>
+          <a:xfrm>
+            <a:off x="5154083" y="3752559"/>
+            <a:ext cx="121920" cy="753290"/>
+            <a:chOff x="3770811" y="2873829"/>
+            <a:chExt cx="448492" cy="2475098"/>
+          </a:xfrm>
+          <a:solidFill>
+            <a:schemeClr val="bg1"/>
+          </a:solidFill>
+        </p:grpSpPr>
+        <p:sp>
+          <p:nvSpPr>
+            <p:cNvPr id="37" name="Isosceles Triangle 36"/>
+            <p:cNvSpPr/>
+            <p:nvPr/>
+          </p:nvSpPr>
+          <p:spPr>
+            <a:xfrm rot="10800000">
+              <a:off x="3770811" y="2873829"/>
+              <a:ext cx="435429" cy="339634"/>
+            </a:xfrm>
+            <a:prstGeom prst="triangle">
+              <a:avLst/>
+            </a:prstGeom>
+            <a:grpFill/>
+            <a:ln>
+              <a:noFill/>
+            </a:ln>
+          </p:spPr>
+          <p:style>
+            <a:lnRef idx="2">
+              <a:schemeClr val="accent1">
+                <a:shade val="50000"/>
+              </a:schemeClr>
+            </a:lnRef>
+            <a:fillRef idx="1">
+              <a:schemeClr val="accent1"/>
+            </a:fillRef>
+            <a:effectRef idx="0">
+              <a:schemeClr val="accent1"/>
+            </a:effectRef>
+            <a:fontRef idx="minor">
+              <a:schemeClr val="lt1"/>
+            </a:fontRef>
+          </p:style>
+          <p:txBody>
+            <a:bodyPr rtlCol="0" anchor="ctr"/>
+            <a:lstStyle/>
+            <a:p>
+              <a:pPr algn="ctr"/>
+              <a:endParaRPr lang="en-US"/>
+            </a:p>
+          </p:txBody>
+        </p:sp>
+        <p:sp>
+          <p:nvSpPr>
+            <p:cNvPr id="38" name="Isosceles Triangle 37"/>
+            <p:cNvSpPr/>
+            <p:nvPr/>
+          </p:nvSpPr>
+          <p:spPr>
+            <a:xfrm rot="10800000" flipV="1">
+              <a:off x="3775163" y="3200400"/>
+              <a:ext cx="435429" cy="1833154"/>
+            </a:xfrm>
+            <a:prstGeom prst="triangle">
+              <a:avLst/>
+            </a:prstGeom>
+            <a:grpFill/>
+            <a:ln>
+              <a:noFill/>
+            </a:ln>
+          </p:spPr>
+          <p:style>
+            <a:lnRef idx="2">
+              <a:schemeClr val="accent1">
+                <a:shade val="50000"/>
+              </a:schemeClr>
+            </a:lnRef>
+            <a:fillRef idx="1">
+              <a:schemeClr val="accent1"/>
+            </a:fillRef>
+            <a:effectRef idx="0">
+              <a:schemeClr val="accent1"/>
+            </a:effectRef>
+            <a:fontRef idx="minor">
+              <a:schemeClr val="lt1"/>
+            </a:fontRef>
+          </p:style>
+          <p:txBody>
+            <a:bodyPr rtlCol="0" anchor="ctr"/>
+            <a:lstStyle/>
+            <a:p>
+              <a:pPr algn="ctr"/>
+              <a:endParaRPr lang="en-US"/>
+            </a:p>
+          </p:txBody>
+        </p:sp>
+        <p:sp>
+          <p:nvSpPr>
+            <p:cNvPr id="39" name="Isosceles Triangle 38"/>
+            <p:cNvSpPr/>
+            <p:nvPr/>
+          </p:nvSpPr>
+          <p:spPr>
+            <a:xfrm rot="10800000">
+              <a:off x="3783874" y="5009292"/>
+              <a:ext cx="435429" cy="339635"/>
+            </a:xfrm>
+            <a:prstGeom prst="triangle">
+              <a:avLst/>
+            </a:prstGeom>
+            <a:grpFill/>
+            <a:ln>
+              <a:noFill/>
+            </a:ln>
+          </p:spPr>
+          <p:style>
+            <a:lnRef idx="2">
+              <a:schemeClr val="accent1">
+                <a:shade val="50000"/>
+              </a:schemeClr>
+            </a:lnRef>
+            <a:fillRef idx="1">
+              <a:schemeClr val="accent1"/>
+            </a:fillRef>
+            <a:effectRef idx="0">
+              <a:schemeClr val="accent1"/>
+            </a:effectRef>
+            <a:fontRef idx="minor">
+              <a:schemeClr val="lt1"/>
+            </a:fontRef>
+          </p:style>
+          <p:txBody>
+            <a:bodyPr rtlCol="0" anchor="ctr"/>
+            <a:lstStyle/>
+            <a:p>
+              <a:pPr algn="ctr"/>
+              <a:endParaRPr lang="en-US"/>
+            </a:p>
+          </p:txBody>
+        </p:sp>
+      </p:grpSp>
+      <p:grpSp>
+        <p:nvGrpSpPr>
+          <p:cNvPr id="42" name="Group 41"/>
+          <p:cNvGrpSpPr/>
+          <p:nvPr/>
+        </p:nvGrpSpPr>
+        <p:grpSpPr>
+          <a:xfrm>
+            <a:off x="7366863" y="3127212"/>
+            <a:ext cx="1101841" cy="2876952"/>
+            <a:chOff x="1255765" y="2207348"/>
+            <a:chExt cx="1272743" cy="3815140"/>
+          </a:xfrm>
+          <a:solidFill>
+            <a:schemeClr val="tx2">
+              <a:lumMod val="50000"/>
+            </a:schemeClr>
+          </a:solidFill>
+        </p:grpSpPr>
+        <p:sp>
+          <p:nvSpPr>
+            <p:cNvPr id="43" name="Oval 12"/>
+            <p:cNvSpPr>
+              <a:spLocks noChangeArrowheads="1"/>
+            </p:cNvSpPr>
+            <p:nvPr/>
+          </p:nvSpPr>
+          <p:spPr bwMode="auto">
+            <a:xfrm flipH="1">
+              <a:off x="1681044" y="2865611"/>
+              <a:ext cx="420688" cy="1400456"/>
+            </a:xfrm>
+            <a:prstGeom prst="ellipse">
+              <a:avLst/>
+            </a:prstGeom>
+            <a:grpFill/>
+            <a:ln w="9525" algn="ctr">
+              <a:noFill/>
+              <a:round/>
+              <a:headEnd/>
+              <a:tailEnd/>
+            </a:ln>
+          </p:spPr>
+          <p:txBody>
+            <a:bodyPr wrap="none" anchor="ctr"/>
+            <a:lstStyle/>
+            <a:p>
+              <a:endParaRPr lang="en-US" dirty="0"/>
+            </a:p>
+          </p:txBody>
+        </p:sp>
+        <p:sp>
+          <p:nvSpPr>
+            <p:cNvPr id="44" name="Rectangle 14"/>
+            <p:cNvSpPr>
+              <a:spLocks noChangeArrowheads="1"/>
+            </p:cNvSpPr>
+            <p:nvPr/>
+          </p:nvSpPr>
+          <p:spPr bwMode="auto">
+            <a:xfrm rot="10099660" flipH="1">
+              <a:off x="2313352" y="3441501"/>
+              <a:ext cx="169239" cy="704850"/>
+            </a:xfrm>
+            <a:prstGeom prst="rect">
+              <a:avLst/>
+            </a:prstGeom>
+            <a:grpFill/>
+            <a:ln w="9525" algn="ctr">
+              <a:noFill/>
+              <a:miter lim="800000"/>
+              <a:headEnd/>
+              <a:tailEnd/>
+            </a:ln>
+          </p:spPr>
+          <p:txBody>
+            <a:bodyPr wrap="none" anchor="ctr"/>
+            <a:lstStyle/>
+            <a:p>
+              <a:endParaRPr lang="en-US" dirty="0"/>
+            </a:p>
+          </p:txBody>
+        </p:sp>
+        <p:sp>
+          <p:nvSpPr>
+            <p:cNvPr id="45" name="Rectangle 17"/>
+            <p:cNvSpPr>
+              <a:spLocks noChangeArrowheads="1"/>
+            </p:cNvSpPr>
+            <p:nvPr/>
+          </p:nvSpPr>
+          <p:spPr bwMode="auto">
+            <a:xfrm flipH="1">
+              <a:off x="1271541" y="5760992"/>
+              <a:ext cx="448907" cy="205387"/>
+            </a:xfrm>
+            <a:prstGeom prst="rect">
+              <a:avLst/>
+            </a:prstGeom>
+            <a:grpFill/>
+            <a:ln w="9525" algn="ctr">
+              <a:noFill/>
+              <a:miter lim="800000"/>
+              <a:headEnd/>
+              <a:tailEnd/>
+            </a:ln>
+          </p:spPr>
+          <p:txBody>
+            <a:bodyPr wrap="none" anchor="ctr"/>
+            <a:lstStyle/>
+            <a:p>
+              <a:endParaRPr lang="en-US" dirty="0"/>
+            </a:p>
+          </p:txBody>
+        </p:sp>
+        <p:sp>
+          <p:nvSpPr>
+            <p:cNvPr id="46" name="Oval 45"/>
+            <p:cNvSpPr>
+              <a:spLocks noChangeArrowheads="1"/>
+            </p:cNvSpPr>
+            <p:nvPr/>
+          </p:nvSpPr>
+          <p:spPr bwMode="auto">
+            <a:xfrm flipH="1">
+              <a:off x="1628646" y="2207348"/>
+              <a:ext cx="496888" cy="692150"/>
+            </a:xfrm>
+            <a:prstGeom prst="ellipse">
+              <a:avLst/>
+            </a:prstGeom>
+            <a:grpFill/>
+            <a:ln w="9525" algn="ctr">
+              <a:solidFill>
+                <a:schemeClr val="bg1"/>
+              </a:solidFill>
+              <a:round/>
+              <a:headEnd/>
+              <a:tailEnd/>
+            </a:ln>
+          </p:spPr>
+          <p:txBody>
+            <a:bodyPr wrap="none" anchor="ctr"/>
+            <a:lstStyle/>
+            <a:p>
+              <a:endParaRPr lang="en-US" dirty="0"/>
+            </a:p>
+          </p:txBody>
+        </p:sp>
+        <p:sp>
+          <p:nvSpPr>
+            <p:cNvPr id="47" name="Rectangle 46"/>
+            <p:cNvSpPr>
+              <a:spLocks noChangeArrowheads="1"/>
+            </p:cNvSpPr>
+            <p:nvPr/>
+          </p:nvSpPr>
+          <p:spPr bwMode="auto">
+            <a:xfrm rot="8649417" flipH="1">
+              <a:off x="2100794" y="2904963"/>
+              <a:ext cx="183140" cy="701857"/>
+            </a:xfrm>
+            <a:prstGeom prst="rect">
+              <a:avLst/>
+            </a:prstGeom>
+            <a:grpFill/>
+            <a:ln w="9525" algn="ctr">
+              <a:noFill/>
+              <a:miter lim="800000"/>
+              <a:headEnd/>
+              <a:tailEnd/>
+            </a:ln>
+          </p:spPr>
+          <p:txBody>
+            <a:bodyPr wrap="none" anchor="ctr"/>
+            <a:lstStyle/>
+            <a:p>
+              <a:endParaRPr lang="en-US" dirty="0"/>
+            </a:p>
+          </p:txBody>
+        </p:sp>
+        <p:sp>
+          <p:nvSpPr>
+            <p:cNvPr id="48" name="Rectangle 15"/>
+            <p:cNvSpPr>
+              <a:spLocks noChangeArrowheads="1"/>
+            </p:cNvSpPr>
+            <p:nvPr/>
+          </p:nvSpPr>
+          <p:spPr bwMode="auto">
+            <a:xfrm rot="20522501" flipH="1">
+              <a:off x="1956616" y="3998171"/>
+              <a:ext cx="239713" cy="1019175"/>
+            </a:xfrm>
+            <a:prstGeom prst="rect">
+              <a:avLst/>
+            </a:prstGeom>
+            <a:grpFill/>
+            <a:ln w="9525" algn="ctr">
+              <a:noFill/>
+              <a:miter lim="800000"/>
+              <a:headEnd/>
+              <a:tailEnd/>
+            </a:ln>
+          </p:spPr>
+          <p:txBody>
+            <a:bodyPr wrap="none" anchor="ctr"/>
+            <a:lstStyle/>
+            <a:p>
+              <a:endParaRPr lang="en-US" dirty="0"/>
+            </a:p>
+          </p:txBody>
+        </p:sp>
+        <p:sp>
+          <p:nvSpPr>
+            <p:cNvPr id="49" name="Rectangle 15"/>
+            <p:cNvSpPr>
+              <a:spLocks noChangeArrowheads="1"/>
+            </p:cNvSpPr>
+            <p:nvPr/>
+          </p:nvSpPr>
+          <p:spPr bwMode="auto">
+            <a:xfrm flipH="1">
+              <a:off x="2108045" y="4871561"/>
+              <a:ext cx="236538" cy="1150927"/>
+            </a:xfrm>
+            <a:prstGeom prst="rect">
+              <a:avLst/>
+            </a:prstGeom>
+            <a:grpFill/>
+            <a:ln w="9525" algn="ctr">
+              <a:noFill/>
+              <a:miter lim="800000"/>
+              <a:headEnd/>
+              <a:tailEnd/>
+            </a:ln>
+          </p:spPr>
+          <p:txBody>
+            <a:bodyPr wrap="none" anchor="ctr"/>
+            <a:lstStyle/>
+            <a:p>
+              <a:endParaRPr lang="en-US" dirty="0"/>
+            </a:p>
+          </p:txBody>
+        </p:sp>
+        <p:sp>
+          <p:nvSpPr>
+            <p:cNvPr id="50" name="Rectangle 49"/>
+            <p:cNvSpPr>
+              <a:spLocks noChangeArrowheads="1"/>
+            </p:cNvSpPr>
+            <p:nvPr/>
+          </p:nvSpPr>
+          <p:spPr bwMode="auto">
+            <a:xfrm rot="335058" flipH="1">
+              <a:off x="2127532" y="5806095"/>
+              <a:ext cx="360147" cy="192590"/>
+            </a:xfrm>
+            <a:prstGeom prst="rect">
+              <a:avLst/>
+            </a:prstGeom>
+            <a:grpFill/>
+            <a:ln w="9525" algn="ctr">
+              <a:noFill/>
+              <a:miter lim="800000"/>
+              <a:headEnd/>
+              <a:tailEnd/>
+            </a:ln>
+          </p:spPr>
+          <p:txBody>
+            <a:bodyPr wrap="none" anchor="ctr"/>
+            <a:lstStyle/>
+            <a:p>
+              <a:endParaRPr lang="en-US" dirty="0"/>
+            </a:p>
+          </p:txBody>
+        </p:sp>
+        <p:sp>
+          <p:nvSpPr>
+            <p:cNvPr id="51" name="Rectangle 15"/>
+            <p:cNvSpPr>
+              <a:spLocks noChangeArrowheads="1"/>
+            </p:cNvSpPr>
+            <p:nvPr/>
+          </p:nvSpPr>
+          <p:spPr bwMode="auto">
+            <a:xfrm rot="631007" flipH="1">
+              <a:off x="1551643" y="3961764"/>
+              <a:ext cx="241300" cy="1019175"/>
+            </a:xfrm>
+            <a:prstGeom prst="rect">
+              <a:avLst/>
+            </a:prstGeom>
+            <a:grpFill/>
+            <a:ln w="9525" algn="ctr">
+              <a:noFill/>
+              <a:miter lim="800000"/>
+              <a:headEnd/>
+              <a:tailEnd/>
+            </a:ln>
+          </p:spPr>
+          <p:txBody>
+            <a:bodyPr wrap="none" anchor="ctr"/>
+            <a:lstStyle/>
+            <a:p>
+              <a:endParaRPr lang="en-US" dirty="0"/>
+            </a:p>
+          </p:txBody>
+        </p:sp>
+        <p:sp>
+          <p:nvSpPr>
+            <p:cNvPr id="52" name="Rectangle 15"/>
+            <p:cNvSpPr>
+              <a:spLocks noChangeArrowheads="1"/>
+            </p:cNvSpPr>
+            <p:nvPr/>
+          </p:nvSpPr>
+          <p:spPr bwMode="auto">
+            <a:xfrm flipH="1">
+              <a:off x="1504795" y="4791106"/>
+              <a:ext cx="209037" cy="1189088"/>
+            </a:xfrm>
+            <a:prstGeom prst="rect">
+              <a:avLst/>
+            </a:prstGeom>
+            <a:grpFill/>
+            <a:ln w="9525" algn="ctr">
+              <a:noFill/>
+              <a:miter lim="800000"/>
+              <a:headEnd/>
+              <a:tailEnd/>
+            </a:ln>
+          </p:spPr>
+          <p:txBody>
+            <a:bodyPr wrap="none" anchor="ctr"/>
+            <a:lstStyle/>
+            <a:p>
+              <a:endParaRPr lang="en-US" dirty="0"/>
+            </a:p>
+          </p:txBody>
+        </p:sp>
+        <p:sp>
+          <p:nvSpPr>
+            <p:cNvPr id="53" name="Rectangle 13"/>
+            <p:cNvSpPr>
+              <a:spLocks noChangeArrowheads="1"/>
+            </p:cNvSpPr>
+            <p:nvPr/>
+          </p:nvSpPr>
+          <p:spPr bwMode="auto">
+            <a:xfrm rot="811954" flipH="1">
+              <a:off x="2384593" y="4006620"/>
+              <a:ext cx="143915" cy="300064"/>
+            </a:xfrm>
+            <a:prstGeom prst="rect">
+              <a:avLst/>
+            </a:prstGeom>
+            <a:grpFill/>
+            <a:ln w="9525" algn="ctr">
+              <a:noFill/>
+              <a:miter lim="800000"/>
+              <a:headEnd/>
+              <a:tailEnd/>
+            </a:ln>
+          </p:spPr>
+          <p:txBody>
+            <a:bodyPr wrap="none" anchor="ctr"/>
+            <a:lstStyle/>
+            <a:p>
+              <a:endParaRPr lang="en-US" dirty="0"/>
+            </a:p>
+          </p:txBody>
+        </p:sp>
+        <p:sp>
+          <p:nvSpPr>
+            <p:cNvPr id="54" name="Rectangle 14"/>
+            <p:cNvSpPr>
+              <a:spLocks noChangeArrowheads="1"/>
+            </p:cNvSpPr>
+            <p:nvPr/>
+          </p:nvSpPr>
+          <p:spPr bwMode="auto">
+            <a:xfrm rot="11244453" flipH="1">
+              <a:off x="1319151" y="3460533"/>
+              <a:ext cx="169239" cy="704850"/>
+            </a:xfrm>
+            <a:prstGeom prst="rect">
+              <a:avLst/>
+            </a:prstGeom>
+            <a:grpFill/>
+            <a:ln w="9525" algn="ctr">
+              <a:noFill/>
+              <a:miter lim="800000"/>
+              <a:headEnd/>
+              <a:tailEnd/>
+            </a:ln>
+          </p:spPr>
+          <p:txBody>
+            <a:bodyPr wrap="none" anchor="ctr"/>
+            <a:lstStyle/>
+            <a:p>
+              <a:endParaRPr lang="en-US" dirty="0"/>
+            </a:p>
+          </p:txBody>
+        </p:sp>
+        <p:sp>
+          <p:nvSpPr>
+            <p:cNvPr id="55" name="Rectangle 54"/>
+            <p:cNvSpPr>
+              <a:spLocks noChangeArrowheads="1"/>
+            </p:cNvSpPr>
+            <p:nvPr/>
+          </p:nvSpPr>
+          <p:spPr bwMode="auto">
+            <a:xfrm rot="12761612" flipH="1">
+              <a:off x="1514614" y="2863204"/>
+              <a:ext cx="183140" cy="701857"/>
+            </a:xfrm>
+            <a:prstGeom prst="rect">
+              <a:avLst/>
+            </a:prstGeom>
+            <a:grpFill/>
+            <a:ln w="9525" algn="ctr">
+              <a:noFill/>
+              <a:miter lim="800000"/>
+              <a:headEnd/>
+              <a:tailEnd/>
+            </a:ln>
+          </p:spPr>
+          <p:txBody>
+            <a:bodyPr wrap="none" anchor="ctr"/>
+            <a:lstStyle/>
+            <a:p>
+              <a:endParaRPr lang="en-US" dirty="0"/>
+            </a:p>
+          </p:txBody>
+        </p:sp>
+        <p:sp>
+          <p:nvSpPr>
+            <p:cNvPr id="56" name="Rectangle 13"/>
+            <p:cNvSpPr>
+              <a:spLocks noChangeArrowheads="1"/>
+            </p:cNvSpPr>
+            <p:nvPr/>
+          </p:nvSpPr>
+          <p:spPr bwMode="auto">
+            <a:xfrm rot="7497537" flipH="1">
+              <a:off x="1303841" y="4035577"/>
+              <a:ext cx="165219" cy="261372"/>
+            </a:xfrm>
+            <a:prstGeom prst="rect">
+              <a:avLst/>
+            </a:prstGeom>
+            <a:grpFill/>
+            <a:ln w="9525" algn="ctr">
+              <a:noFill/>
+              <a:miter lim="800000"/>
+              <a:headEnd/>
+              <a:tailEnd/>
+            </a:ln>
+          </p:spPr>
+          <p:txBody>
+            <a:bodyPr wrap="none" anchor="ctr"/>
+            <a:lstStyle/>
+            <a:p>
+              <a:endParaRPr lang="en-US" dirty="0"/>
+            </a:p>
+          </p:txBody>
+        </p:sp>
+      </p:grpSp>
+      <p:sp>
+        <p:nvSpPr>
+          <p:cNvPr id="57" name="Oval 56"/>
+          <p:cNvSpPr/>
+          <p:nvPr/>
+        </p:nvSpPr>
+        <p:spPr>
+          <a:xfrm>
+            <a:off x="7654085" y="3972244"/>
+            <a:ext cx="513289" cy="711625"/>
+          </a:xfrm>
+          <a:prstGeom prst="ellipse">
+            <a:avLst/>
+          </a:prstGeom>
+          <a:solidFill>
+            <a:schemeClr val="tx2">
+              <a:lumMod val="50000"/>
+            </a:schemeClr>
+          </a:solidFill>
+          <a:ln>
+            <a:noFill/>
+          </a:ln>
+        </p:spPr>
+        <p:style>
+          <a:lnRef idx="2">
+            <a:schemeClr val="accent1">
+              <a:shade val="50000"/>
+            </a:schemeClr>
+          </a:lnRef>
+          <a:fillRef idx="1">
+            <a:schemeClr val="accent1"/>
+          </a:fillRef>
+          <a:effectRef idx="0">
+            <a:schemeClr val="accent1"/>
+          </a:effectRef>
+          <a:fontRef idx="minor">
+            <a:schemeClr val="lt1"/>
+          </a:fontRef>
+        </p:style>
+        <p:txBody>
+          <a:bodyPr rtlCol="0" anchor="ctr"/>
+          <a:lstStyle/>
+          <a:p>
+            <a:pPr algn="ctr"/>
+            <a:endParaRPr lang="en-US"/>
+          </a:p>
+        </p:txBody>
+      </p:sp>
+      <p:grpSp>
+        <p:nvGrpSpPr>
+          <p:cNvPr id="58" name="Group 57"/>
+          <p:cNvGrpSpPr/>
+          <p:nvPr/>
+        </p:nvGrpSpPr>
+        <p:grpSpPr>
+          <a:xfrm>
+            <a:off x="7855139" y="3671497"/>
+            <a:ext cx="121920" cy="753290"/>
+            <a:chOff x="3770811" y="2873829"/>
+            <a:chExt cx="448492" cy="2475098"/>
+          </a:xfrm>
+          <a:solidFill>
+            <a:schemeClr val="bg1"/>
+          </a:solidFill>
+        </p:grpSpPr>
+        <p:sp>
+          <p:nvSpPr>
+            <p:cNvPr id="59" name="Isosceles Triangle 58"/>
+            <p:cNvSpPr/>
+            <p:nvPr/>
+          </p:nvSpPr>
+          <p:spPr>
+            <a:xfrm rot="10800000">
+              <a:off x="3770811" y="2873829"/>
+              <a:ext cx="435429" cy="339634"/>
+            </a:xfrm>
+            <a:prstGeom prst="triangle">
+              <a:avLst/>
+            </a:prstGeom>
+            <a:grpFill/>
+            <a:ln>
+              <a:noFill/>
+            </a:ln>
+          </p:spPr>
+          <p:style>
+            <a:lnRef idx="2">
+              <a:schemeClr val="accent1">
+                <a:shade val="50000"/>
+              </a:schemeClr>
+            </a:lnRef>
+            <a:fillRef idx="1">
+              <a:schemeClr val="accent1"/>
+            </a:fillRef>
+            <a:effectRef idx="0">
+              <a:schemeClr val="accent1"/>
+            </a:effectRef>
+            <a:fontRef idx="minor">
+              <a:schemeClr val="lt1"/>
+            </a:fontRef>
+          </p:style>
+          <p:txBody>
+            <a:bodyPr rtlCol="0" anchor="ctr"/>
+            <a:lstStyle/>
+            <a:p>
+              <a:pPr algn="ctr"/>
+              <a:endParaRPr lang="en-US"/>
+            </a:p>
+          </p:txBody>
+        </p:sp>
+        <p:sp>
+          <p:nvSpPr>
+            <p:cNvPr id="60" name="Isosceles Triangle 59"/>
+            <p:cNvSpPr/>
+            <p:nvPr/>
+          </p:nvSpPr>
+          <p:spPr>
+            <a:xfrm rot="10800000" flipV="1">
+              <a:off x="3775163" y="3200400"/>
+              <a:ext cx="435429" cy="1833154"/>
+            </a:xfrm>
+            <a:prstGeom prst="triangle">
+              <a:avLst/>
+            </a:prstGeom>
+            <a:grpFill/>
+            <a:ln>
+              <a:noFill/>
+            </a:ln>
+          </p:spPr>
+          <p:style>
+            <a:lnRef idx="2">
+              <a:schemeClr val="accent1">
+                <a:shade val="50000"/>
+              </a:schemeClr>
+            </a:lnRef>
+            <a:fillRef idx="1">
+              <a:schemeClr val="accent1"/>
+            </a:fillRef>
+            <a:effectRef idx="0">
+              <a:schemeClr val="accent1"/>
+            </a:effectRef>
+            <a:fontRef idx="minor">
+              <a:schemeClr val="lt1"/>
+            </a:fontRef>
+          </p:style>
+          <p:txBody>
+            <a:bodyPr rtlCol="0" anchor="ctr"/>
+            <a:lstStyle/>
+            <a:p>
+              <a:pPr algn="ctr"/>
+              <a:endParaRPr lang="en-US"/>
+            </a:p>
+          </p:txBody>
+        </p:sp>
+        <p:sp>
+          <p:nvSpPr>
+            <p:cNvPr id="61" name="Isosceles Triangle 60"/>
+            <p:cNvSpPr/>
+            <p:nvPr/>
+          </p:nvSpPr>
+          <p:spPr>
+            <a:xfrm rot="10800000">
+              <a:off x="3783874" y="5009292"/>
+              <a:ext cx="435429" cy="339635"/>
+            </a:xfrm>
+            <a:prstGeom prst="triangle">
+              <a:avLst/>
+            </a:prstGeom>
+            <a:grpFill/>
+            <a:ln>
+              <a:noFill/>
+            </a:ln>
+          </p:spPr>
+          <p:style>
+            <a:lnRef idx="2">
+              <a:schemeClr val="accent1">
+                <a:shade val="50000"/>
+              </a:schemeClr>
+            </a:lnRef>
+            <a:fillRef idx="1">
+              <a:schemeClr val="accent1"/>
+            </a:fillRef>
+            <a:effectRef idx="0">
+              <a:schemeClr val="accent1"/>
+            </a:effectRef>
+            <a:fontRef idx="minor">
+              <a:schemeClr val="lt1"/>
+            </a:fontRef>
+          </p:style>
+          <p:txBody>
+            <a:bodyPr rtlCol="0" anchor="ctr"/>
+            <a:lstStyle/>
+            <a:p>
+              <a:pPr algn="ctr"/>
+              <a:endParaRPr lang="en-US"/>
+            </a:p>
+          </p:txBody>
+        </p:sp>
+      </p:grpSp>
+      <p:sp>
+        <p:nvSpPr>
+          <p:cNvPr id="5" name="TextBox 4"/>
+          <p:cNvSpPr txBox="1"/>
+          <p:nvPr/>
+        </p:nvSpPr>
+        <p:spPr>
+          <a:xfrm>
+            <a:off x="4630366" y="6138153"/>
+            <a:ext cx="1249188" cy="369332"/>
+          </a:xfrm>
+          <a:prstGeom prst="rect">
+            <a:avLst/>
+          </a:prstGeom>
+          <a:noFill/>
+        </p:spPr>
+        <p:txBody>
+          <a:bodyPr wrap="none" rtlCol="0">
+            <a:spAutoFit/>
+          </a:bodyPr>
+          <a:lstStyle/>
+          <a:p>
+            <a:r>
+              <a:rPr lang="en-US" dirty="0"/>
+              <a:t>Professor A</a:t>
+            </a:r>
+          </a:p>
+        </p:txBody>
+      </p:sp>
+      <p:sp>
+        <p:nvSpPr>
+          <p:cNvPr id="63" name="TextBox 62"/>
+          <p:cNvSpPr txBox="1"/>
+          <p:nvPr/>
+        </p:nvSpPr>
+        <p:spPr>
+          <a:xfrm>
+            <a:off x="7321685" y="6096000"/>
+            <a:ext cx="1241174" cy="369332"/>
+          </a:xfrm>
+          <a:prstGeom prst="rect">
+            <a:avLst/>
+          </a:prstGeom>
+          <a:noFill/>
+        </p:spPr>
+        <p:txBody>
+          <a:bodyPr wrap="none" rtlCol="0">
+            <a:spAutoFit/>
+          </a:bodyPr>
+          <a:lstStyle/>
+          <a:p>
+            <a:r>
+              <a:rPr lang="en-US" dirty="0"/>
+              <a:t>Professor B</a:t>
+            </a:r>
+          </a:p>
+        </p:txBody>
+      </p:sp>
+      <p:sp>
+        <p:nvSpPr>
+          <p:cNvPr id="6" name="TextBox 5"/>
+          <p:cNvSpPr txBox="1"/>
+          <p:nvPr/>
+        </p:nvSpPr>
+        <p:spPr>
+          <a:xfrm>
+            <a:off x="496111" y="359923"/>
+            <a:ext cx="6116996" cy="523220"/>
+          </a:xfrm>
+          <a:prstGeom prst="rect">
+            <a:avLst/>
+          </a:prstGeom>
+          <a:noFill/>
+        </p:spPr>
+        <p:txBody>
+          <a:bodyPr wrap="none" rtlCol="0">
+            <a:spAutoFit/>
+          </a:bodyPr>
+          <a:lstStyle/>
+          <a:p>
+            <a:r>
+              <a:rPr lang="en-US" sz="2800" dirty="0"/>
+              <a:t>For which professor is the sound louder?</a:t>
+            </a:r>
+          </a:p>
+        </p:txBody>
+      </p:sp>
+      <p:sp>
+        <p:nvSpPr>
+          <p:cNvPr id="65" name="Line 15"/>
+          <p:cNvSpPr>
+            <a:spLocks noChangeShapeType="1"/>
+          </p:cNvSpPr>
+          <p:nvPr/>
+        </p:nvSpPr>
+        <p:spPr bwMode="auto">
+          <a:xfrm flipV="1">
+            <a:off x="2334638" y="3563026"/>
+            <a:ext cx="1987685" cy="1816370"/>
+          </a:xfrm>
+          <a:prstGeom prst="line">
+            <a:avLst/>
+          </a:prstGeom>
+          <a:noFill/>
+          <a:ln w="9525">
+            <a:solidFill>
+              <a:schemeClr val="tx1"/>
+            </a:solidFill>
+            <a:round/>
+            <a:headEnd/>
+            <a:tailEnd type="triangle" w="med" len="med"/>
+          </a:ln>
+        </p:spPr>
+        <p:txBody>
+          <a:bodyPr wrap="none" anchor="ctr"/>
+          <a:lstStyle/>
+          <a:p>
+            <a:endParaRPr lang="en-US"/>
+          </a:p>
+        </p:txBody>
+      </p:sp>
+      <p:sp>
+        <p:nvSpPr>
+          <p:cNvPr id="66" name="Text Box 16"/>
+          <p:cNvSpPr txBox="1">
+            <a:spLocks noChangeArrowheads="1"/>
+          </p:cNvSpPr>
+          <p:nvPr/>
+        </p:nvSpPr>
+        <p:spPr bwMode="auto">
+          <a:xfrm>
+            <a:off x="979251" y="5228076"/>
+            <a:ext cx="1492250" cy="366713"/>
+          </a:xfrm>
+          <a:prstGeom prst="rect">
+            <a:avLst/>
+          </a:prstGeom>
+          <a:noFill/>
+          <a:ln w="9525" algn="ctr">
+            <a:noFill/>
+            <a:miter lim="800000"/>
+            <a:headEnd/>
+            <a:tailEnd/>
+          </a:ln>
+        </p:spPr>
+        <p:txBody>
+          <a:bodyPr wrap="none">
+            <a:spAutoFit/>
+          </a:bodyPr>
+          <a:lstStyle/>
+          <a:p>
+            <a:r>
+              <a:rPr lang="en-US" dirty="0"/>
+              <a:t>Point Source</a:t>
+            </a:r>
+          </a:p>
+        </p:txBody>
+      </p:sp>
+    </p:spTree>
+    <p:extLst>
+      <p:ext uri="{BB962C8B-B14F-4D97-AF65-F5344CB8AC3E}">
+        <p14:creationId xmlns:p14="http://schemas.microsoft.com/office/powerpoint/2010/main" val="103656388"/>
+      </p:ext>
+    </p:extLst>
+  </p:cSld>
+  <p:clrMapOvr>
+    <a:masterClrMapping/>
+  </p:clrMapOvr>
+</p:sld>
+</file>
+
+<file path=ppt/slides/slide11.xml><?xml version="1.0" encoding="utf-8"?>
+<p:sld xmlns:a="http://schemas.openxmlformats.org/drawingml/2006/main" xmlns:r="http://schemas.openxmlformats.org/officeDocument/2006/relationships" xmlns:p="http://schemas.openxmlformats.org/presentationml/2006/main">
+  <p:cSld>
+    <p:spTree>
+      <p:nvGrpSpPr>
+        <p:cNvPr id="1" name=""/>
+        <p:cNvGrpSpPr/>
+        <p:nvPr/>
+      </p:nvGrpSpPr>
+      <p:grpSpPr>
+        <a:xfrm>
+          <a:off x="0" y="0"/>
+          <a:ext cx="0" cy="0"/>
+          <a:chOff x="0" y="0"/>
+          <a:chExt cx="0" cy="0"/>
+        </a:xfrm>
+      </p:grpSpPr>
+      <p:sp>
+        <p:nvSpPr>
+          <p:cNvPr id="63491" name="Rectangle 2"/>
+          <p:cNvSpPr>
+            <a:spLocks noGrp="1" noChangeArrowheads="1"/>
+          </p:cNvSpPr>
+          <p:nvPr>
+            <p:ph type="title"/>
+          </p:nvPr>
+        </p:nvSpPr>
+        <p:spPr/>
+        <p:txBody>
+          <a:bodyPr>
+            <a:normAutofit/>
+          </a:bodyPr>
+          <a:lstStyle/>
+          <a:p>
+            <a:r>
+              <a:rPr lang="en-US" dirty="0"/>
+              <a:t>Question 223.4.7   123.22.3</a:t>
+            </a:r>
+          </a:p>
+        </p:txBody>
+      </p:sp>
+      <p:sp>
+        <p:nvSpPr>
+          <p:cNvPr id="63492" name="Rectangle 3"/>
+          <p:cNvSpPr>
+            <a:spLocks noGrp="1" noChangeArrowheads="1"/>
+          </p:cNvSpPr>
+          <p:nvPr>
+            <p:ph idx="1"/>
+          </p:nvPr>
+        </p:nvSpPr>
+        <p:spPr/>
+        <p:txBody>
+          <a:bodyPr/>
+          <a:lstStyle/>
+          <a:p>
+            <a:pPr marL="609600" indent="-609600" eaLnBrk="1" hangingPunct="1">
+              <a:buFontTx/>
+              <a:buNone/>
+            </a:pPr>
+            <a:r>
+              <a:rPr lang="en-US" dirty="0"/>
+              <a:t>Tuning Fork: Which tuning fork is louder, the </a:t>
+            </a:r>
+          </a:p>
+          <a:p>
+            <a:pPr marL="609600" indent="-609600" eaLnBrk="1" hangingPunct="1">
+              <a:buFontTx/>
+              <a:buAutoNum type="alphaLcParenR"/>
+            </a:pPr>
+            <a:r>
+              <a:rPr lang="en-US" dirty="0"/>
+              <a:t>mounted one </a:t>
+            </a:r>
+          </a:p>
+          <a:p>
+            <a:pPr marL="609600" indent="-609600" eaLnBrk="1" hangingPunct="1">
+              <a:buFontTx/>
+              <a:buAutoNum type="alphaLcParenR"/>
+            </a:pPr>
+            <a:r>
+              <a:rPr lang="en-US" dirty="0"/>
+              <a:t>free one</a:t>
+            </a:r>
+          </a:p>
+          <a:p>
+            <a:pPr marL="609600" indent="-609600" eaLnBrk="1" hangingPunct="1"/>
+            <a:endParaRPr lang="en-US" dirty="0"/>
+          </a:p>
+        </p:txBody>
+      </p:sp>
+      <p:sp>
+        <p:nvSpPr>
+          <p:cNvPr id="63490" name="Slide Number Placeholder 5"/>
+          <p:cNvSpPr>
+            <a:spLocks noGrp="1"/>
+          </p:cNvSpPr>
+          <p:nvPr>
+            <p:ph type="sldNum" sz="quarter" idx="12"/>
+          </p:nvPr>
+        </p:nvSpPr>
+        <p:spPr>
+          <a:noFill/>
+        </p:spPr>
+        <p:txBody>
+          <a:bodyPr/>
+          <a:lstStyle/>
+          <a:p>
+            <a:fld id="{B7EC24E5-89AC-43BC-95C0-434346ACF2A9}" type="slidenum">
+              <a:rPr lang="en-US" smtClean="0"/>
+              <a:pPr/>
+              <a:t>11</a:t>
+            </a:fld>
+            <a:endParaRPr lang="en-US"/>
+          </a:p>
+        </p:txBody>
+      </p:sp>
+    </p:spTree>
+    <p:extLst>
+      <p:ext uri="{BB962C8B-B14F-4D97-AF65-F5344CB8AC3E}">
+        <p14:creationId xmlns:p14="http://schemas.microsoft.com/office/powerpoint/2010/main" val="2416614079"/>
+      </p:ext>
+    </p:extLst>
+  </p:cSld>
+  <p:clrMapOvr>
+    <a:masterClrMapping/>
+  </p:clrMapOvr>
+</p:sld>
+</file>
+
+<file path=ppt/slides/slide12.xml><?xml version="1.0" encoding="utf-8"?>
+<p:sld xmlns:a="http://schemas.openxmlformats.org/drawingml/2006/main" xmlns:r="http://schemas.openxmlformats.org/officeDocument/2006/relationships" xmlns:p="http://schemas.openxmlformats.org/presentationml/2006/main">
+  <p:cSld>
+    <p:spTree>
+      <p:nvGrpSpPr>
+        <p:cNvPr id="1" name=""/>
+        <p:cNvGrpSpPr/>
+        <p:nvPr/>
+      </p:nvGrpSpPr>
+      <p:grpSpPr>
+        <a:xfrm>
+          <a:off x="0" y="0"/>
+          <a:ext cx="0" cy="0"/>
+          <a:chOff x="0" y="0"/>
+          <a:chExt cx="0" cy="0"/>
+        </a:xfrm>
+      </p:grpSpPr>
+      <p:grpSp>
+        <p:nvGrpSpPr>
+          <p:cNvPr id="2" name="Group 6"/>
+          <p:cNvGrpSpPr>
+            <a:grpSpLocks/>
+          </p:cNvGrpSpPr>
+          <p:nvPr/>
+        </p:nvGrpSpPr>
+        <p:grpSpPr bwMode="auto">
+          <a:xfrm>
+            <a:off x="1163638" y="1122363"/>
+            <a:ext cx="6262687" cy="4262437"/>
+            <a:chOff x="1163783" y="1122218"/>
+            <a:chExt cx="6262252" cy="4262460"/>
+          </a:xfrm>
+        </p:grpSpPr>
+        <p:pic>
+          <p:nvPicPr>
+            <p:cNvPr id="540674" name="Picture 1"/>
+            <p:cNvPicPr>
+              <a:picLocks noChangeAspect="1" noChangeArrowheads="1"/>
+            </p:cNvPicPr>
+            <p:nvPr/>
+          </p:nvPicPr>
+          <p:blipFill>
+            <a:blip r:embed="rId2" cstate="print"/>
+            <a:srcRect l="20950" b="11513"/>
+            <a:stretch>
+              <a:fillRect/>
+            </a:stretch>
+          </p:blipFill>
+          <p:spPr bwMode="auto">
+            <a:xfrm>
+              <a:off x="2355273" y="1122218"/>
+              <a:ext cx="5070762" cy="3726873"/>
+            </a:xfrm>
+            <a:prstGeom prst="rect">
+              <a:avLst/>
+            </a:prstGeom>
+            <a:noFill/>
+            <a:ln w="9525">
+              <a:noFill/>
+              <a:miter lim="800000"/>
+              <a:headEnd/>
+              <a:tailEnd/>
+            </a:ln>
+          </p:spPr>
+        </p:pic>
+        <p:sp>
+          <p:nvSpPr>
+            <p:cNvPr id="540675" name="TextBox 3"/>
+            <p:cNvSpPr txBox="1">
+              <a:spLocks noChangeArrowheads="1"/>
+            </p:cNvSpPr>
+            <p:nvPr/>
+          </p:nvSpPr>
+          <p:spPr bwMode="auto">
+            <a:xfrm>
+              <a:off x="1163783" y="2549235"/>
+              <a:ext cx="1122218" cy="646331"/>
+            </a:xfrm>
+            <a:prstGeom prst="rect">
+              <a:avLst/>
+            </a:prstGeom>
+            <a:noFill/>
+            <a:ln w="9525">
+              <a:noFill/>
+              <a:miter lim="800000"/>
+              <a:headEnd/>
+              <a:tailEnd/>
+            </a:ln>
+          </p:spPr>
+          <p:txBody>
+            <a:bodyPr>
+              <a:spAutoFit/>
+            </a:bodyPr>
+            <a:lstStyle/>
+            <a:p>
+              <a:pPr algn="r"/>
+              <a:r>
+                <a:rPr lang="en-US"/>
+                <a:t>Intensity in W/m</a:t>
+              </a:r>
+              <a:r>
+                <a:rPr lang="en-US" baseline="30000"/>
+                <a:t>2</a:t>
+              </a:r>
+              <a:r>
+                <a:rPr lang="en-US"/>
+                <a:t> </a:t>
+              </a:r>
+            </a:p>
+          </p:txBody>
+        </p:sp>
+        <p:sp>
+          <p:nvSpPr>
+            <p:cNvPr id="540676" name="TextBox 4"/>
+            <p:cNvSpPr txBox="1">
+              <a:spLocks noChangeArrowheads="1"/>
+            </p:cNvSpPr>
+            <p:nvPr/>
+          </p:nvSpPr>
+          <p:spPr bwMode="auto">
+            <a:xfrm>
+              <a:off x="4308764" y="5015346"/>
+              <a:ext cx="1922065" cy="369332"/>
+            </a:xfrm>
+            <a:prstGeom prst="rect">
+              <a:avLst/>
+            </a:prstGeom>
+            <a:noFill/>
+            <a:ln w="9525">
+              <a:noFill/>
+              <a:miter lim="800000"/>
+              <a:headEnd/>
+              <a:tailEnd/>
+            </a:ln>
+          </p:spPr>
+          <p:txBody>
+            <a:bodyPr wrap="none">
+              <a:spAutoFit/>
+            </a:bodyPr>
+            <a:lstStyle/>
+            <a:p>
+              <a:r>
+                <a:rPr lang="en-US"/>
+                <a:t>Distance in meters</a:t>
+              </a:r>
+            </a:p>
+          </p:txBody>
+        </p:sp>
+        <p:sp>
+          <p:nvSpPr>
+            <p:cNvPr id="6" name="Rectangle 5"/>
+            <p:cNvSpPr/>
+            <p:nvPr/>
+          </p:nvSpPr>
+          <p:spPr>
+            <a:xfrm>
+              <a:off x="6567258" y="4697287"/>
+              <a:ext cx="290492" cy="387352"/>
+            </a:xfrm>
+            <a:prstGeom prst="rect">
+              <a:avLst/>
+            </a:prstGeom>
+            <a:solidFill>
+              <a:schemeClr val="bg1"/>
+            </a:solidFill>
+            <a:ln>
+              <a:noFill/>
+            </a:ln>
+          </p:spPr>
+          <p:style>
+            <a:lnRef idx="2">
+              <a:schemeClr val="accent1">
+                <a:shade val="50000"/>
+              </a:schemeClr>
+            </a:lnRef>
+            <a:fillRef idx="1">
+              <a:schemeClr val="accent1"/>
+            </a:fillRef>
+            <a:effectRef idx="0">
+              <a:schemeClr val="accent1"/>
+            </a:effectRef>
+            <a:fontRef idx="minor">
+              <a:schemeClr val="lt1"/>
+            </a:fontRef>
+          </p:style>
+          <p:txBody>
+            <a:bodyPr anchor="ctr"/>
+            <a:lstStyle/>
+            <a:p>
+              <a:pPr algn="ctr" fontAlgn="auto">
+                <a:spcBef>
+                  <a:spcPts val="0"/>
+                </a:spcBef>
+                <a:spcAft>
+                  <a:spcPts val="0"/>
+                </a:spcAft>
+                <a:defRPr/>
+              </a:pPr>
+              <a:endParaRPr lang="en-US"/>
+            </a:p>
+          </p:txBody>
+        </p:sp>
+      </p:grpSp>
+    </p:spTree>
+    <p:extLst>
+      <p:ext uri="{BB962C8B-B14F-4D97-AF65-F5344CB8AC3E}">
+        <p14:creationId xmlns:p14="http://schemas.microsoft.com/office/powerpoint/2010/main" val="1729789265"/>
+      </p:ext>
+    </p:extLst>
+  </p:cSld>
+  <p:clrMapOvr>
+    <a:masterClrMapping/>
+  </p:clrMapOvr>
+</p:sld>
+</file>
+
+<file path=ppt/slides/slide13.xml><?xml version="1.0" encoding="utf-8"?>
 <p:sld xmlns:a="http://schemas.openxmlformats.org/drawingml/2006/main" xmlns:r="http://schemas.openxmlformats.org/officeDocument/2006/relationships" xmlns:p="http://schemas.openxmlformats.org/presentationml/2006/main">
   <p:cSld>
     <p:spTree>
@@ -4187,7 +6236,7 @@
             <a:fld id="{5B5A48A1-FA10-4297-9A45-A4DF9393E8E1}" type="slidenum">
               <a:rPr lang="en-US" smtClean="0"/>
               <a:pPr/>
-              <a:t>10</a:t>
+              <a:t>13</a:t>
             </a:fld>
             <a:endParaRPr lang="en-US"/>
           </a:p>
@@ -4270,7 +6319,7 @@
 </p:sld>
 </file>
 
-<file path=ppt/slides/slide11.xml><?xml version="1.0" encoding="utf-8"?>
+<file path=ppt/slides/slide14.xml><?xml version="1.0" encoding="utf-8"?>
 <p:sld xmlns:a="http://schemas.openxmlformats.org/drawingml/2006/main" xmlns:r="http://schemas.openxmlformats.org/officeDocument/2006/relationships" xmlns:p="http://schemas.openxmlformats.org/presentationml/2006/main">
   <p:cSld>
     <p:spTree>
@@ -4395,7 +6444,7 @@
 </p:sld>
 </file>
 
-<file path=ppt/slides/slide12.xml><?xml version="1.0" encoding="utf-8"?>
+<file path=ppt/slides/slide15.xml><?xml version="1.0" encoding="utf-8"?>
 <p:sld xmlns:a="http://schemas.openxmlformats.org/drawingml/2006/main" xmlns:r="http://schemas.openxmlformats.org/officeDocument/2006/relationships" xmlns:p="http://schemas.openxmlformats.org/presentationml/2006/main">
   <p:cSld>
     <p:spTree>
@@ -6225,7 +8274,7 @@
 </p:sld>
 </file>
 
-<file path=ppt/slides/slide13.xml><?xml version="1.0" encoding="utf-8"?>
+<file path=ppt/slides/slide16.xml><?xml version="1.0" encoding="utf-8"?>
 <p:sld xmlns:a="http://schemas.openxmlformats.org/drawingml/2006/main" xmlns:r="http://schemas.openxmlformats.org/officeDocument/2006/relationships" xmlns:p="http://schemas.openxmlformats.org/presentationml/2006/main">
   <p:cSld>
     <p:spTree>
@@ -6343,7 +8392,7 @@
 </p:sld>
 </file>
 
-<file path=ppt/slides/slide14.xml><?xml version="1.0" encoding="utf-8"?>
+<file path=ppt/slides/slide17.xml><?xml version="1.0" encoding="utf-8"?>
 <p:sld xmlns:a="http://schemas.openxmlformats.org/drawingml/2006/main" xmlns:r="http://schemas.openxmlformats.org/officeDocument/2006/relationships" xmlns:p="http://schemas.openxmlformats.org/presentationml/2006/main">
   <p:cSld>
     <p:spTree>
@@ -6414,12 +8463,12 @@
           <a:graphicData uri="http://schemas.openxmlformats.org/presentationml/2006/ole">
             <mc:AlternateContent xmlns:mc="http://schemas.openxmlformats.org/markup-compatibility/2006">
               <mc:Choice xmlns:v="urn:schemas-microsoft-com:vml" Requires="v">
-                <p:oleObj spid="_x0000_s2050" name="Equation" r:id="rId3" imgW="3632040" imgH="2336760" progId="Equation.3">
+                <p:oleObj name="Equation" r:id="rId2" imgW="3632040" imgH="2336760" progId="Equation.3">
                   <p:embed/>
                 </p:oleObj>
               </mc:Choice>
               <mc:Fallback>
-                <p:oleObj name="Equation" r:id="rId3" imgW="3632040" imgH="2336760" progId="Equation.3">
+                <p:oleObj name="Equation" r:id="rId2" imgW="3632040" imgH="2336760" progId="Equation.3">
                   <p:embed/>
                   <p:pic>
                     <p:nvPicPr>
@@ -6430,7 +8479,7 @@
                       <p:nvPr/>
                     </p:nvPicPr>
                     <p:blipFill>
-                      <a:blip r:embed="rId4">
+                      <a:blip r:embed="rId3">
                         <a:extLst>
                           <a:ext uri="{28A0092B-C50C-407E-A947-70E740481C1C}">
                             <a14:useLocalDpi xmlns:a14="http://schemas.microsoft.com/office/drawing/2010/main" val="0"/>
@@ -6481,7 +8530,7 @@
 </p:sld>
 </file>
 
-<file path=ppt/slides/slide15.xml><?xml version="1.0" encoding="utf-8"?>
+<file path=ppt/slides/slide18.xml><?xml version="1.0" encoding="utf-8"?>
 <p:sld xmlns:a="http://schemas.openxmlformats.org/drawingml/2006/main" xmlns:r="http://schemas.openxmlformats.org/officeDocument/2006/relationships" xmlns:p="http://schemas.openxmlformats.org/presentationml/2006/main">
   <p:cSld>
     <p:spTree>
@@ -6599,7 +8648,7 @@
 </p:sld>
 </file>
 
-<file path=ppt/slides/slide16.xml><?xml version="1.0" encoding="utf-8"?>
+<file path=ppt/slides/slide19.xml><?xml version="1.0" encoding="utf-8"?>
 <p:sld xmlns:a="http://schemas.openxmlformats.org/drawingml/2006/main" xmlns:r="http://schemas.openxmlformats.org/officeDocument/2006/relationships" xmlns:p="http://schemas.openxmlformats.org/presentationml/2006/main">
   <p:cSld>
     <p:spTree>
@@ -6727,7 +8776,701 @@
 </p:sld>
 </file>
 
-<file path=ppt/slides/slide17.xml><?xml version="1.0" encoding="utf-8"?>
+<file path=ppt/slides/slide2.xml><?xml version="1.0" encoding="utf-8"?>
+<p:sld xmlns:a="http://schemas.openxmlformats.org/drawingml/2006/main" xmlns:r="http://schemas.openxmlformats.org/officeDocument/2006/relationships" xmlns:p="http://schemas.openxmlformats.org/presentationml/2006/main">
+  <p:cSld>
+    <p:spTree>
+      <p:nvGrpSpPr>
+        <p:cNvPr id="1" name=""/>
+        <p:cNvGrpSpPr/>
+        <p:nvPr/>
+      </p:nvGrpSpPr>
+      <p:grpSpPr>
+        <a:xfrm>
+          <a:off x="0" y="0"/>
+          <a:ext cx="0" cy="0"/>
+          <a:chOff x="0" y="0"/>
+          <a:chExt cx="0" cy="0"/>
+        </a:xfrm>
+      </p:grpSpPr>
+      <p:sp>
+        <p:nvSpPr>
+          <p:cNvPr id="7" name="Rectangle 6">
+            <a:extLst>
+              <a:ext uri="{FF2B5EF4-FFF2-40B4-BE49-F238E27FC236}">
+                <a16:creationId xmlns:a16="http://schemas.microsoft.com/office/drawing/2014/main" id="{D8FD1B72-CCBE-CE40-E955-1FAE8C362531}"/>
+              </a:ext>
+            </a:extLst>
+          </p:cNvPr>
+          <p:cNvSpPr/>
+          <p:nvPr/>
+        </p:nvSpPr>
+        <p:spPr>
+          <a:xfrm>
+            <a:off x="1898904" y="935734"/>
+            <a:ext cx="149352" cy="3617978"/>
+          </a:xfrm>
+          <a:prstGeom prst="rect">
+            <a:avLst/>
+          </a:prstGeom>
+          <a:solidFill>
+            <a:schemeClr val="bg1">
+              <a:lumMod val="65000"/>
+            </a:schemeClr>
+          </a:solidFill>
+          <a:ln>
+            <a:noFill/>
+          </a:ln>
+        </p:spPr>
+        <p:style>
+          <a:lnRef idx="2">
+            <a:schemeClr val="accent1">
+              <a:shade val="15000"/>
+            </a:schemeClr>
+          </a:lnRef>
+          <a:fillRef idx="1">
+            <a:schemeClr val="accent1"/>
+          </a:fillRef>
+          <a:effectRef idx="0">
+            <a:schemeClr val="accent1"/>
+          </a:effectRef>
+          <a:fontRef idx="minor">
+            <a:schemeClr val="lt1"/>
+          </a:fontRef>
+        </p:style>
+        <p:txBody>
+          <a:bodyPr rtlCol="0" anchor="ctr"/>
+          <a:lstStyle/>
+          <a:p>
+            <a:pPr algn="ctr"/>
+            <a:endParaRPr lang="en-US"/>
+          </a:p>
+        </p:txBody>
+      </p:sp>
+      <p:sp>
+        <p:nvSpPr>
+          <p:cNvPr id="4" name="Rectangle 3">
+            <a:extLst>
+              <a:ext uri="{FF2B5EF4-FFF2-40B4-BE49-F238E27FC236}">
+                <a16:creationId xmlns:a16="http://schemas.microsoft.com/office/drawing/2014/main" id="{613C0366-ADBD-5FA5-A76A-CC6520D623DA}"/>
+              </a:ext>
+            </a:extLst>
+          </p:cNvPr>
+          <p:cNvSpPr/>
+          <p:nvPr/>
+        </p:nvSpPr>
+        <p:spPr>
+          <a:xfrm>
+            <a:off x="1143000" y="1517904"/>
+            <a:ext cx="2276856" cy="987552"/>
+          </a:xfrm>
+          <a:prstGeom prst="rect">
+            <a:avLst/>
+          </a:prstGeom>
+          <a:solidFill>
+            <a:schemeClr val="tx1">
+              <a:lumMod val="75000"/>
+              <a:lumOff val="25000"/>
+            </a:schemeClr>
+          </a:solidFill>
+          <a:ln>
+            <a:noFill/>
+          </a:ln>
+        </p:spPr>
+        <p:style>
+          <a:lnRef idx="2">
+            <a:schemeClr val="accent1">
+              <a:shade val="15000"/>
+            </a:schemeClr>
+          </a:lnRef>
+          <a:fillRef idx="1">
+            <a:schemeClr val="accent1"/>
+          </a:fillRef>
+          <a:effectRef idx="0">
+            <a:schemeClr val="accent1"/>
+          </a:effectRef>
+          <a:fontRef idx="minor">
+            <a:schemeClr val="lt1"/>
+          </a:fontRef>
+        </p:style>
+        <p:txBody>
+          <a:bodyPr rtlCol="0" anchor="ctr"/>
+          <a:lstStyle/>
+          <a:p>
+            <a:pPr algn="ctr"/>
+            <a:endParaRPr lang="en-US"/>
+          </a:p>
+        </p:txBody>
+      </p:sp>
+      <p:sp>
+        <p:nvSpPr>
+          <p:cNvPr id="5" name="Rectangle 4">
+            <a:extLst>
+              <a:ext uri="{FF2B5EF4-FFF2-40B4-BE49-F238E27FC236}">
+                <a16:creationId xmlns:a16="http://schemas.microsoft.com/office/drawing/2014/main" id="{8DEE0855-A788-A402-48A5-46F63F828A3E}"/>
+              </a:ext>
+            </a:extLst>
+          </p:cNvPr>
+          <p:cNvSpPr/>
+          <p:nvPr/>
+        </p:nvSpPr>
+        <p:spPr>
+          <a:xfrm>
+            <a:off x="3419856" y="1975104"/>
+            <a:ext cx="512064" cy="64008"/>
+          </a:xfrm>
+          <a:prstGeom prst="rect">
+            <a:avLst/>
+          </a:prstGeom>
+          <a:solidFill>
+            <a:schemeClr val="bg1">
+              <a:lumMod val="65000"/>
+            </a:schemeClr>
+          </a:solidFill>
+          <a:ln>
+            <a:noFill/>
+          </a:ln>
+        </p:spPr>
+        <p:style>
+          <a:lnRef idx="2">
+            <a:schemeClr val="accent1">
+              <a:shade val="15000"/>
+            </a:schemeClr>
+          </a:lnRef>
+          <a:fillRef idx="1">
+            <a:schemeClr val="accent1"/>
+          </a:fillRef>
+          <a:effectRef idx="0">
+            <a:schemeClr val="accent1"/>
+          </a:effectRef>
+          <a:fontRef idx="minor">
+            <a:schemeClr val="lt1"/>
+          </a:fontRef>
+        </p:style>
+        <p:txBody>
+          <a:bodyPr rtlCol="0" anchor="ctr"/>
+          <a:lstStyle/>
+          <a:p>
+            <a:pPr algn="ctr"/>
+            <a:endParaRPr lang="en-US"/>
+          </a:p>
+        </p:txBody>
+      </p:sp>
+      <p:sp>
+        <p:nvSpPr>
+          <p:cNvPr id="6" name="Rectangle 5">
+            <a:extLst>
+              <a:ext uri="{FF2B5EF4-FFF2-40B4-BE49-F238E27FC236}">
+                <a16:creationId xmlns:a16="http://schemas.microsoft.com/office/drawing/2014/main" id="{70FE5A38-89EB-A82A-AB61-B6D8415A3953}"/>
+              </a:ext>
+            </a:extLst>
+          </p:cNvPr>
+          <p:cNvSpPr/>
+          <p:nvPr/>
+        </p:nvSpPr>
+        <p:spPr>
+          <a:xfrm>
+            <a:off x="1143000" y="1972056"/>
+            <a:ext cx="2276856" cy="45719"/>
+          </a:xfrm>
+          <a:prstGeom prst="rect">
+            <a:avLst/>
+          </a:prstGeom>
+          <a:solidFill>
+            <a:schemeClr val="tx1">
+              <a:lumMod val="85000"/>
+              <a:lumOff val="15000"/>
+            </a:schemeClr>
+          </a:solidFill>
+          <a:ln>
+            <a:noFill/>
+          </a:ln>
+        </p:spPr>
+        <p:style>
+          <a:lnRef idx="2">
+            <a:schemeClr val="accent1">
+              <a:shade val="15000"/>
+            </a:schemeClr>
+          </a:lnRef>
+          <a:fillRef idx="1">
+            <a:schemeClr val="accent1"/>
+          </a:fillRef>
+          <a:effectRef idx="0">
+            <a:schemeClr val="accent1"/>
+          </a:effectRef>
+          <a:fontRef idx="minor">
+            <a:schemeClr val="lt1"/>
+          </a:fontRef>
+        </p:style>
+        <p:txBody>
+          <a:bodyPr rtlCol="0" anchor="ctr"/>
+          <a:lstStyle/>
+          <a:p>
+            <a:pPr algn="ctr"/>
+            <a:endParaRPr lang="en-US"/>
+          </a:p>
+        </p:txBody>
+      </p:sp>
+      <p:sp>
+        <p:nvSpPr>
+          <p:cNvPr id="9" name="Freeform: Shape 8">
+            <a:extLst>
+              <a:ext uri="{FF2B5EF4-FFF2-40B4-BE49-F238E27FC236}">
+                <a16:creationId xmlns:a16="http://schemas.microsoft.com/office/drawing/2014/main" id="{97BAF4FB-DA6A-6AD6-F1CC-6144FB3A9559}"/>
+              </a:ext>
+            </a:extLst>
+          </p:cNvPr>
+          <p:cNvSpPr/>
+          <p:nvPr/>
+        </p:nvSpPr>
+        <p:spPr>
+          <a:xfrm>
+            <a:off x="3931920" y="1443569"/>
+            <a:ext cx="3813048" cy="1148411"/>
+          </a:xfrm>
+          <a:custGeom>
+            <a:avLst/>
+            <a:gdLst>
+              <a:gd name="connsiteX0" fmla="*/ 0 w 5632704"/>
+              <a:gd name="connsiteY0" fmla="*/ 2062670 h 4110927"/>
+              <a:gd name="connsiteX1" fmla="*/ 841248 w 5632704"/>
+              <a:gd name="connsiteY1" fmla="*/ 60134 h 4110927"/>
+              <a:gd name="connsiteX2" fmla="*/ 2642616 w 5632704"/>
+              <a:gd name="connsiteY2" fmla="*/ 4110926 h 4110927"/>
+              <a:gd name="connsiteX3" fmla="*/ 4398264 w 5632704"/>
+              <a:gd name="connsiteY3" fmla="*/ 41846 h 4110927"/>
+              <a:gd name="connsiteX4" fmla="*/ 5632704 w 5632704"/>
+              <a:gd name="connsiteY4" fmla="*/ 3205670 h 4110927"/>
+              <a:gd name="connsiteX0" fmla="*/ 0 w 5632704"/>
+              <a:gd name="connsiteY0" fmla="*/ 2030402 h 4078696"/>
+              <a:gd name="connsiteX1" fmla="*/ 905256 w 5632704"/>
+              <a:gd name="connsiteY1" fmla="*/ 91874 h 4078696"/>
+              <a:gd name="connsiteX2" fmla="*/ 2642616 w 5632704"/>
+              <a:gd name="connsiteY2" fmla="*/ 4078658 h 4078696"/>
+              <a:gd name="connsiteX3" fmla="*/ 4398264 w 5632704"/>
+              <a:gd name="connsiteY3" fmla="*/ 9578 h 4078696"/>
+              <a:gd name="connsiteX4" fmla="*/ 5632704 w 5632704"/>
+              <a:gd name="connsiteY4" fmla="*/ 3173402 h 4078696"/>
+              <a:gd name="connsiteX0" fmla="*/ 0 w 5632704"/>
+              <a:gd name="connsiteY0" fmla="*/ 2030402 h 4078692"/>
+              <a:gd name="connsiteX1" fmla="*/ 905256 w 5632704"/>
+              <a:gd name="connsiteY1" fmla="*/ 91874 h 4078692"/>
+              <a:gd name="connsiteX2" fmla="*/ 2642616 w 5632704"/>
+              <a:gd name="connsiteY2" fmla="*/ 4078658 h 4078692"/>
+              <a:gd name="connsiteX3" fmla="*/ 4398264 w 5632704"/>
+              <a:gd name="connsiteY3" fmla="*/ 9578 h 4078692"/>
+              <a:gd name="connsiteX4" fmla="*/ 5632704 w 5632704"/>
+              <a:gd name="connsiteY4" fmla="*/ 3173402 h 4078692"/>
+              <a:gd name="connsiteX0" fmla="*/ 0 w 5632704"/>
+              <a:gd name="connsiteY0" fmla="*/ 2030402 h 4078673"/>
+              <a:gd name="connsiteX1" fmla="*/ 859536 w 5632704"/>
+              <a:gd name="connsiteY1" fmla="*/ 64442 h 4078673"/>
+              <a:gd name="connsiteX2" fmla="*/ 2642616 w 5632704"/>
+              <a:gd name="connsiteY2" fmla="*/ 4078658 h 4078673"/>
+              <a:gd name="connsiteX3" fmla="*/ 4398264 w 5632704"/>
+              <a:gd name="connsiteY3" fmla="*/ 9578 h 4078673"/>
+              <a:gd name="connsiteX4" fmla="*/ 5632704 w 5632704"/>
+              <a:gd name="connsiteY4" fmla="*/ 3173402 h 4078673"/>
+              <a:gd name="connsiteX0" fmla="*/ 0 w 5632704"/>
+              <a:gd name="connsiteY0" fmla="*/ 2030402 h 4078673"/>
+              <a:gd name="connsiteX1" fmla="*/ 859536 w 5632704"/>
+              <a:gd name="connsiteY1" fmla="*/ 64442 h 4078673"/>
+              <a:gd name="connsiteX2" fmla="*/ 2642616 w 5632704"/>
+              <a:gd name="connsiteY2" fmla="*/ 4078658 h 4078673"/>
+              <a:gd name="connsiteX3" fmla="*/ 4398264 w 5632704"/>
+              <a:gd name="connsiteY3" fmla="*/ 9578 h 4078673"/>
+              <a:gd name="connsiteX4" fmla="*/ 5632704 w 5632704"/>
+              <a:gd name="connsiteY4" fmla="*/ 3173402 h 4078673"/>
+              <a:gd name="connsiteX0" fmla="*/ 0 w 5632704"/>
+              <a:gd name="connsiteY0" fmla="*/ 2030402 h 4078673"/>
+              <a:gd name="connsiteX1" fmla="*/ 859536 w 5632704"/>
+              <a:gd name="connsiteY1" fmla="*/ 64442 h 4078673"/>
+              <a:gd name="connsiteX2" fmla="*/ 2642616 w 5632704"/>
+              <a:gd name="connsiteY2" fmla="*/ 4078658 h 4078673"/>
+              <a:gd name="connsiteX3" fmla="*/ 4398264 w 5632704"/>
+              <a:gd name="connsiteY3" fmla="*/ 9578 h 4078673"/>
+              <a:gd name="connsiteX4" fmla="*/ 5632704 w 5632704"/>
+              <a:gd name="connsiteY4" fmla="*/ 3173402 h 4078673"/>
+              <a:gd name="connsiteX0" fmla="*/ 0 w 5632704"/>
+              <a:gd name="connsiteY0" fmla="*/ 2030402 h 4078673"/>
+              <a:gd name="connsiteX1" fmla="*/ 859536 w 5632704"/>
+              <a:gd name="connsiteY1" fmla="*/ 64442 h 4078673"/>
+              <a:gd name="connsiteX2" fmla="*/ 2642616 w 5632704"/>
+              <a:gd name="connsiteY2" fmla="*/ 4078658 h 4078673"/>
+              <a:gd name="connsiteX3" fmla="*/ 4398264 w 5632704"/>
+              <a:gd name="connsiteY3" fmla="*/ 9578 h 4078673"/>
+              <a:gd name="connsiteX4" fmla="*/ 5632704 w 5632704"/>
+              <a:gd name="connsiteY4" fmla="*/ 3173402 h 4078673"/>
+              <a:gd name="connsiteX0" fmla="*/ 0 w 5632704"/>
+              <a:gd name="connsiteY0" fmla="*/ 2030402 h 4078673"/>
+              <a:gd name="connsiteX1" fmla="*/ 859536 w 5632704"/>
+              <a:gd name="connsiteY1" fmla="*/ 64442 h 4078673"/>
+              <a:gd name="connsiteX2" fmla="*/ 2642616 w 5632704"/>
+              <a:gd name="connsiteY2" fmla="*/ 4078658 h 4078673"/>
+              <a:gd name="connsiteX3" fmla="*/ 4398264 w 5632704"/>
+              <a:gd name="connsiteY3" fmla="*/ 9578 h 4078673"/>
+              <a:gd name="connsiteX4" fmla="*/ 5632704 w 5632704"/>
+              <a:gd name="connsiteY4" fmla="*/ 3173402 h 4078673"/>
+              <a:gd name="connsiteX0" fmla="*/ 0 w 5632704"/>
+              <a:gd name="connsiteY0" fmla="*/ 2030402 h 4078673"/>
+              <a:gd name="connsiteX1" fmla="*/ 859536 w 5632704"/>
+              <a:gd name="connsiteY1" fmla="*/ 64442 h 4078673"/>
+              <a:gd name="connsiteX2" fmla="*/ 2642616 w 5632704"/>
+              <a:gd name="connsiteY2" fmla="*/ 4078658 h 4078673"/>
+              <a:gd name="connsiteX3" fmla="*/ 4398264 w 5632704"/>
+              <a:gd name="connsiteY3" fmla="*/ 9578 h 4078673"/>
+              <a:gd name="connsiteX4" fmla="*/ 5632704 w 5632704"/>
+              <a:gd name="connsiteY4" fmla="*/ 3173402 h 4078673"/>
+              <a:gd name="connsiteX0" fmla="*/ 0 w 5632704"/>
+              <a:gd name="connsiteY0" fmla="*/ 2030402 h 4078673"/>
+              <a:gd name="connsiteX1" fmla="*/ 859536 w 5632704"/>
+              <a:gd name="connsiteY1" fmla="*/ 64442 h 4078673"/>
+              <a:gd name="connsiteX2" fmla="*/ 2642616 w 5632704"/>
+              <a:gd name="connsiteY2" fmla="*/ 4078658 h 4078673"/>
+              <a:gd name="connsiteX3" fmla="*/ 4398264 w 5632704"/>
+              <a:gd name="connsiteY3" fmla="*/ 9578 h 4078673"/>
+              <a:gd name="connsiteX4" fmla="*/ 5632704 w 5632704"/>
+              <a:gd name="connsiteY4" fmla="*/ 3173402 h 4078673"/>
+              <a:gd name="connsiteX0" fmla="*/ 0 w 5632704"/>
+              <a:gd name="connsiteY0" fmla="*/ 2030402 h 4078673"/>
+              <a:gd name="connsiteX1" fmla="*/ 859536 w 5632704"/>
+              <a:gd name="connsiteY1" fmla="*/ 64442 h 4078673"/>
+              <a:gd name="connsiteX2" fmla="*/ 2642616 w 5632704"/>
+              <a:gd name="connsiteY2" fmla="*/ 4078658 h 4078673"/>
+              <a:gd name="connsiteX3" fmla="*/ 4398264 w 5632704"/>
+              <a:gd name="connsiteY3" fmla="*/ 9578 h 4078673"/>
+              <a:gd name="connsiteX4" fmla="*/ 5632704 w 5632704"/>
+              <a:gd name="connsiteY4" fmla="*/ 3173402 h 4078673"/>
+              <a:gd name="connsiteX0" fmla="*/ 0 w 5632704"/>
+              <a:gd name="connsiteY0" fmla="*/ 2030402 h 4078673"/>
+              <a:gd name="connsiteX1" fmla="*/ 859536 w 5632704"/>
+              <a:gd name="connsiteY1" fmla="*/ 64442 h 4078673"/>
+              <a:gd name="connsiteX2" fmla="*/ 2642616 w 5632704"/>
+              <a:gd name="connsiteY2" fmla="*/ 4078658 h 4078673"/>
+              <a:gd name="connsiteX3" fmla="*/ 4398264 w 5632704"/>
+              <a:gd name="connsiteY3" fmla="*/ 9578 h 4078673"/>
+              <a:gd name="connsiteX4" fmla="*/ 5632704 w 5632704"/>
+              <a:gd name="connsiteY4" fmla="*/ 3173402 h 4078673"/>
+              <a:gd name="connsiteX0" fmla="*/ 0 w 5632704"/>
+              <a:gd name="connsiteY0" fmla="*/ 2030402 h 4078906"/>
+              <a:gd name="connsiteX1" fmla="*/ 859536 w 5632704"/>
+              <a:gd name="connsiteY1" fmla="*/ 64442 h 4078906"/>
+              <a:gd name="connsiteX2" fmla="*/ 2642616 w 5632704"/>
+              <a:gd name="connsiteY2" fmla="*/ 4078658 h 4078906"/>
+              <a:gd name="connsiteX3" fmla="*/ 4398264 w 5632704"/>
+              <a:gd name="connsiteY3" fmla="*/ 9578 h 4078906"/>
+              <a:gd name="connsiteX4" fmla="*/ 5632704 w 5632704"/>
+              <a:gd name="connsiteY4" fmla="*/ 3173402 h 4078906"/>
+              <a:gd name="connsiteX0" fmla="*/ 0 w 5632704"/>
+              <a:gd name="connsiteY0" fmla="*/ 2030402 h 4078798"/>
+              <a:gd name="connsiteX1" fmla="*/ 859536 w 5632704"/>
+              <a:gd name="connsiteY1" fmla="*/ 64442 h 4078798"/>
+              <a:gd name="connsiteX2" fmla="*/ 2642616 w 5632704"/>
+              <a:gd name="connsiteY2" fmla="*/ 4078658 h 4078798"/>
+              <a:gd name="connsiteX3" fmla="*/ 4398264 w 5632704"/>
+              <a:gd name="connsiteY3" fmla="*/ 9578 h 4078798"/>
+              <a:gd name="connsiteX4" fmla="*/ 5632704 w 5632704"/>
+              <a:gd name="connsiteY4" fmla="*/ 3173402 h 4078798"/>
+              <a:gd name="connsiteX0" fmla="*/ 0 w 5632704"/>
+              <a:gd name="connsiteY0" fmla="*/ 2030402 h 4078798"/>
+              <a:gd name="connsiteX1" fmla="*/ 859536 w 5632704"/>
+              <a:gd name="connsiteY1" fmla="*/ 64442 h 4078798"/>
+              <a:gd name="connsiteX2" fmla="*/ 2642616 w 5632704"/>
+              <a:gd name="connsiteY2" fmla="*/ 4078658 h 4078798"/>
+              <a:gd name="connsiteX3" fmla="*/ 4398264 w 5632704"/>
+              <a:gd name="connsiteY3" fmla="*/ 9578 h 4078798"/>
+              <a:gd name="connsiteX4" fmla="*/ 5632704 w 5632704"/>
+              <a:gd name="connsiteY4" fmla="*/ 3173402 h 4078798"/>
+              <a:gd name="connsiteX0" fmla="*/ 0 w 5632704"/>
+              <a:gd name="connsiteY0" fmla="*/ 2030402 h 4078798"/>
+              <a:gd name="connsiteX1" fmla="*/ 859536 w 5632704"/>
+              <a:gd name="connsiteY1" fmla="*/ 64442 h 4078798"/>
+              <a:gd name="connsiteX2" fmla="*/ 2642616 w 5632704"/>
+              <a:gd name="connsiteY2" fmla="*/ 4078658 h 4078798"/>
+              <a:gd name="connsiteX3" fmla="*/ 4398264 w 5632704"/>
+              <a:gd name="connsiteY3" fmla="*/ 9578 h 4078798"/>
+              <a:gd name="connsiteX4" fmla="*/ 5632704 w 5632704"/>
+              <a:gd name="connsiteY4" fmla="*/ 3173402 h 4078798"/>
+              <a:gd name="connsiteX0" fmla="*/ 0 w 5632704"/>
+              <a:gd name="connsiteY0" fmla="*/ 2030402 h 4078798"/>
+              <a:gd name="connsiteX1" fmla="*/ 859536 w 5632704"/>
+              <a:gd name="connsiteY1" fmla="*/ 64442 h 4078798"/>
+              <a:gd name="connsiteX2" fmla="*/ 2642616 w 5632704"/>
+              <a:gd name="connsiteY2" fmla="*/ 4078658 h 4078798"/>
+              <a:gd name="connsiteX3" fmla="*/ 4398264 w 5632704"/>
+              <a:gd name="connsiteY3" fmla="*/ 9578 h 4078798"/>
+              <a:gd name="connsiteX4" fmla="*/ 5632704 w 5632704"/>
+              <a:gd name="connsiteY4" fmla="*/ 3173402 h 4078798"/>
+              <a:gd name="connsiteX0" fmla="*/ 0 w 5632704"/>
+              <a:gd name="connsiteY0" fmla="*/ 2030402 h 4078798"/>
+              <a:gd name="connsiteX1" fmla="*/ 859536 w 5632704"/>
+              <a:gd name="connsiteY1" fmla="*/ 64442 h 4078798"/>
+              <a:gd name="connsiteX2" fmla="*/ 2642616 w 5632704"/>
+              <a:gd name="connsiteY2" fmla="*/ 4078658 h 4078798"/>
+              <a:gd name="connsiteX3" fmla="*/ 4398264 w 5632704"/>
+              <a:gd name="connsiteY3" fmla="*/ 9578 h 4078798"/>
+              <a:gd name="connsiteX4" fmla="*/ 5632704 w 5632704"/>
+              <a:gd name="connsiteY4" fmla="*/ 3173402 h 4078798"/>
+              <a:gd name="connsiteX0" fmla="*/ 0 w 5632704"/>
+              <a:gd name="connsiteY0" fmla="*/ 2030402 h 4097085"/>
+              <a:gd name="connsiteX1" fmla="*/ 859536 w 5632704"/>
+              <a:gd name="connsiteY1" fmla="*/ 64442 h 4097085"/>
+              <a:gd name="connsiteX2" fmla="*/ 2660904 w 5632704"/>
+              <a:gd name="connsiteY2" fmla="*/ 4096946 h 4097085"/>
+              <a:gd name="connsiteX3" fmla="*/ 4398264 w 5632704"/>
+              <a:gd name="connsiteY3" fmla="*/ 9578 h 4097085"/>
+              <a:gd name="connsiteX4" fmla="*/ 5632704 w 5632704"/>
+              <a:gd name="connsiteY4" fmla="*/ 3173402 h 4097085"/>
+              <a:gd name="connsiteX0" fmla="*/ 0 w 5632704"/>
+              <a:gd name="connsiteY0" fmla="*/ 2030402 h 4097085"/>
+              <a:gd name="connsiteX1" fmla="*/ 859536 w 5632704"/>
+              <a:gd name="connsiteY1" fmla="*/ 64442 h 4097085"/>
+              <a:gd name="connsiteX2" fmla="*/ 2660904 w 5632704"/>
+              <a:gd name="connsiteY2" fmla="*/ 4096946 h 4097085"/>
+              <a:gd name="connsiteX3" fmla="*/ 4398264 w 5632704"/>
+              <a:gd name="connsiteY3" fmla="*/ 9578 h 4097085"/>
+              <a:gd name="connsiteX4" fmla="*/ 5632704 w 5632704"/>
+              <a:gd name="connsiteY4" fmla="*/ 3173402 h 4097085"/>
+              <a:gd name="connsiteX0" fmla="*/ 0 w 5632704"/>
+              <a:gd name="connsiteY0" fmla="*/ 1975837 h 4042520"/>
+              <a:gd name="connsiteX1" fmla="*/ 859536 w 5632704"/>
+              <a:gd name="connsiteY1" fmla="*/ 9877 h 4042520"/>
+              <a:gd name="connsiteX2" fmla="*/ 2660904 w 5632704"/>
+              <a:gd name="connsiteY2" fmla="*/ 4042381 h 4042520"/>
+              <a:gd name="connsiteX3" fmla="*/ 4398264 w 5632704"/>
+              <a:gd name="connsiteY3" fmla="*/ 9877 h 4042520"/>
+              <a:gd name="connsiteX4" fmla="*/ 5632704 w 5632704"/>
+              <a:gd name="connsiteY4" fmla="*/ 3118837 h 4042520"/>
+              <a:gd name="connsiteX0" fmla="*/ 0 w 5632704"/>
+              <a:gd name="connsiteY0" fmla="*/ 1975837 h 4042520"/>
+              <a:gd name="connsiteX1" fmla="*/ 859536 w 5632704"/>
+              <a:gd name="connsiteY1" fmla="*/ 9877 h 4042520"/>
+              <a:gd name="connsiteX2" fmla="*/ 2660904 w 5632704"/>
+              <a:gd name="connsiteY2" fmla="*/ 4042381 h 4042520"/>
+              <a:gd name="connsiteX3" fmla="*/ 4398264 w 5632704"/>
+              <a:gd name="connsiteY3" fmla="*/ 9877 h 4042520"/>
+              <a:gd name="connsiteX4" fmla="*/ 5632704 w 5632704"/>
+              <a:gd name="connsiteY4" fmla="*/ 3118837 h 4042520"/>
+              <a:gd name="connsiteX0" fmla="*/ 0 w 5632704"/>
+              <a:gd name="connsiteY0" fmla="*/ 1975837 h 4042520"/>
+              <a:gd name="connsiteX1" fmla="*/ 859536 w 5632704"/>
+              <a:gd name="connsiteY1" fmla="*/ 9877 h 4042520"/>
+              <a:gd name="connsiteX2" fmla="*/ 2660904 w 5632704"/>
+              <a:gd name="connsiteY2" fmla="*/ 4042381 h 4042520"/>
+              <a:gd name="connsiteX3" fmla="*/ 4398264 w 5632704"/>
+              <a:gd name="connsiteY3" fmla="*/ 9877 h 4042520"/>
+              <a:gd name="connsiteX4" fmla="*/ 5632704 w 5632704"/>
+              <a:gd name="connsiteY4" fmla="*/ 3118837 h 4042520"/>
+              <a:gd name="connsiteX0" fmla="*/ 0 w 5632704"/>
+              <a:gd name="connsiteY0" fmla="*/ 1967657 h 4034340"/>
+              <a:gd name="connsiteX1" fmla="*/ 859536 w 5632704"/>
+              <a:gd name="connsiteY1" fmla="*/ 1697 h 4034340"/>
+              <a:gd name="connsiteX2" fmla="*/ 2660904 w 5632704"/>
+              <a:gd name="connsiteY2" fmla="*/ 4034201 h 4034340"/>
+              <a:gd name="connsiteX3" fmla="*/ 4398264 w 5632704"/>
+              <a:gd name="connsiteY3" fmla="*/ 1697 h 4034340"/>
+              <a:gd name="connsiteX4" fmla="*/ 5632704 w 5632704"/>
+              <a:gd name="connsiteY4" fmla="*/ 3110657 h 4034340"/>
+              <a:gd name="connsiteX0" fmla="*/ 0 w 5632704"/>
+              <a:gd name="connsiteY0" fmla="*/ 1967648 h 4034331"/>
+              <a:gd name="connsiteX1" fmla="*/ 859536 w 5632704"/>
+              <a:gd name="connsiteY1" fmla="*/ 1688 h 4034331"/>
+              <a:gd name="connsiteX2" fmla="*/ 2660904 w 5632704"/>
+              <a:gd name="connsiteY2" fmla="*/ 4034192 h 4034331"/>
+              <a:gd name="connsiteX3" fmla="*/ 4398264 w 5632704"/>
+              <a:gd name="connsiteY3" fmla="*/ 1688 h 4034331"/>
+              <a:gd name="connsiteX4" fmla="*/ 5632704 w 5632704"/>
+              <a:gd name="connsiteY4" fmla="*/ 3110648 h 4034331"/>
+            </a:gdLst>
+            <a:ahLst/>
+            <a:cxnLst>
+              <a:cxn ang="0">
+                <a:pos x="connsiteX0" y="connsiteY0"/>
+              </a:cxn>
+              <a:cxn ang="0">
+                <a:pos x="connsiteX1" y="connsiteY1"/>
+              </a:cxn>
+              <a:cxn ang="0">
+                <a:pos x="connsiteX2" y="connsiteY2"/>
+              </a:cxn>
+              <a:cxn ang="0">
+                <a:pos x="connsiteX3" y="connsiteY3"/>
+              </a:cxn>
+              <a:cxn ang="0">
+                <a:pos x="connsiteX4" y="connsiteY4"/>
+              </a:cxn>
+            </a:cxnLst>
+            <a:rect l="l" t="t" r="r" b="b"/>
+            <a:pathLst>
+              <a:path w="5632704" h="4034331">
+                <a:moveTo>
+                  <a:pt x="0" y="1967648"/>
+                </a:moveTo>
+                <a:cubicBezTo>
+                  <a:pt x="273558" y="804836"/>
+                  <a:pt x="620268" y="-28792"/>
+                  <a:pt x="859536" y="1688"/>
+                </a:cubicBezTo>
+                <a:cubicBezTo>
+                  <a:pt x="1537716" y="32168"/>
+                  <a:pt x="2025396" y="4061624"/>
+                  <a:pt x="2660904" y="4034192"/>
+                </a:cubicBezTo>
+                <a:cubicBezTo>
+                  <a:pt x="3259836" y="4025048"/>
+                  <a:pt x="3790188" y="115988"/>
+                  <a:pt x="4398264" y="1688"/>
+                </a:cubicBezTo>
+                <a:cubicBezTo>
+                  <a:pt x="4777740" y="-57748"/>
+                  <a:pt x="5200650" y="1462442"/>
+                  <a:pt x="5632704" y="3110648"/>
+                </a:cubicBezTo>
+              </a:path>
+            </a:pathLst>
+          </a:custGeom>
+          <a:noFill/>
+          <a:ln w="76200">
+            <a:solidFill>
+              <a:schemeClr val="accent6">
+                <a:lumMod val="60000"/>
+                <a:lumOff val="40000"/>
+              </a:schemeClr>
+            </a:solidFill>
+          </a:ln>
+        </p:spPr>
+        <p:style>
+          <a:lnRef idx="2">
+            <a:schemeClr val="accent1">
+              <a:shade val="15000"/>
+            </a:schemeClr>
+          </a:lnRef>
+          <a:fillRef idx="1">
+            <a:schemeClr val="accent1"/>
+          </a:fillRef>
+          <a:effectRef idx="0">
+            <a:schemeClr val="accent1"/>
+          </a:effectRef>
+          <a:fontRef idx="minor">
+            <a:schemeClr val="lt1"/>
+          </a:fontRef>
+        </p:style>
+        <p:txBody>
+          <a:bodyPr rtlCol="0" anchor="ctr"/>
+          <a:lstStyle/>
+          <a:p>
+            <a:pPr algn="ctr"/>
+            <a:endParaRPr lang="en-US"/>
+          </a:p>
+        </p:txBody>
+      </p:sp>
+      <p:sp>
+        <p:nvSpPr>
+          <p:cNvPr id="10" name="Cylinder 9">
+            <a:extLst>
+              <a:ext uri="{FF2B5EF4-FFF2-40B4-BE49-F238E27FC236}">
+                <a16:creationId xmlns:a16="http://schemas.microsoft.com/office/drawing/2014/main" id="{72AF48F9-FB2B-4063-8E03-104E1C15DF2D}"/>
+              </a:ext>
+            </a:extLst>
+          </p:cNvPr>
+          <p:cNvSpPr/>
+          <p:nvPr/>
+        </p:nvSpPr>
+        <p:spPr>
+          <a:xfrm rot="2488798">
+            <a:off x="4138531" y="1564117"/>
+            <a:ext cx="74456" cy="188896"/>
+          </a:xfrm>
+          <a:prstGeom prst="can">
+            <a:avLst/>
+          </a:prstGeom>
+          <a:solidFill>
+            <a:schemeClr val="tx1">
+              <a:lumMod val="75000"/>
+              <a:lumOff val="25000"/>
+            </a:schemeClr>
+          </a:solidFill>
+          <a:ln>
+            <a:noFill/>
+          </a:ln>
+        </p:spPr>
+        <p:style>
+          <a:lnRef idx="2">
+            <a:schemeClr val="accent1">
+              <a:shade val="15000"/>
+            </a:schemeClr>
+          </a:lnRef>
+          <a:fillRef idx="1">
+            <a:schemeClr val="accent1"/>
+          </a:fillRef>
+          <a:effectRef idx="0">
+            <a:schemeClr val="accent1"/>
+          </a:effectRef>
+          <a:fontRef idx="minor">
+            <a:schemeClr val="lt1"/>
+          </a:fontRef>
+        </p:style>
+        <p:txBody>
+          <a:bodyPr rtlCol="0" anchor="ctr"/>
+          <a:lstStyle/>
+          <a:p>
+            <a:pPr algn="ctr"/>
+            <a:endParaRPr lang="en-US"/>
+          </a:p>
+        </p:txBody>
+      </p:sp>
+      <p:sp>
+        <p:nvSpPr>
+          <p:cNvPr id="11" name="TextBox 10">
+            <a:extLst>
+              <a:ext uri="{FF2B5EF4-FFF2-40B4-BE49-F238E27FC236}">
+                <a16:creationId xmlns:a16="http://schemas.microsoft.com/office/drawing/2014/main" id="{E7585B40-CC23-8828-633D-7F296358D19A}"/>
+              </a:ext>
+            </a:extLst>
+          </p:cNvPr>
+          <p:cNvSpPr txBox="1"/>
+          <p:nvPr/>
+        </p:nvSpPr>
+        <p:spPr>
+          <a:xfrm>
+            <a:off x="4077796" y="1625583"/>
+            <a:ext cx="567784" cy="369332"/>
+          </a:xfrm>
+          <a:prstGeom prst="rect">
+            <a:avLst/>
+          </a:prstGeom>
+          <a:noFill/>
+        </p:spPr>
+        <p:txBody>
+          <a:bodyPr wrap="none" rtlCol="0">
+            <a:spAutoFit/>
+          </a:bodyPr>
+          <a:lstStyle/>
+          <a:p>
+            <a:r>
+              <a:rPr lang="en-US" dirty="0">
+                <a:sym typeface="Symbol" panose="05050102010706020507" pitchFamily="18" charset="2"/>
+              </a:rPr>
+              <a:t>m</a:t>
+            </a:r>
+            <a:endParaRPr lang="en-US" dirty="0"/>
+          </a:p>
+        </p:txBody>
+      </p:sp>
+    </p:spTree>
+    <p:extLst>
+      <p:ext uri="{BB962C8B-B14F-4D97-AF65-F5344CB8AC3E}">
+        <p14:creationId xmlns:p14="http://schemas.microsoft.com/office/powerpoint/2010/main" val="1643441071"/>
+      </p:ext>
+    </p:extLst>
+  </p:cSld>
+  <p:clrMapOvr>
+    <a:masterClrMapping/>
+  </p:clrMapOvr>
+</p:sld>
+</file>
+
+<file path=ppt/slides/slide20.xml><?xml version="1.0" encoding="utf-8"?>
 <p:sld xmlns:a="http://schemas.openxmlformats.org/drawingml/2006/main" xmlns:r="http://schemas.openxmlformats.org/officeDocument/2006/relationships" xmlns:p="http://schemas.openxmlformats.org/presentationml/2006/main">
   <p:cSld>
     <p:spTree>
@@ -6849,7 +9592,7 @@
 </p:sld>
 </file>
 
-<file path=ppt/slides/slide18.xml><?xml version="1.0" encoding="utf-8"?>
+<file path=ppt/slides/slide21.xml><?xml version="1.0" encoding="utf-8"?>
 <p:sld xmlns:a="http://schemas.openxmlformats.org/drawingml/2006/main" xmlns:r="http://schemas.openxmlformats.org/officeDocument/2006/relationships" xmlns:p="http://schemas.openxmlformats.org/presentationml/2006/main">
   <p:cSld>
     <p:spTree>
@@ -6971,7 +9714,7 @@
 </p:sld>
 </file>
 
-<file path=ppt/slides/slide19.xml><?xml version="1.0" encoding="utf-8"?>
+<file path=ppt/slides/slide22.xml><?xml version="1.0" encoding="utf-8"?>
 <p:sld xmlns:a="http://schemas.openxmlformats.org/drawingml/2006/main" xmlns:r="http://schemas.openxmlformats.org/officeDocument/2006/relationships" xmlns:p="http://schemas.openxmlformats.org/presentationml/2006/main">
   <p:cSld>
     <p:spTree>
@@ -7091,169 +9834,7 @@
 </p:sld>
 </file>
 
-<file path=ppt/slides/slide2.xml><?xml version="1.0" encoding="utf-8"?>
-<p:sld xmlns:a="http://schemas.openxmlformats.org/drawingml/2006/main" xmlns:r="http://schemas.openxmlformats.org/officeDocument/2006/relationships" xmlns:p="http://schemas.openxmlformats.org/presentationml/2006/main">
-  <p:cSld>
-    <p:spTree>
-      <p:nvGrpSpPr>
-        <p:cNvPr id="1" name=""/>
-        <p:cNvGrpSpPr/>
-        <p:nvPr/>
-      </p:nvGrpSpPr>
-      <p:grpSpPr>
-        <a:xfrm>
-          <a:off x="0" y="0"/>
-          <a:ext cx="0" cy="0"/>
-          <a:chOff x="0" y="0"/>
-          <a:chExt cx="0" cy="0"/>
-        </a:xfrm>
-      </p:grpSpPr>
-      <p:sp>
-        <p:nvSpPr>
-          <p:cNvPr id="2" name="Title 1"/>
-          <p:cNvSpPr>
-            <a:spLocks noGrp="1"/>
-          </p:cNvSpPr>
-          <p:nvPr>
-            <p:ph type="title"/>
-          </p:nvPr>
-        </p:nvSpPr>
-        <p:spPr/>
-        <p:txBody>
-          <a:bodyPr/>
-          <a:lstStyle/>
-          <a:p>
-            <a:r>
-              <a:rPr lang="en-US" dirty="0"/>
-              <a:t>Question  223.4.5     123.22.1</a:t>
-            </a:r>
-          </a:p>
-        </p:txBody>
-      </p:sp>
-      <p:sp>
-        <p:nvSpPr>
-          <p:cNvPr id="3" name="Content Placeholder 2"/>
-          <p:cNvSpPr>
-            <a:spLocks noGrp="1"/>
-          </p:cNvSpPr>
-          <p:nvPr>
-            <p:ph idx="1"/>
-          </p:nvPr>
-        </p:nvSpPr>
-        <p:spPr/>
-        <p:txBody>
-          <a:bodyPr/>
-          <a:lstStyle/>
-          <a:p>
-            <a:pPr>
-              <a:buNone/>
-            </a:pPr>
-            <a:r>
-              <a:rPr lang="en-US" dirty="0"/>
-              <a:t>A 60W light bulb is allowed to burn for 3600s. How much energy has been used?</a:t>
-            </a:r>
-          </a:p>
-          <a:p>
-            <a:pPr marL="514350" indent="-514350">
-              <a:buFont typeface="+mj-lt"/>
-              <a:buAutoNum type="alphaLcParenR"/>
-            </a:pPr>
-            <a:r>
-              <a:rPr lang="en-US" dirty="0"/>
-              <a:t>36000J</a:t>
-            </a:r>
-          </a:p>
-          <a:p>
-            <a:pPr marL="514350" indent="-514350">
-              <a:buFont typeface="+mj-lt"/>
-              <a:buAutoNum type="alphaLcParenR"/>
-            </a:pPr>
-            <a:r>
-              <a:rPr lang="en-US" dirty="0"/>
-              <a:t>72000J</a:t>
-            </a:r>
-          </a:p>
-          <a:p>
-            <a:pPr marL="514350" indent="-514350">
-              <a:buFont typeface="+mj-lt"/>
-              <a:buAutoNum type="alphaLcParenR"/>
-            </a:pPr>
-            <a:r>
-              <a:rPr lang="en-US" dirty="0"/>
-              <a:t>144000J</a:t>
-            </a:r>
-          </a:p>
-          <a:p>
-            <a:pPr marL="514350" indent="-514350">
-              <a:buFont typeface="+mj-lt"/>
-              <a:buAutoNum type="alphaLcParenR"/>
-            </a:pPr>
-            <a:r>
-              <a:rPr lang="en-US" dirty="0"/>
-              <a:t>216000J</a:t>
-            </a:r>
-          </a:p>
-          <a:p>
-            <a:pPr marL="514350" indent="-514350">
-              <a:buFont typeface="+mj-lt"/>
-              <a:buAutoNum type="alphaLcParenR"/>
-            </a:pPr>
-            <a:r>
-              <a:rPr lang="en-US" dirty="0"/>
-              <a:t>5400000J</a:t>
-            </a:r>
-          </a:p>
-          <a:p>
-            <a:pPr>
-              <a:buNone/>
-            </a:pPr>
-            <a:endParaRPr lang="en-US" dirty="0"/>
-          </a:p>
-        </p:txBody>
-      </p:sp>
-      <p:sp>
-        <p:nvSpPr>
-          <p:cNvPr id="4" name="Slide Number Placeholder 3"/>
-          <p:cNvSpPr>
-            <a:spLocks noGrp="1"/>
-          </p:cNvSpPr>
-          <p:nvPr>
-            <p:ph type="sldNum" sz="quarter" idx="12"/>
-          </p:nvPr>
-        </p:nvSpPr>
-        <p:spPr/>
-        <p:txBody>
-          <a:bodyPr/>
-          <a:lstStyle/>
-          <a:p>
-            <a:pPr>
-              <a:defRPr/>
-            </a:pPr>
-            <a:fld id="{64137B81-8888-4253-92EC-0AED2A590749}" type="slidenum">
-              <a:rPr lang="en-US" smtClean="0"/>
-              <a:pPr>
-                <a:defRPr/>
-              </a:pPr>
-              <a:t>2</a:t>
-            </a:fld>
-            <a:endParaRPr lang="en-US"/>
-          </a:p>
-        </p:txBody>
-      </p:sp>
-    </p:spTree>
-    <p:extLst>
-      <p:ext uri="{BB962C8B-B14F-4D97-AF65-F5344CB8AC3E}">
-        <p14:creationId xmlns:p14="http://schemas.microsoft.com/office/powerpoint/2010/main" val="1808158932"/>
-      </p:ext>
-    </p:extLst>
-  </p:cSld>
-  <p:clrMapOvr>
-    <a:masterClrMapping/>
-  </p:clrMapOvr>
-</p:sld>
-</file>
-
-<file path=ppt/slides/slide20.xml><?xml version="1.0" encoding="utf-8"?>
+<file path=ppt/slides/slide23.xml><?xml version="1.0" encoding="utf-8"?>
 <p:sld xmlns:a="http://schemas.openxmlformats.org/drawingml/2006/main" xmlns:r="http://schemas.openxmlformats.org/officeDocument/2006/relationships" xmlns:p="http://schemas.openxmlformats.org/presentationml/2006/main">
   <p:cSld>
     <p:spTree>
@@ -7378,7 +9959,7 @@
 </p:sld>
 </file>
 
-<file path=ppt/slides/slide21.xml><?xml version="1.0" encoding="utf-8"?>
+<file path=ppt/slides/slide24.xml><?xml version="1.0" encoding="utf-8"?>
 <p:sld xmlns:a="http://schemas.openxmlformats.org/drawingml/2006/main" xmlns:r="http://schemas.openxmlformats.org/officeDocument/2006/relationships" xmlns:p="http://schemas.openxmlformats.org/presentationml/2006/main">
   <p:cSld>
     <p:spTree>
@@ -8437,7 +11018,7 @@
 </p:sld>
 </file>
 
-<file path=ppt/slides/slide22.xml><?xml version="1.0" encoding="utf-8"?>
+<file path=ppt/slides/slide25.xml><?xml version="1.0" encoding="utf-8"?>
 <p:sld xmlns:a="http://schemas.openxmlformats.org/drawingml/2006/main" xmlns:r="http://schemas.openxmlformats.org/officeDocument/2006/relationships" xmlns:p="http://schemas.openxmlformats.org/presentationml/2006/main">
   <p:cSld>
     <p:spTree>
@@ -9071,7 +11652,7 @@
 </p:sld>
 </file>
 
-<file path=ppt/slides/slide23.xml><?xml version="1.0" encoding="utf-8"?>
+<file path=ppt/slides/slide26.xml><?xml version="1.0" encoding="utf-8"?>
 <p:sld xmlns:a="http://schemas.openxmlformats.org/drawingml/2006/main" xmlns:r="http://schemas.openxmlformats.org/officeDocument/2006/relationships" xmlns:p="http://schemas.openxmlformats.org/presentationml/2006/main">
   <p:cSld>
     <p:spTree>
@@ -9480,7 +12061,7 @@
 </p:sld>
 </file>
 
-<file path=ppt/slides/slide24.xml><?xml version="1.0" encoding="utf-8"?>
+<file path=ppt/slides/slide27.xml><?xml version="1.0" encoding="utf-8"?>
 <p:sld xmlns:a="http://schemas.openxmlformats.org/drawingml/2006/main" xmlns:r="http://schemas.openxmlformats.org/officeDocument/2006/relationships" xmlns:p="http://schemas.openxmlformats.org/presentationml/2006/main">
   <p:cSld>
     <p:spTree>
@@ -9889,7 +12470,7 @@
 </p:sld>
 </file>
 
-<file path=ppt/slides/slide25.xml><?xml version="1.0" encoding="utf-8"?>
+<file path=ppt/slides/slide28.xml><?xml version="1.0" encoding="utf-8"?>
 <p:sld xmlns:a="http://schemas.openxmlformats.org/drawingml/2006/main" xmlns:r="http://schemas.openxmlformats.org/officeDocument/2006/relationships" xmlns:p="http://schemas.openxmlformats.org/presentationml/2006/main">
   <p:cSld>
     <p:spTree>
@@ -10041,7 +12622,7 @@
             <a:fld id="{23A722F0-04E0-4C85-BB4F-F38C170A22CE}" type="slidenum">
               <a:rPr lang="en-US" smtClean="0"/>
               <a:pPr/>
-              <a:t>25</a:t>
+              <a:t>28</a:t>
             </a:fld>
             <a:endParaRPr lang="en-US"/>
           </a:p>
@@ -10060,7 +12641,7 @@
 </p:sld>
 </file>
 
-<file path=ppt/slides/slide26.xml><?xml version="1.0" encoding="utf-8"?>
+<file path=ppt/slides/slide29.xml><?xml version="1.0" encoding="utf-8"?>
 <p:sld xmlns:a="http://schemas.openxmlformats.org/drawingml/2006/main" xmlns:r="http://schemas.openxmlformats.org/officeDocument/2006/relationships" xmlns:p="http://schemas.openxmlformats.org/presentationml/2006/main">
   <p:cSld>
     <p:spTree>
@@ -10187,7 +12768,90 @@
 </p:sld>
 </file>
 
-<file path=ppt/slides/slide27.xml><?xml version="1.0" encoding="utf-8"?>
+<file path=ppt/slides/slide3.xml><?xml version="1.0" encoding="utf-8"?>
+<p:sld xmlns:a="http://schemas.openxmlformats.org/drawingml/2006/main" xmlns:r="http://schemas.openxmlformats.org/officeDocument/2006/relationships" xmlns:p="http://schemas.openxmlformats.org/presentationml/2006/main">
+  <p:cSld>
+    <p:spTree>
+      <p:nvGrpSpPr>
+        <p:cNvPr id="1" name=""/>
+        <p:cNvGrpSpPr/>
+        <p:nvPr/>
+      </p:nvGrpSpPr>
+      <p:grpSpPr>
+        <a:xfrm>
+          <a:off x="0" y="0"/>
+          <a:ext cx="0" cy="0"/>
+          <a:chOff x="0" y="0"/>
+          <a:chExt cx="0" cy="0"/>
+        </a:xfrm>
+      </p:grpSpPr>
+      <p:sp>
+        <p:nvSpPr>
+          <p:cNvPr id="4" name="Title 3">
+            <a:extLst>
+              <a:ext uri="{FF2B5EF4-FFF2-40B4-BE49-F238E27FC236}">
+                <a16:creationId xmlns:a16="http://schemas.microsoft.com/office/drawing/2014/main" id="{1B0358E7-5ABA-69A2-E2B3-B3C44C1A0611}"/>
+              </a:ext>
+            </a:extLst>
+          </p:cNvPr>
+          <p:cNvSpPr>
+            <a:spLocks noGrp="1"/>
+          </p:cNvSpPr>
+          <p:nvPr>
+            <p:ph type="ctrTitle"/>
+          </p:nvPr>
+        </p:nvSpPr>
+        <p:spPr/>
+        <p:txBody>
+          <a:bodyPr/>
+          <a:lstStyle/>
+          <a:p>
+            <a:r>
+              <a:rPr lang="en-US" dirty="0"/>
+              <a:t>End</a:t>
+            </a:r>
+          </a:p>
+        </p:txBody>
+      </p:sp>
+      <p:sp>
+        <p:nvSpPr>
+          <p:cNvPr id="5" name="Subtitle 4">
+            <a:extLst>
+              <a:ext uri="{FF2B5EF4-FFF2-40B4-BE49-F238E27FC236}">
+                <a16:creationId xmlns:a16="http://schemas.microsoft.com/office/drawing/2014/main" id="{20BA4F39-95C8-22FC-D198-3A41F6A5CD2F}"/>
+              </a:ext>
+            </a:extLst>
+          </p:cNvPr>
+          <p:cNvSpPr>
+            <a:spLocks noGrp="1"/>
+          </p:cNvSpPr>
+          <p:nvPr>
+            <p:ph type="subTitle" idx="1"/>
+          </p:nvPr>
+        </p:nvSpPr>
+        <p:spPr/>
+        <p:txBody>
+          <a:bodyPr/>
+          <a:lstStyle/>
+          <a:p>
+            <a:endParaRPr lang="en-US"/>
+          </a:p>
+        </p:txBody>
+      </p:sp>
+    </p:spTree>
+    <p:extLst>
+      <p:ext uri="{BB962C8B-B14F-4D97-AF65-F5344CB8AC3E}">
+        <p14:creationId xmlns:p14="http://schemas.microsoft.com/office/powerpoint/2010/main" val="1412958550"/>
+      </p:ext>
+    </p:extLst>
+  </p:cSld>
+  <p:clrMapOvr>
+    <a:masterClrMapping/>
+  </p:clrMapOvr>
+</p:sld>
+</file>
+
+<file path=ppt/slides/slide30.xml><?xml version="1.0" encoding="utf-8"?>
 <p:sld xmlns:a="http://schemas.openxmlformats.org/drawingml/2006/main" xmlns:r="http://schemas.openxmlformats.org/officeDocument/2006/relationships" xmlns:p="http://schemas.openxmlformats.org/presentationml/2006/main">
   <p:cSld>
     <p:spTree>
@@ -10315,7 +12979,7 @@
             <a:fld id="{0444647A-B62D-46AC-8BB6-871103D5B2E6}" type="slidenum">
               <a:rPr lang="en-US" smtClean="0"/>
               <a:pPr/>
-              <a:t>27</a:t>
+              <a:t>30</a:t>
             </a:fld>
             <a:endParaRPr lang="en-US"/>
           </a:p>
@@ -10334,7 +12998,7 @@
 </p:sld>
 </file>
 
-<file path=ppt/slides/slide28.xml><?xml version="1.0" encoding="utf-8"?>
+<file path=ppt/slides/slide31.xml><?xml version="1.0" encoding="utf-8"?>
 <p:sld xmlns:a="http://schemas.openxmlformats.org/drawingml/2006/main" xmlns:r="http://schemas.openxmlformats.org/officeDocument/2006/relationships" xmlns:p="http://schemas.openxmlformats.org/presentationml/2006/main">
   <p:cSld>
     <p:spTree>
@@ -10463,7 +13127,7 @@
               <a:pPr>
                 <a:defRPr/>
               </a:pPr>
-              <a:t>28</a:t>
+              <a:t>31</a:t>
             </a:fld>
             <a:endParaRPr lang="en-US"/>
           </a:p>
@@ -10482,7 +13146,7 @@
 </p:sld>
 </file>
 
-<file path=ppt/slides/slide29.xml><?xml version="1.0" encoding="utf-8"?>
+<file path=ppt/slides/slide32.xml><?xml version="1.0" encoding="utf-8"?>
 <p:sld xmlns:a="http://schemas.openxmlformats.org/drawingml/2006/main" xmlns:r="http://schemas.openxmlformats.org/officeDocument/2006/relationships" xmlns:p="http://schemas.openxmlformats.org/presentationml/2006/main">
   <p:cSld>
     <p:spTree>
@@ -11028,138 +13692,7 @@
 </p:sld>
 </file>
 
-<file path=ppt/slides/slide3.xml><?xml version="1.0" encoding="utf-8"?>
-<p:sld xmlns:a="http://schemas.openxmlformats.org/drawingml/2006/main" xmlns:r="http://schemas.openxmlformats.org/officeDocument/2006/relationships" xmlns:p="http://schemas.openxmlformats.org/presentationml/2006/main">
-  <p:cSld>
-    <p:spTree>
-      <p:nvGrpSpPr>
-        <p:cNvPr id="1" name=""/>
-        <p:cNvGrpSpPr/>
-        <p:nvPr/>
-      </p:nvGrpSpPr>
-      <p:grpSpPr>
-        <a:xfrm>
-          <a:off x="0" y="0"/>
-          <a:ext cx="0" cy="0"/>
-          <a:chOff x="0" y="0"/>
-          <a:chExt cx="0" cy="0"/>
-        </a:xfrm>
-      </p:grpSpPr>
-      <p:sp>
-        <p:nvSpPr>
-          <p:cNvPr id="533505" name="Title 3"/>
-          <p:cNvSpPr>
-            <a:spLocks noGrp="1"/>
-          </p:cNvSpPr>
-          <p:nvPr>
-            <p:ph type="title"/>
-          </p:nvPr>
-        </p:nvSpPr>
-        <p:spPr/>
-        <p:txBody>
-          <a:bodyPr/>
-          <a:lstStyle/>
-          <a:p>
-            <a:r>
-              <a:rPr lang="en-US" dirty="0"/>
-              <a:t>Question 223.4.6   123.22.2</a:t>
-            </a:r>
-          </a:p>
-        </p:txBody>
-      </p:sp>
-      <p:sp>
-        <p:nvSpPr>
-          <p:cNvPr id="5" name="Content Placeholder 4"/>
-          <p:cNvSpPr>
-            <a:spLocks noGrp="1"/>
-          </p:cNvSpPr>
-          <p:nvPr>
-            <p:ph idx="1"/>
-          </p:nvPr>
-        </p:nvSpPr>
-        <p:spPr/>
-        <p:txBody>
-          <a:bodyPr/>
-          <a:lstStyle/>
-          <a:p>
-            <a:pPr>
-              <a:buFontTx/>
-              <a:buNone/>
-              <a:defRPr/>
-            </a:pPr>
-            <a:r>
-              <a:rPr lang="en-US" dirty="0"/>
-              <a:t>Suppose I do 50J of work in two hours, then I do 50J of work in one hour. For which set of work was the power larger?</a:t>
-            </a:r>
-          </a:p>
-          <a:p>
-            <a:pPr marL="514350" indent="-514350">
-              <a:buFontTx/>
-              <a:buAutoNum type="alphaLcParenR"/>
-              <a:defRPr/>
-            </a:pPr>
-            <a:r>
-              <a:rPr lang="en-US" dirty="0"/>
-              <a:t>The first</a:t>
-            </a:r>
-          </a:p>
-          <a:p>
-            <a:pPr marL="514350" indent="-514350">
-              <a:buFontTx/>
-              <a:buAutoNum type="alphaLcParenR"/>
-              <a:defRPr/>
-            </a:pPr>
-            <a:r>
-              <a:rPr lang="en-US" dirty="0"/>
-              <a:t>The second</a:t>
-            </a:r>
-          </a:p>
-          <a:p>
-            <a:pPr marL="514350" indent="-514350">
-              <a:buFontTx/>
-              <a:buAutoNum type="alphaLcParenR"/>
-              <a:defRPr/>
-            </a:pPr>
-            <a:r>
-              <a:rPr lang="en-US" dirty="0"/>
-              <a:t>They are the same</a:t>
-            </a:r>
-          </a:p>
-          <a:p>
-            <a:pPr marL="514350" indent="-514350">
-              <a:buFontTx/>
-              <a:buAutoNum type="alphaLcParenR"/>
-              <a:defRPr/>
-            </a:pPr>
-            <a:r>
-              <a:rPr lang="en-US" dirty="0"/>
-              <a:t>Neither amount of work had power associated with it.</a:t>
-            </a:r>
-          </a:p>
-          <a:p>
-            <a:pPr>
-              <a:buFontTx/>
-              <a:buNone/>
-              <a:defRPr/>
-            </a:pPr>
-            <a:endParaRPr lang="en-US" dirty="0"/>
-          </a:p>
-        </p:txBody>
-      </p:sp>
-    </p:spTree>
-    <p:extLst>
-      <p:ext uri="{BB962C8B-B14F-4D97-AF65-F5344CB8AC3E}">
-        <p14:creationId xmlns:p14="http://schemas.microsoft.com/office/powerpoint/2010/main" val="3687487709"/>
-      </p:ext>
-    </p:extLst>
-  </p:cSld>
-  <p:clrMapOvr>
-    <a:masterClrMapping/>
-  </p:clrMapOvr>
-</p:sld>
-</file>
-
-<file path=ppt/slides/slide30.xml><?xml version="1.0" encoding="utf-8"?>
+<file path=ppt/slides/slide33.xml><?xml version="1.0" encoding="utf-8"?>
 <p:sld xmlns:a="http://schemas.openxmlformats.org/drawingml/2006/main" xmlns:r="http://schemas.openxmlformats.org/officeDocument/2006/relationships" xmlns:p="http://schemas.openxmlformats.org/presentationml/2006/main">
   <p:cSld>
     <p:spTree>
@@ -11235,7 +13768,7 @@
 </p:sld>
 </file>
 
-<file path=ppt/slides/slide31.xml><?xml version="1.0" encoding="utf-8"?>
+<file path=ppt/slides/slide34.xml><?xml version="1.0" encoding="utf-8"?>
 <p:sld xmlns:a="http://schemas.openxmlformats.org/drawingml/2006/main" xmlns:r="http://schemas.openxmlformats.org/officeDocument/2006/relationships" xmlns:p="http://schemas.openxmlformats.org/presentationml/2006/main">
   <p:cSld>
     <p:spTree>
@@ -11470,7 +14003,7 @@
 </p:sld>
 </file>
 
-<file path=ppt/slides/slide32.xml><?xml version="1.0" encoding="utf-8"?>
+<file path=ppt/slides/slide35.xml><?xml version="1.0" encoding="utf-8"?>
 <p:sld xmlns:a="http://schemas.openxmlformats.org/drawingml/2006/main" xmlns:r="http://schemas.openxmlformats.org/officeDocument/2006/relationships" xmlns:p="http://schemas.openxmlformats.org/presentationml/2006/main">
   <p:cSld>
     <p:spTree>
@@ -11821,7 +14354,7 @@
 </p:sld>
 </file>
 
-<file path=ppt/slides/slide33.xml><?xml version="1.0" encoding="utf-8"?>
+<file path=ppt/slides/slide36.xml><?xml version="1.0" encoding="utf-8"?>
 <p:sld xmlns:a="http://schemas.openxmlformats.org/drawingml/2006/main" xmlns:r="http://schemas.openxmlformats.org/officeDocument/2006/relationships" xmlns:p="http://schemas.openxmlformats.org/presentationml/2006/main">
   <p:cSld>
     <p:spTree>
@@ -12365,7 +14898,7 @@
 </p:sld>
 </file>
 
-<file path=ppt/slides/slide34.xml><?xml version="1.0" encoding="utf-8"?>
+<file path=ppt/slides/slide37.xml><?xml version="1.0" encoding="utf-8"?>
 <p:sld xmlns:a="http://schemas.openxmlformats.org/drawingml/2006/main" xmlns:r="http://schemas.openxmlformats.org/officeDocument/2006/relationships" xmlns:p="http://schemas.openxmlformats.org/presentationml/2006/main">
   <p:cSld>
     <p:spTree>
@@ -12600,7 +15133,7 @@
 </p:sld>
 </file>
 
-<file path=ppt/slides/slide35.xml><?xml version="1.0" encoding="utf-8"?>
+<file path=ppt/slides/slide38.xml><?xml version="1.0" encoding="utf-8"?>
 <p:sld xmlns:a="http://schemas.openxmlformats.org/drawingml/2006/main" xmlns:r="http://schemas.openxmlformats.org/officeDocument/2006/relationships" xmlns:p="http://schemas.openxmlformats.org/presentationml/2006/main">
   <p:cSld>
     <p:spTree>
@@ -12662,7 +15195,7 @@
 </p:sld>
 </file>
 
-<file path=ppt/slides/slide36.xml><?xml version="1.0" encoding="utf-8"?>
+<file path=ppt/slides/slide39.xml><?xml version="1.0" encoding="utf-8"?>
 <p:sld xmlns:a="http://schemas.openxmlformats.org/drawingml/2006/main" xmlns:r="http://schemas.openxmlformats.org/officeDocument/2006/relationships" xmlns:p="http://schemas.openxmlformats.org/presentationml/2006/main">
   <p:cSld>
     <p:spTree>
@@ -12718,7 +15251,149 @@
 </p:sld>
 </file>
 
-<file path=ppt/slides/slide37.xml><?xml version="1.0" encoding="utf-8"?>
+<file path=ppt/slides/slide4.xml><?xml version="1.0" encoding="utf-8"?>
+<p:sld xmlns:a="http://schemas.openxmlformats.org/drawingml/2006/main" xmlns:r="http://schemas.openxmlformats.org/officeDocument/2006/relationships" xmlns:p="http://schemas.openxmlformats.org/presentationml/2006/main">
+  <p:cSld>
+    <p:spTree>
+      <p:nvGrpSpPr>
+        <p:cNvPr id="1" name=""/>
+        <p:cNvGrpSpPr/>
+        <p:nvPr/>
+      </p:nvGrpSpPr>
+      <p:grpSpPr>
+        <a:xfrm>
+          <a:off x="0" y="0"/>
+          <a:ext cx="0" cy="0"/>
+          <a:chOff x="0" y="0"/>
+          <a:chExt cx="0" cy="0"/>
+        </a:xfrm>
+      </p:grpSpPr>
+      <p:sp>
+        <p:nvSpPr>
+          <p:cNvPr id="2" name="Title 1"/>
+          <p:cNvSpPr>
+            <a:spLocks noGrp="1"/>
+          </p:cNvSpPr>
+          <p:nvPr>
+            <p:ph type="title"/>
+          </p:nvPr>
+        </p:nvSpPr>
+        <p:spPr/>
+        <p:txBody>
+          <a:bodyPr/>
+          <a:lstStyle/>
+          <a:p>
+            <a:r>
+              <a:rPr lang="en-US" dirty="0"/>
+              <a:t>Question 223.4.5.1</a:t>
+            </a:r>
+          </a:p>
+        </p:txBody>
+      </p:sp>
+      <p:sp>
+        <p:nvSpPr>
+          <p:cNvPr id="3" name="Content Placeholder 2"/>
+          <p:cNvSpPr>
+            <a:spLocks noGrp="1"/>
+          </p:cNvSpPr>
+          <p:nvPr>
+            <p:ph idx="1"/>
+          </p:nvPr>
+        </p:nvSpPr>
+        <p:spPr/>
+        <p:txBody>
+          <a:bodyPr/>
+          <a:lstStyle/>
+          <a:p>
+            <a:pPr marL="0" indent="0">
+              <a:buNone/>
+            </a:pPr>
+            <a:r>
+              <a:rPr lang="en-US" dirty="0"/>
+              <a:t>If the index of refraction is  n = 2, how fast is the light going in the material medium?</a:t>
+            </a:r>
+          </a:p>
+          <a:p>
+            <a:pPr marL="514350" indent="-514350">
+              <a:buAutoNum type="alphaLcParenR"/>
+            </a:pPr>
+            <a:r>
+              <a:rPr lang="en-US" dirty="0"/>
+              <a:t>Twice the speed of light</a:t>
+            </a:r>
+          </a:p>
+          <a:p>
+            <a:pPr marL="514350" indent="-514350">
+              <a:buAutoNum type="alphaLcParenR"/>
+            </a:pPr>
+            <a:r>
+              <a:rPr lang="en-US" dirty="0"/>
+              <a:t>Half the speed of light</a:t>
+            </a:r>
+          </a:p>
+          <a:p>
+            <a:pPr marL="514350" indent="-514350">
+              <a:buAutoNum type="alphaLcParenR"/>
+            </a:pPr>
+            <a:r>
+              <a:rPr lang="en-US" dirty="0"/>
+              <a:t>A quarter the speed of light</a:t>
+            </a:r>
+          </a:p>
+          <a:p>
+            <a:pPr marL="514350" indent="-514350">
+              <a:buAutoNum type="alphaLcParenR"/>
+            </a:pPr>
+            <a:r>
+              <a:rPr lang="en-US" dirty="0"/>
+              <a:t>1/16 the speed of light</a:t>
+            </a:r>
+          </a:p>
+        </p:txBody>
+      </p:sp>
+      <p:sp>
+        <p:nvSpPr>
+          <p:cNvPr id="4" name="Slide Number Placeholder 3"/>
+          <p:cNvSpPr>
+            <a:spLocks noGrp="1"/>
+          </p:cNvSpPr>
+          <p:nvPr>
+            <p:ph type="sldNum" sz="quarter" idx="12"/>
+          </p:nvPr>
+        </p:nvSpPr>
+        <p:spPr/>
+        <p:txBody>
+          <a:bodyPr/>
+          <a:lstStyle/>
+          <a:p>
+            <a:pPr>
+              <a:defRPr/>
+            </a:pPr>
+            <a:fld id="{64137B81-8888-4253-92EC-0AED2A590749}" type="slidenum">
+              <a:rPr lang="en-US" smtClean="0"/>
+              <a:pPr>
+                <a:defRPr/>
+              </a:pPr>
+              <a:t>4</a:t>
+            </a:fld>
+            <a:endParaRPr lang="en-US"/>
+          </a:p>
+        </p:txBody>
+      </p:sp>
+    </p:spTree>
+    <p:extLst>
+      <p:ext uri="{BB962C8B-B14F-4D97-AF65-F5344CB8AC3E}">
+        <p14:creationId xmlns:p14="http://schemas.microsoft.com/office/powerpoint/2010/main" val="723896467"/>
+      </p:ext>
+    </p:extLst>
+  </p:cSld>
+  <p:clrMapOvr>
+    <a:masterClrMapping/>
+  </p:clrMapOvr>
+</p:sld>
+</file>
+
+<file path=ppt/slides/slide40.xml><?xml version="1.0" encoding="utf-8"?>
 <p:sld xmlns:a="http://schemas.openxmlformats.org/drawingml/2006/main" xmlns:r="http://schemas.openxmlformats.org/officeDocument/2006/relationships" xmlns:p="http://schemas.openxmlformats.org/presentationml/2006/main">
   <p:cSld>
     <p:spTree>
@@ -12774,7 +15449,7 @@
 </p:sld>
 </file>
 
-<file path=ppt/slides/slide38.xml><?xml version="1.0" encoding="utf-8"?>
+<file path=ppt/slides/slide41.xml><?xml version="1.0" encoding="utf-8"?>
 <p:sld xmlns:a="http://schemas.openxmlformats.org/drawingml/2006/main" xmlns:r="http://schemas.openxmlformats.org/officeDocument/2006/relationships" xmlns:p="http://schemas.openxmlformats.org/presentationml/2006/main">
   <p:cSld>
     <p:spTree>
@@ -12919,7 +15594,7 @@
             <a:fld id="{85539879-F00E-4549-815A-3F0634DD4490}" type="slidenum">
               <a:rPr lang="en-US" smtClean="0"/>
               <a:pPr/>
-              <a:t>38</a:t>
+              <a:t>41</a:t>
             </a:fld>
             <a:endParaRPr lang="en-US"/>
           </a:p>
@@ -12938,7 +15613,7 @@
 </p:sld>
 </file>
 
-<file path=ppt/slides/slide39.xml><?xml version="1.0" encoding="utf-8"?>
+<file path=ppt/slides/slide42.xml><?xml version="1.0" encoding="utf-8"?>
 <p:sld xmlns:a="http://schemas.openxmlformats.org/drawingml/2006/main" xmlns:r="http://schemas.openxmlformats.org/officeDocument/2006/relationships" xmlns:p="http://schemas.openxmlformats.org/presentationml/2006/main">
   <p:cSld>
     <p:spTree>
@@ -13127,155 +15802,7 @@
 </p:sld>
 </file>
 
-<file path=ppt/slides/slide4.xml><?xml version="1.0" encoding="utf-8"?>
-<p:sld xmlns:a="http://schemas.openxmlformats.org/drawingml/2006/main" xmlns:r="http://schemas.openxmlformats.org/officeDocument/2006/relationships" xmlns:p="http://schemas.openxmlformats.org/presentationml/2006/main">
-  <p:cSld>
-    <p:spTree>
-      <p:nvGrpSpPr>
-        <p:cNvPr id="1" name=""/>
-        <p:cNvGrpSpPr/>
-        <p:nvPr/>
-      </p:nvGrpSpPr>
-      <p:grpSpPr>
-        <a:xfrm>
-          <a:off x="0" y="0"/>
-          <a:ext cx="0" cy="0"/>
-          <a:chOff x="0" y="0"/>
-          <a:chExt cx="0" cy="0"/>
-        </a:xfrm>
-      </p:grpSpPr>
-      <p:sp>
-        <p:nvSpPr>
-          <p:cNvPr id="62467" name="Rectangle 2"/>
-          <p:cNvSpPr>
-            <a:spLocks noGrp="1" noChangeArrowheads="1"/>
-          </p:cNvSpPr>
-          <p:nvPr>
-            <p:ph type="title"/>
-          </p:nvPr>
-        </p:nvSpPr>
-        <p:spPr/>
-        <p:txBody>
-          <a:bodyPr/>
-          <a:lstStyle/>
-          <a:p>
-            <a:r>
-              <a:rPr lang="en-US" dirty="0"/>
-              <a:t>Question 223.4.8  123.22.4</a:t>
-            </a:r>
-          </a:p>
-        </p:txBody>
-      </p:sp>
-      <p:sp>
-        <p:nvSpPr>
-          <p:cNvPr id="62468" name="Rectangle 3"/>
-          <p:cNvSpPr>
-            <a:spLocks noGrp="1" noChangeArrowheads="1"/>
-          </p:cNvSpPr>
-          <p:nvPr>
-            <p:ph idx="1"/>
-          </p:nvPr>
-        </p:nvSpPr>
-        <p:spPr/>
-        <p:txBody>
-          <a:bodyPr/>
-          <a:lstStyle/>
-          <a:p>
-            <a:pPr marL="609600" indent="-609600" eaLnBrk="1" hangingPunct="1">
-              <a:buFontTx/>
-              <a:buNone/>
-            </a:pPr>
-            <a:r>
-              <a:rPr lang="en-US" dirty="0"/>
-              <a:t>If you cup your hand to your ear, you can hear better. This is because</a:t>
-            </a:r>
-          </a:p>
-          <a:p>
-            <a:pPr marL="609600" indent="-609600" eaLnBrk="1" hangingPunct="1">
-              <a:buFontTx/>
-              <a:buAutoNum type="alphaLcParenR"/>
-            </a:pPr>
-            <a:r>
-              <a:rPr lang="en-US" dirty="0"/>
-              <a:t>You change the frequency of the sound with your hand</a:t>
-            </a:r>
-          </a:p>
-          <a:p>
-            <a:pPr marL="609600" indent="-609600" eaLnBrk="1" hangingPunct="1">
-              <a:buFontTx/>
-              <a:buAutoNum type="alphaLcParenR"/>
-            </a:pPr>
-            <a:r>
-              <a:rPr lang="en-US" dirty="0"/>
-              <a:t>You increase the collection area</a:t>
-            </a:r>
-          </a:p>
-          <a:p>
-            <a:pPr marL="609600" indent="-609600" eaLnBrk="1" hangingPunct="1">
-              <a:buFontTx/>
-              <a:buAutoNum type="alphaLcParenR"/>
-            </a:pPr>
-            <a:r>
-              <a:rPr lang="en-US" dirty="0"/>
-              <a:t>You increase the amplitude of the wave</a:t>
-            </a:r>
-          </a:p>
-          <a:p>
-            <a:pPr marL="609600" indent="-609600" eaLnBrk="1" hangingPunct="1">
-              <a:buFontTx/>
-              <a:buAutoNum type="alphaLcParenR"/>
-            </a:pPr>
-            <a:r>
-              <a:rPr lang="en-US" dirty="0"/>
-              <a:t>Can’t tell</a:t>
-            </a:r>
-          </a:p>
-          <a:p>
-            <a:pPr marL="609600" indent="-609600" eaLnBrk="1" hangingPunct="1"/>
-            <a:endParaRPr lang="en-US" dirty="0"/>
-          </a:p>
-        </p:txBody>
-      </p:sp>
-      <p:sp>
-        <p:nvSpPr>
-          <p:cNvPr id="62466" name="Slide Number Placeholder 5"/>
-          <p:cNvSpPr>
-            <a:spLocks noGrp="1"/>
-          </p:cNvSpPr>
-          <p:nvPr>
-            <p:ph type="sldNum" sz="quarter" idx="12"/>
-          </p:nvPr>
-        </p:nvSpPr>
-        <p:spPr>
-          <a:noFill/>
-        </p:spPr>
-        <p:txBody>
-          <a:bodyPr/>
-          <a:lstStyle/>
-          <a:p>
-            <a:fld id="{103EBA7D-9A04-4522-9A2F-EC8F4813A80C}" type="slidenum">
-              <a:rPr lang="en-US" smtClean="0"/>
-              <a:pPr/>
-              <a:t>4</a:t>
-            </a:fld>
-            <a:endParaRPr lang="en-US"/>
-          </a:p>
-        </p:txBody>
-      </p:sp>
-    </p:spTree>
-    <p:extLst>
-      <p:ext uri="{BB962C8B-B14F-4D97-AF65-F5344CB8AC3E}">
-        <p14:creationId xmlns:p14="http://schemas.microsoft.com/office/powerpoint/2010/main" val="3852839569"/>
-      </p:ext>
-    </p:extLst>
-  </p:cSld>
-  <p:clrMapOvr>
-    <a:masterClrMapping/>
-  </p:clrMapOvr>
-</p:sld>
-</file>
-
-<file path=ppt/slides/slide40.xml><?xml version="1.0" encoding="utf-8"?>
+<file path=ppt/slides/slide43.xml><?xml version="1.0" encoding="utf-8"?>
 <p:sld xmlns:a="http://schemas.openxmlformats.org/drawingml/2006/main" xmlns:r="http://schemas.openxmlformats.org/officeDocument/2006/relationships" xmlns:p="http://schemas.openxmlformats.org/presentationml/2006/main">
   <p:cSld>
     <p:spTree>
@@ -13464,7 +15991,7 @@
 </p:sld>
 </file>
 
-<file path=ppt/slides/slide41.xml><?xml version="1.0" encoding="utf-8"?>
+<file path=ppt/slides/slide44.xml><?xml version="1.0" encoding="utf-8"?>
 <p:sld xmlns:a="http://schemas.openxmlformats.org/drawingml/2006/main" xmlns:r="http://schemas.openxmlformats.org/officeDocument/2006/relationships" xmlns:p="http://schemas.openxmlformats.org/presentationml/2006/main">
   <p:cSld>
     <p:spTree>
@@ -13578,7 +16105,7 @@
               <a:pPr>
                 <a:defRPr/>
               </a:pPr>
-              <a:t>41</a:t>
+              <a:t>44</a:t>
             </a:fld>
             <a:endParaRPr lang="en-US"/>
           </a:p>
@@ -13597,7 +16124,7 @@
 </p:sld>
 </file>
 
-<file path=ppt/slides/slide42.xml><?xml version="1.0" encoding="utf-8"?>
+<file path=ppt/slides/slide45.xml><?xml version="1.0" encoding="utf-8"?>
 <p:sld xmlns:a="http://schemas.openxmlformats.org/drawingml/2006/main" xmlns:r="http://schemas.openxmlformats.org/officeDocument/2006/relationships" xmlns:p="http://schemas.openxmlformats.org/presentationml/2006/main">
   <p:cSld>
     <p:spTree>
@@ -13711,7 +16238,7 @@
               <a:pPr>
                 <a:defRPr/>
               </a:pPr>
-              <a:t>42</a:t>
+              <a:t>45</a:t>
             </a:fld>
             <a:endParaRPr lang="en-US"/>
           </a:p>
@@ -13730,7 +16257,7 @@
 </p:sld>
 </file>
 
-<file path=ppt/slides/slide43.xml><?xml version="1.0" encoding="utf-8"?>
+<file path=ppt/slides/slide46.xml><?xml version="1.0" encoding="utf-8"?>
 <p:sld xmlns:a="http://schemas.openxmlformats.org/drawingml/2006/main" xmlns:r="http://schemas.openxmlformats.org/officeDocument/2006/relationships" xmlns:p="http://schemas.openxmlformats.org/presentationml/2006/main">
   <p:cSld>
     <p:spTree>
@@ -13855,7 +16382,7 @@
               <a:pPr>
                 <a:defRPr/>
               </a:pPr>
-              <a:t>43</a:t>
+              <a:t>46</a:t>
             </a:fld>
             <a:endParaRPr lang="en-US"/>
           </a:p>
@@ -13874,7 +16401,7 @@
 </p:sld>
 </file>
 
-<file path=ppt/slides/slide44.xml><?xml version="1.0" encoding="utf-8"?>
+<file path=ppt/slides/slide47.xml><?xml version="1.0" encoding="utf-8"?>
 <p:sld xmlns:a="http://schemas.openxmlformats.org/drawingml/2006/main" xmlns:r="http://schemas.openxmlformats.org/officeDocument/2006/relationships" xmlns:p="http://schemas.openxmlformats.org/presentationml/2006/main">
   <p:cSld>
     <p:spTree>
@@ -15264,7 +17791,7 @@
 </p:sld>
 </file>
 
-<file path=ppt/slides/slide45.xml><?xml version="1.0" encoding="utf-8"?>
+<file path=ppt/slides/slide48.xml><?xml version="1.0" encoding="utf-8"?>
 <p:sld xmlns:a="http://schemas.openxmlformats.org/drawingml/2006/main" xmlns:r="http://schemas.openxmlformats.org/officeDocument/2006/relationships" xmlns:p="http://schemas.openxmlformats.org/presentationml/2006/main">
   <p:cSld>
     <p:spTree>
@@ -15333,7 +17860,7 @@
 </p:sld>
 </file>
 
-<file path=ppt/slides/slide46.xml><?xml version="1.0" encoding="utf-8"?>
+<file path=ppt/slides/slide49.xml><?xml version="1.0" encoding="utf-8"?>
 <p:sld xmlns:a="http://schemas.openxmlformats.org/drawingml/2006/main" xmlns:r="http://schemas.openxmlformats.org/officeDocument/2006/relationships" xmlns:p="http://schemas.openxmlformats.org/presentationml/2006/main">
   <p:cSld>
     <p:spTree>
@@ -15442,7 +17969,169 @@
 </p:sld>
 </file>
 
-<file path=ppt/slides/slide47.xml><?xml version="1.0" encoding="utf-8"?>
+<file path=ppt/slides/slide5.xml><?xml version="1.0" encoding="utf-8"?>
+<p:sld xmlns:a="http://schemas.openxmlformats.org/drawingml/2006/main" xmlns:r="http://schemas.openxmlformats.org/officeDocument/2006/relationships" xmlns:p="http://schemas.openxmlformats.org/presentationml/2006/main">
+  <p:cSld>
+    <p:spTree>
+      <p:nvGrpSpPr>
+        <p:cNvPr id="1" name=""/>
+        <p:cNvGrpSpPr/>
+        <p:nvPr/>
+      </p:nvGrpSpPr>
+      <p:grpSpPr>
+        <a:xfrm>
+          <a:off x="0" y="0"/>
+          <a:ext cx="0" cy="0"/>
+          <a:chOff x="0" y="0"/>
+          <a:chExt cx="0" cy="0"/>
+        </a:xfrm>
+      </p:grpSpPr>
+      <p:sp>
+        <p:nvSpPr>
+          <p:cNvPr id="2" name="Title 1"/>
+          <p:cNvSpPr>
+            <a:spLocks noGrp="1"/>
+          </p:cNvSpPr>
+          <p:nvPr>
+            <p:ph type="title"/>
+          </p:nvPr>
+        </p:nvSpPr>
+        <p:spPr/>
+        <p:txBody>
+          <a:bodyPr/>
+          <a:lstStyle/>
+          <a:p>
+            <a:r>
+              <a:rPr lang="en-US" dirty="0"/>
+              <a:t>Question  223.4.5     123.22.1</a:t>
+            </a:r>
+          </a:p>
+        </p:txBody>
+      </p:sp>
+      <p:sp>
+        <p:nvSpPr>
+          <p:cNvPr id="3" name="Content Placeholder 2"/>
+          <p:cNvSpPr>
+            <a:spLocks noGrp="1"/>
+          </p:cNvSpPr>
+          <p:nvPr>
+            <p:ph idx="1"/>
+          </p:nvPr>
+        </p:nvSpPr>
+        <p:spPr/>
+        <p:txBody>
+          <a:bodyPr/>
+          <a:lstStyle/>
+          <a:p>
+            <a:pPr>
+              <a:buNone/>
+            </a:pPr>
+            <a:r>
+              <a:rPr lang="en-US" dirty="0"/>
+              <a:t>A 60W light bulb is allowed to burn for 3600s. How much energy has been used?</a:t>
+            </a:r>
+          </a:p>
+          <a:p>
+            <a:pPr marL="514350" indent="-514350">
+              <a:buFont typeface="+mj-lt"/>
+              <a:buAutoNum type="alphaLcParenR"/>
+            </a:pPr>
+            <a:r>
+              <a:rPr lang="en-US" dirty="0"/>
+              <a:t>36000J</a:t>
+            </a:r>
+          </a:p>
+          <a:p>
+            <a:pPr marL="514350" indent="-514350">
+              <a:buFont typeface="+mj-lt"/>
+              <a:buAutoNum type="alphaLcParenR"/>
+            </a:pPr>
+            <a:r>
+              <a:rPr lang="en-US" dirty="0"/>
+              <a:t>72000J</a:t>
+            </a:r>
+          </a:p>
+          <a:p>
+            <a:pPr marL="514350" indent="-514350">
+              <a:buFont typeface="+mj-lt"/>
+              <a:buAutoNum type="alphaLcParenR"/>
+            </a:pPr>
+            <a:r>
+              <a:rPr lang="en-US" dirty="0"/>
+              <a:t>144000J</a:t>
+            </a:r>
+          </a:p>
+          <a:p>
+            <a:pPr marL="514350" indent="-514350">
+              <a:buFont typeface="+mj-lt"/>
+              <a:buAutoNum type="alphaLcParenR"/>
+            </a:pPr>
+            <a:r>
+              <a:rPr lang="en-US" dirty="0"/>
+              <a:t>216000J</a:t>
+            </a:r>
+          </a:p>
+          <a:p>
+            <a:pPr marL="514350" indent="-514350">
+              <a:buFont typeface="+mj-lt"/>
+              <a:buAutoNum type="alphaLcParenR"/>
+            </a:pPr>
+            <a:r>
+              <a:rPr lang="en-US" dirty="0"/>
+              <a:t>5400000J</a:t>
+            </a:r>
+          </a:p>
+          <a:p>
+            <a:pPr>
+              <a:buNone/>
+            </a:pPr>
+            <a:endParaRPr lang="en-US" dirty="0"/>
+          </a:p>
+        </p:txBody>
+      </p:sp>
+      <p:sp>
+        <p:nvSpPr>
+          <p:cNvPr id="4" name="Slide Number Placeholder 3"/>
+          <p:cNvSpPr>
+            <a:spLocks noGrp="1"/>
+          </p:cNvSpPr>
+          <p:nvPr>
+            <p:ph type="sldNum" sz="quarter" idx="12"/>
+          </p:nvPr>
+        </p:nvSpPr>
+        <p:spPr/>
+        <p:txBody>
+          <a:bodyPr/>
+          <a:lstStyle/>
+          <a:p>
+            <a:pPr>
+              <a:defRPr/>
+            </a:pPr>
+            <a:fld id="{64137B81-8888-4253-92EC-0AED2A590749}" type="slidenum">
+              <a:rPr lang="en-US" smtClean="0"/>
+              <a:pPr>
+                <a:defRPr/>
+              </a:pPr>
+              <a:t>5</a:t>
+            </a:fld>
+            <a:endParaRPr lang="en-US"/>
+          </a:p>
+        </p:txBody>
+      </p:sp>
+    </p:spTree>
+    <p:extLst>
+      <p:ext uri="{BB962C8B-B14F-4D97-AF65-F5344CB8AC3E}">
+        <p14:creationId xmlns:p14="http://schemas.microsoft.com/office/powerpoint/2010/main" val="1808158932"/>
+      </p:ext>
+    </p:extLst>
+  </p:cSld>
+  <p:clrMapOvr>
+    <a:masterClrMapping/>
+  </p:clrMapOvr>
+</p:sld>
+</file>
+
+<file path=ppt/slides/slide50.xml><?xml version="1.0" encoding="utf-8"?>
 <p:sld xmlns:a="http://schemas.openxmlformats.org/drawingml/2006/main" xmlns:r="http://schemas.openxmlformats.org/officeDocument/2006/relationships" xmlns:p="http://schemas.openxmlformats.org/presentationml/2006/main">
   <p:cSld>
     <p:spTree>
@@ -15498,7 +18187,7 @@
 </p:sld>
 </file>
 
-<file path=ppt/slides/slide48.xml><?xml version="1.0" encoding="utf-8"?>
+<file path=ppt/slides/slide51.xml><?xml version="1.0" encoding="utf-8"?>
 <p:sld xmlns:a="http://schemas.openxmlformats.org/drawingml/2006/main" xmlns:r="http://schemas.openxmlformats.org/officeDocument/2006/relationships" xmlns:p="http://schemas.openxmlformats.org/presentationml/2006/main">
   <p:cSld>
     <p:spTree>
@@ -15618,7 +18307,7 @@
 </p:sld>
 </file>
 
-<file path=ppt/slides/slide49.xml><?xml version="1.0" encoding="utf-8"?>
+<file path=ppt/slides/slide52.xml><?xml version="1.0" encoding="utf-8"?>
 <p:sld xmlns:a="http://schemas.openxmlformats.org/drawingml/2006/main" xmlns:r="http://schemas.openxmlformats.org/officeDocument/2006/relationships" xmlns:p="http://schemas.openxmlformats.org/presentationml/2006/main">
   <p:cSld>
     <p:spTree>
@@ -15742,7 +18431,382 @@
 </p:sld>
 </file>
 
-<file path=ppt/slides/slide5.xml><?xml version="1.0" encoding="utf-8"?>
+<file path=ppt/slides/slide53.xml><?xml version="1.0" encoding="utf-8"?>
+<p:sld xmlns:a="http://schemas.openxmlformats.org/drawingml/2006/main" xmlns:r="http://schemas.openxmlformats.org/officeDocument/2006/relationships" xmlns:p="http://schemas.openxmlformats.org/presentationml/2006/main">
+  <p:cSld>
+    <p:spTree>
+      <p:nvGrpSpPr>
+        <p:cNvPr id="1" name=""/>
+        <p:cNvGrpSpPr/>
+        <p:nvPr/>
+      </p:nvGrpSpPr>
+      <p:grpSpPr>
+        <a:xfrm>
+          <a:off x="0" y="0"/>
+          <a:ext cx="0" cy="0"/>
+          <a:chOff x="0" y="0"/>
+          <a:chExt cx="0" cy="0"/>
+        </a:xfrm>
+      </p:grpSpPr>
+      <p:sp>
+        <p:nvSpPr>
+          <p:cNvPr id="2" name="Title 1"/>
+          <p:cNvSpPr>
+            <a:spLocks noGrp="1"/>
+          </p:cNvSpPr>
+          <p:nvPr>
+            <p:ph type="title"/>
+          </p:nvPr>
+        </p:nvSpPr>
+        <p:spPr/>
+        <p:txBody>
+          <a:bodyPr/>
+          <a:lstStyle/>
+          <a:p>
+            <a:endParaRPr lang="en-US"/>
+          </a:p>
+        </p:txBody>
+      </p:sp>
+      <p:sp>
+        <p:nvSpPr>
+          <p:cNvPr id="3" name="Content Placeholder 2"/>
+          <p:cNvSpPr>
+            <a:spLocks noGrp="1"/>
+          </p:cNvSpPr>
+          <p:nvPr>
+            <p:ph idx="1"/>
+          </p:nvPr>
+        </p:nvSpPr>
+        <p:spPr/>
+        <p:txBody>
+          <a:bodyPr/>
+          <a:lstStyle/>
+          <a:p>
+            <a:endParaRPr lang="en-US"/>
+          </a:p>
+        </p:txBody>
+      </p:sp>
+      <p:pic>
+        <p:nvPicPr>
+          <p:cNvPr id="27650" name="Picture 2"/>
+          <p:cNvPicPr>
+            <a:picLocks noChangeAspect="1" noChangeArrowheads="1"/>
+          </p:cNvPicPr>
+          <p:nvPr/>
+        </p:nvPicPr>
+        <p:blipFill>
+          <a:blip r:embed="rId2" cstate="print"/>
+          <a:srcRect/>
+          <a:stretch>
+            <a:fillRect/>
+          </a:stretch>
+        </p:blipFill>
+        <p:spPr bwMode="auto">
+          <a:xfrm>
+            <a:off x="1143000" y="2667000"/>
+            <a:ext cx="6524625" cy="533400"/>
+          </a:xfrm>
+          <a:prstGeom prst="rect">
+            <a:avLst/>
+          </a:prstGeom>
+          <a:noFill/>
+          <a:ln w="9525">
+            <a:noFill/>
+            <a:miter lim="800000"/>
+            <a:headEnd/>
+            <a:tailEnd/>
+          </a:ln>
+          <a:effectLst/>
+        </p:spPr>
+      </p:pic>
+    </p:spTree>
+  </p:cSld>
+  <p:clrMapOvr>
+    <a:masterClrMapping/>
+  </p:clrMapOvr>
+</p:sld>
+</file>
+
+<file path=ppt/slides/slide6.xml><?xml version="1.0" encoding="utf-8"?>
+<p:sld xmlns:a="http://schemas.openxmlformats.org/drawingml/2006/main" xmlns:r="http://schemas.openxmlformats.org/officeDocument/2006/relationships" xmlns:p="http://schemas.openxmlformats.org/presentationml/2006/main">
+  <p:cSld>
+    <p:spTree>
+      <p:nvGrpSpPr>
+        <p:cNvPr id="1" name=""/>
+        <p:cNvGrpSpPr/>
+        <p:nvPr/>
+      </p:nvGrpSpPr>
+      <p:grpSpPr>
+        <a:xfrm>
+          <a:off x="0" y="0"/>
+          <a:ext cx="0" cy="0"/>
+          <a:chOff x="0" y="0"/>
+          <a:chExt cx="0" cy="0"/>
+        </a:xfrm>
+      </p:grpSpPr>
+      <p:sp>
+        <p:nvSpPr>
+          <p:cNvPr id="533505" name="Title 3"/>
+          <p:cNvSpPr>
+            <a:spLocks noGrp="1"/>
+          </p:cNvSpPr>
+          <p:nvPr>
+            <p:ph type="title"/>
+          </p:nvPr>
+        </p:nvSpPr>
+        <p:spPr/>
+        <p:txBody>
+          <a:bodyPr/>
+          <a:lstStyle/>
+          <a:p>
+            <a:r>
+              <a:rPr lang="en-US" dirty="0"/>
+              <a:t>Question 223.4.6   123.22.2</a:t>
+            </a:r>
+          </a:p>
+        </p:txBody>
+      </p:sp>
+      <p:sp>
+        <p:nvSpPr>
+          <p:cNvPr id="5" name="Content Placeholder 4"/>
+          <p:cNvSpPr>
+            <a:spLocks noGrp="1"/>
+          </p:cNvSpPr>
+          <p:nvPr>
+            <p:ph idx="1"/>
+          </p:nvPr>
+        </p:nvSpPr>
+        <p:spPr/>
+        <p:txBody>
+          <a:bodyPr/>
+          <a:lstStyle/>
+          <a:p>
+            <a:pPr>
+              <a:buFontTx/>
+              <a:buNone/>
+              <a:defRPr/>
+            </a:pPr>
+            <a:r>
+              <a:rPr lang="en-US" dirty="0"/>
+              <a:t>Suppose I do 50J of work in two hours, then I do 50J of work in one hour. For which set of work was the power larger?</a:t>
+            </a:r>
+          </a:p>
+          <a:p>
+            <a:pPr marL="514350" indent="-514350">
+              <a:buFontTx/>
+              <a:buAutoNum type="alphaLcParenR"/>
+              <a:defRPr/>
+            </a:pPr>
+            <a:r>
+              <a:rPr lang="en-US" dirty="0"/>
+              <a:t>The first</a:t>
+            </a:r>
+          </a:p>
+          <a:p>
+            <a:pPr marL="514350" indent="-514350">
+              <a:buFontTx/>
+              <a:buAutoNum type="alphaLcParenR"/>
+              <a:defRPr/>
+            </a:pPr>
+            <a:r>
+              <a:rPr lang="en-US" dirty="0"/>
+              <a:t>The second</a:t>
+            </a:r>
+          </a:p>
+          <a:p>
+            <a:pPr marL="514350" indent="-514350">
+              <a:buFontTx/>
+              <a:buAutoNum type="alphaLcParenR"/>
+              <a:defRPr/>
+            </a:pPr>
+            <a:r>
+              <a:rPr lang="en-US" dirty="0"/>
+              <a:t>They are the same</a:t>
+            </a:r>
+          </a:p>
+          <a:p>
+            <a:pPr marL="514350" indent="-514350">
+              <a:buFontTx/>
+              <a:buAutoNum type="alphaLcParenR"/>
+              <a:defRPr/>
+            </a:pPr>
+            <a:r>
+              <a:rPr lang="en-US" dirty="0"/>
+              <a:t>Neither amount of work had power associated with it.</a:t>
+            </a:r>
+          </a:p>
+          <a:p>
+            <a:pPr>
+              <a:buFontTx/>
+              <a:buNone/>
+              <a:defRPr/>
+            </a:pPr>
+            <a:endParaRPr lang="en-US" dirty="0"/>
+          </a:p>
+        </p:txBody>
+      </p:sp>
+    </p:spTree>
+    <p:extLst>
+      <p:ext uri="{BB962C8B-B14F-4D97-AF65-F5344CB8AC3E}">
+        <p14:creationId xmlns:p14="http://schemas.microsoft.com/office/powerpoint/2010/main" val="3687487709"/>
+      </p:ext>
+    </p:extLst>
+  </p:cSld>
+  <p:clrMapOvr>
+    <a:masterClrMapping/>
+  </p:clrMapOvr>
+</p:sld>
+</file>
+
+<file path=ppt/slides/slide7.xml><?xml version="1.0" encoding="utf-8"?>
+<p:sld xmlns:a="http://schemas.openxmlformats.org/drawingml/2006/main" xmlns:r="http://schemas.openxmlformats.org/officeDocument/2006/relationships" xmlns:p="http://schemas.openxmlformats.org/presentationml/2006/main">
+  <p:cSld>
+    <p:spTree>
+      <p:nvGrpSpPr>
+        <p:cNvPr id="1" name=""/>
+        <p:cNvGrpSpPr/>
+        <p:nvPr/>
+      </p:nvGrpSpPr>
+      <p:grpSpPr>
+        <a:xfrm>
+          <a:off x="0" y="0"/>
+          <a:ext cx="0" cy="0"/>
+          <a:chOff x="0" y="0"/>
+          <a:chExt cx="0" cy="0"/>
+        </a:xfrm>
+      </p:grpSpPr>
+      <p:sp>
+        <p:nvSpPr>
+          <p:cNvPr id="62467" name="Rectangle 2"/>
+          <p:cNvSpPr>
+            <a:spLocks noGrp="1" noChangeArrowheads="1"/>
+          </p:cNvSpPr>
+          <p:nvPr>
+            <p:ph type="title"/>
+          </p:nvPr>
+        </p:nvSpPr>
+        <p:spPr/>
+        <p:txBody>
+          <a:bodyPr/>
+          <a:lstStyle/>
+          <a:p>
+            <a:r>
+              <a:rPr lang="en-US" dirty="0"/>
+              <a:t>Question 223.4.8  123.22.4</a:t>
+            </a:r>
+          </a:p>
+        </p:txBody>
+      </p:sp>
+      <p:sp>
+        <p:nvSpPr>
+          <p:cNvPr id="62468" name="Rectangle 3"/>
+          <p:cNvSpPr>
+            <a:spLocks noGrp="1" noChangeArrowheads="1"/>
+          </p:cNvSpPr>
+          <p:nvPr>
+            <p:ph idx="1"/>
+          </p:nvPr>
+        </p:nvSpPr>
+        <p:spPr/>
+        <p:txBody>
+          <a:bodyPr/>
+          <a:lstStyle/>
+          <a:p>
+            <a:pPr marL="609600" indent="-609600" eaLnBrk="1" hangingPunct="1">
+              <a:buFontTx/>
+              <a:buNone/>
+            </a:pPr>
+            <a:r>
+              <a:rPr lang="en-US" dirty="0"/>
+              <a:t>If you cup your hand to your ear, you can hear better. This is because</a:t>
+            </a:r>
+          </a:p>
+          <a:p>
+            <a:pPr marL="609600" indent="-609600" eaLnBrk="1" hangingPunct="1">
+              <a:buFontTx/>
+              <a:buAutoNum type="alphaLcParenR"/>
+            </a:pPr>
+            <a:r>
+              <a:rPr lang="en-US" dirty="0"/>
+              <a:t>You change the frequency of the sound with your hand</a:t>
+            </a:r>
+          </a:p>
+          <a:p>
+            <a:pPr marL="609600" indent="-609600" eaLnBrk="1" hangingPunct="1">
+              <a:buFontTx/>
+              <a:buAutoNum type="alphaLcParenR"/>
+            </a:pPr>
+            <a:r>
+              <a:rPr lang="en-US" dirty="0"/>
+              <a:t>You increase the collection area</a:t>
+            </a:r>
+          </a:p>
+          <a:p>
+            <a:pPr marL="609600" indent="-609600" eaLnBrk="1" hangingPunct="1">
+              <a:buFontTx/>
+              <a:buAutoNum type="alphaLcParenR"/>
+            </a:pPr>
+            <a:r>
+              <a:rPr lang="en-US" dirty="0"/>
+              <a:t>You increase the amplitude of the wave</a:t>
+            </a:r>
+          </a:p>
+          <a:p>
+            <a:pPr marL="609600" indent="-609600" eaLnBrk="1" hangingPunct="1">
+              <a:buFontTx/>
+              <a:buAutoNum type="alphaLcParenR"/>
+            </a:pPr>
+            <a:r>
+              <a:rPr lang="en-US" dirty="0"/>
+              <a:t>Can’t tell</a:t>
+            </a:r>
+          </a:p>
+          <a:p>
+            <a:pPr marL="609600" indent="-609600" eaLnBrk="1" hangingPunct="1"/>
+            <a:endParaRPr lang="en-US" dirty="0"/>
+          </a:p>
+        </p:txBody>
+      </p:sp>
+      <p:sp>
+        <p:nvSpPr>
+          <p:cNvPr id="62466" name="Slide Number Placeholder 5"/>
+          <p:cNvSpPr>
+            <a:spLocks noGrp="1"/>
+          </p:cNvSpPr>
+          <p:nvPr>
+            <p:ph type="sldNum" sz="quarter" idx="12"/>
+          </p:nvPr>
+        </p:nvSpPr>
+        <p:spPr>
+          <a:noFill/>
+        </p:spPr>
+        <p:txBody>
+          <a:bodyPr/>
+          <a:lstStyle/>
+          <a:p>
+            <a:fld id="{103EBA7D-9A04-4522-9A2F-EC8F4813A80C}" type="slidenum">
+              <a:rPr lang="en-US" smtClean="0"/>
+              <a:pPr/>
+              <a:t>7</a:t>
+            </a:fld>
+            <a:endParaRPr lang="en-US"/>
+          </a:p>
+        </p:txBody>
+      </p:sp>
+    </p:spTree>
+    <p:extLst>
+      <p:ext uri="{BB962C8B-B14F-4D97-AF65-F5344CB8AC3E}">
+        <p14:creationId xmlns:p14="http://schemas.microsoft.com/office/powerpoint/2010/main" val="3852839569"/>
+      </p:ext>
+    </p:extLst>
+  </p:cSld>
+  <p:clrMapOvr>
+    <a:masterClrMapping/>
+  </p:clrMapOvr>
+</p:sld>
+</file>
+
+<file path=ppt/slides/slide8.xml><?xml version="1.0" encoding="utf-8"?>
 <p:sld xmlns:a="http://schemas.openxmlformats.org/drawingml/2006/main" xmlns:r="http://schemas.openxmlformats.org/officeDocument/2006/relationships" xmlns:p="http://schemas.openxmlformats.org/presentationml/2006/main">
   <p:cSld>
     <p:spTree>
@@ -17535,103 +20599,7 @@
 </p:sld>
 </file>
 
-<file path=ppt/slides/slide50.xml><?xml version="1.0" encoding="utf-8"?>
-<p:sld xmlns:a="http://schemas.openxmlformats.org/drawingml/2006/main" xmlns:r="http://schemas.openxmlformats.org/officeDocument/2006/relationships" xmlns:p="http://schemas.openxmlformats.org/presentationml/2006/main">
-  <p:cSld>
-    <p:spTree>
-      <p:nvGrpSpPr>
-        <p:cNvPr id="1" name=""/>
-        <p:cNvGrpSpPr/>
-        <p:nvPr/>
-      </p:nvGrpSpPr>
-      <p:grpSpPr>
-        <a:xfrm>
-          <a:off x="0" y="0"/>
-          <a:ext cx="0" cy="0"/>
-          <a:chOff x="0" y="0"/>
-          <a:chExt cx="0" cy="0"/>
-        </a:xfrm>
-      </p:grpSpPr>
-      <p:sp>
-        <p:nvSpPr>
-          <p:cNvPr id="2" name="Title 1"/>
-          <p:cNvSpPr>
-            <a:spLocks noGrp="1"/>
-          </p:cNvSpPr>
-          <p:nvPr>
-            <p:ph type="title"/>
-          </p:nvPr>
-        </p:nvSpPr>
-        <p:spPr/>
-        <p:txBody>
-          <a:bodyPr/>
-          <a:lstStyle/>
-          <a:p>
-            <a:endParaRPr lang="en-US"/>
-          </a:p>
-        </p:txBody>
-      </p:sp>
-      <p:sp>
-        <p:nvSpPr>
-          <p:cNvPr id="3" name="Content Placeholder 2"/>
-          <p:cNvSpPr>
-            <a:spLocks noGrp="1"/>
-          </p:cNvSpPr>
-          <p:nvPr>
-            <p:ph idx="1"/>
-          </p:nvPr>
-        </p:nvSpPr>
-        <p:spPr/>
-        <p:txBody>
-          <a:bodyPr/>
-          <a:lstStyle/>
-          <a:p>
-            <a:endParaRPr lang="en-US"/>
-          </a:p>
-        </p:txBody>
-      </p:sp>
-      <p:pic>
-        <p:nvPicPr>
-          <p:cNvPr id="27650" name="Picture 2"/>
-          <p:cNvPicPr>
-            <a:picLocks noChangeAspect="1" noChangeArrowheads="1"/>
-          </p:cNvPicPr>
-          <p:nvPr/>
-        </p:nvPicPr>
-        <p:blipFill>
-          <a:blip r:embed="rId2" cstate="print"/>
-          <a:srcRect/>
-          <a:stretch>
-            <a:fillRect/>
-          </a:stretch>
-        </p:blipFill>
-        <p:spPr bwMode="auto">
-          <a:xfrm>
-            <a:off x="1143000" y="2667000"/>
-            <a:ext cx="6524625" cy="533400"/>
-          </a:xfrm>
-          <a:prstGeom prst="rect">
-            <a:avLst/>
-          </a:prstGeom>
-          <a:noFill/>
-          <a:ln w="9525">
-            <a:noFill/>
-            <a:miter lim="800000"/>
-            <a:headEnd/>
-            <a:tailEnd/>
-          </a:ln>
-          <a:effectLst/>
-        </p:spPr>
-      </p:pic>
-    </p:spTree>
-  </p:cSld>
-  <p:clrMapOvr>
-    <a:masterClrMapping/>
-  </p:clrMapOvr>
-</p:sld>
-</file>
-
-<file path=ppt/slides/slide6.xml><?xml version="1.0" encoding="utf-8"?>
+<file path=ppt/slides/slide9.xml><?xml version="1.0" encoding="utf-8"?>
 <p:sld xmlns:a="http://schemas.openxmlformats.org/drawingml/2006/main" xmlns:r="http://schemas.openxmlformats.org/officeDocument/2006/relationships" xmlns:p="http://schemas.openxmlformats.org/presentationml/2006/main">
   <p:cSld>
     <p:spTree>
@@ -18055,12 +21023,12 @@
             <a:graphicData uri="http://schemas.openxmlformats.org/presentationml/2006/ole">
               <mc:AlternateContent xmlns:mc="http://schemas.openxmlformats.org/markup-compatibility/2006">
                 <mc:Choice xmlns:v="urn:schemas-microsoft-com:vml" Requires="v">
-                  <p:oleObj spid="_x0000_s1026" name="Equation" r:id="rId3" imgW="825480" imgH="253800" progId="Equation.3">
+                  <p:oleObj name="Equation" r:id="rId2" imgW="825480" imgH="253800" progId="Equation.3">
                     <p:embed/>
                   </p:oleObj>
                 </mc:Choice>
                 <mc:Fallback>
-                  <p:oleObj name="Equation" r:id="rId3" imgW="825480" imgH="253800" progId="Equation.3">
+                  <p:oleObj name="Equation" r:id="rId2" imgW="825480" imgH="253800" progId="Equation.3">
                     <p:embed/>
                     <p:pic>
                       <p:nvPicPr>
@@ -18071,7 +21039,7 @@
                         <p:nvPr/>
                       </p:nvPicPr>
                       <p:blipFill>
-                        <a:blip r:embed="rId4">
+                        <a:blip r:embed="rId3">
                           <a:extLst>
                             <a:ext uri="{28A0092B-C50C-407E-A947-70E740481C1C}">
                               <a14:useLocalDpi xmlns:a14="http://schemas.microsoft.com/office/drawing/2010/main" val="0"/>
@@ -18256,2145 +21224,6 @@
     <p:extLst>
       <p:ext uri="{BB962C8B-B14F-4D97-AF65-F5344CB8AC3E}">
         <p14:creationId xmlns:p14="http://schemas.microsoft.com/office/powerpoint/2010/main" val="1389832616"/>
-      </p:ext>
-    </p:extLst>
-  </p:cSld>
-  <p:clrMapOvr>
-    <a:masterClrMapping/>
-  </p:clrMapOvr>
-</p:sld>
-</file>
-
-<file path=ppt/slides/slide7.xml><?xml version="1.0" encoding="utf-8"?>
-<p:sld xmlns:a="http://schemas.openxmlformats.org/drawingml/2006/main" xmlns:r="http://schemas.openxmlformats.org/officeDocument/2006/relationships" xmlns:p="http://schemas.openxmlformats.org/presentationml/2006/main">
-  <p:cSld>
-    <p:spTree>
-      <p:nvGrpSpPr>
-        <p:cNvPr id="1" name=""/>
-        <p:cNvGrpSpPr/>
-        <p:nvPr/>
-      </p:nvGrpSpPr>
-      <p:grpSpPr>
-        <a:xfrm>
-          <a:off x="0" y="0"/>
-          <a:ext cx="0" cy="0"/>
-          <a:chOff x="0" y="0"/>
-          <a:chExt cx="0" cy="0"/>
-        </a:xfrm>
-      </p:grpSpPr>
-      <p:grpSp>
-        <p:nvGrpSpPr>
-          <p:cNvPr id="3" name="Group 5"/>
-          <p:cNvGrpSpPr>
-            <a:grpSpLocks/>
-          </p:cNvGrpSpPr>
-          <p:nvPr/>
-        </p:nvGrpSpPr>
-        <p:grpSpPr bwMode="auto">
-          <a:xfrm>
-            <a:off x="924128" y="291829"/>
-            <a:ext cx="6945548" cy="6313252"/>
-            <a:chOff x="1056" y="1824"/>
-            <a:chExt cx="1536" cy="1584"/>
-          </a:xfrm>
-        </p:grpSpPr>
-        <p:sp>
-          <p:nvSpPr>
-            <p:cNvPr id="5131" name="Oval 6"/>
-            <p:cNvSpPr>
-              <a:spLocks noChangeArrowheads="1"/>
-            </p:cNvSpPr>
-            <p:nvPr/>
-          </p:nvSpPr>
-          <p:spPr bwMode="auto">
-            <a:xfrm>
-              <a:off x="1056" y="1824"/>
-              <a:ext cx="1536" cy="1584"/>
-            </a:xfrm>
-            <a:prstGeom prst="ellipse">
-              <a:avLst/>
-            </a:prstGeom>
-            <a:solidFill>
-              <a:srgbClr val="FFFFFF"/>
-            </a:solidFill>
-            <a:ln w="9525" algn="ctr">
-              <a:solidFill>
-                <a:schemeClr val="tx1"/>
-              </a:solidFill>
-              <a:round/>
-              <a:headEnd/>
-              <a:tailEnd/>
-            </a:ln>
-          </p:spPr>
-          <p:txBody>
-            <a:bodyPr wrap="none" anchor="ctr"/>
-            <a:lstStyle/>
-            <a:p>
-              <a:endParaRPr lang="en-US" dirty="0"/>
-            </a:p>
-          </p:txBody>
-        </p:sp>
-        <p:sp>
-          <p:nvSpPr>
-            <p:cNvPr id="5132" name="Oval 7"/>
-            <p:cNvSpPr>
-              <a:spLocks noChangeArrowheads="1"/>
-            </p:cNvSpPr>
-            <p:nvPr/>
-          </p:nvSpPr>
-          <p:spPr bwMode="auto">
-            <a:xfrm>
-              <a:off x="1224" y="1992"/>
-              <a:ext cx="1200" cy="1248"/>
-            </a:xfrm>
-            <a:prstGeom prst="ellipse">
-              <a:avLst/>
-            </a:prstGeom>
-            <a:solidFill>
-              <a:srgbClr val="FFFFFF"/>
-            </a:solidFill>
-            <a:ln w="9525" algn="ctr">
-              <a:solidFill>
-                <a:schemeClr val="tx1"/>
-              </a:solidFill>
-              <a:round/>
-              <a:headEnd/>
-              <a:tailEnd/>
-            </a:ln>
-          </p:spPr>
-          <p:txBody>
-            <a:bodyPr wrap="none" anchor="ctr"/>
-            <a:lstStyle/>
-            <a:p>
-              <a:endParaRPr lang="en-US"/>
-            </a:p>
-          </p:txBody>
-        </p:sp>
-        <p:sp>
-          <p:nvSpPr>
-            <p:cNvPr id="5133" name="Oval 8"/>
-            <p:cNvSpPr>
-              <a:spLocks noChangeArrowheads="1"/>
-            </p:cNvSpPr>
-            <p:nvPr/>
-          </p:nvSpPr>
-          <p:spPr bwMode="auto">
-            <a:xfrm>
-              <a:off x="1392" y="2136"/>
-              <a:ext cx="864" cy="960"/>
-            </a:xfrm>
-            <a:prstGeom prst="ellipse">
-              <a:avLst/>
-            </a:prstGeom>
-            <a:solidFill>
-              <a:srgbClr val="FFFFFF"/>
-            </a:solidFill>
-            <a:ln w="9525" algn="ctr">
-              <a:solidFill>
-                <a:schemeClr val="tx1"/>
-              </a:solidFill>
-              <a:round/>
-              <a:headEnd/>
-              <a:tailEnd/>
-            </a:ln>
-          </p:spPr>
-          <p:txBody>
-            <a:bodyPr wrap="none" anchor="ctr"/>
-            <a:lstStyle/>
-            <a:p>
-              <a:endParaRPr lang="en-US"/>
-            </a:p>
-          </p:txBody>
-        </p:sp>
-        <p:sp>
-          <p:nvSpPr>
-            <p:cNvPr id="5134" name="Oval 9"/>
-            <p:cNvSpPr>
-              <a:spLocks noChangeArrowheads="1"/>
-            </p:cNvSpPr>
-            <p:nvPr/>
-          </p:nvSpPr>
-          <p:spPr bwMode="auto">
-            <a:xfrm>
-              <a:off x="1512" y="2256"/>
-              <a:ext cx="624" cy="720"/>
-            </a:xfrm>
-            <a:prstGeom prst="ellipse">
-              <a:avLst/>
-            </a:prstGeom>
-            <a:solidFill>
-              <a:srgbClr val="FFFFFF"/>
-            </a:solidFill>
-            <a:ln w="9525" algn="ctr">
-              <a:solidFill>
-                <a:schemeClr val="tx1"/>
-              </a:solidFill>
-              <a:round/>
-              <a:headEnd/>
-              <a:tailEnd/>
-            </a:ln>
-          </p:spPr>
-          <p:txBody>
-            <a:bodyPr wrap="none" anchor="ctr"/>
-            <a:lstStyle/>
-            <a:p>
-              <a:endParaRPr lang="en-US"/>
-            </a:p>
-          </p:txBody>
-        </p:sp>
-        <p:sp>
-          <p:nvSpPr>
-            <p:cNvPr id="5135" name="Oval 10"/>
-            <p:cNvSpPr>
-              <a:spLocks noChangeArrowheads="1"/>
-            </p:cNvSpPr>
-            <p:nvPr/>
-          </p:nvSpPr>
-          <p:spPr bwMode="auto">
-            <a:xfrm>
-              <a:off x="1622" y="2400"/>
-              <a:ext cx="400" cy="432"/>
-            </a:xfrm>
-            <a:prstGeom prst="ellipse">
-              <a:avLst/>
-            </a:prstGeom>
-            <a:solidFill>
-              <a:srgbClr val="FFFFFF"/>
-            </a:solidFill>
-            <a:ln w="9525" algn="ctr">
-              <a:solidFill>
-                <a:schemeClr val="tx1"/>
-              </a:solidFill>
-              <a:round/>
-              <a:headEnd/>
-              <a:tailEnd/>
-            </a:ln>
-          </p:spPr>
-          <p:txBody>
-            <a:bodyPr wrap="none" anchor="ctr"/>
-            <a:lstStyle/>
-            <a:p>
-              <a:endParaRPr lang="en-US"/>
-            </a:p>
-          </p:txBody>
-        </p:sp>
-        <p:sp>
-          <p:nvSpPr>
-            <p:cNvPr id="5136" name="Oval 11"/>
-            <p:cNvSpPr>
-              <a:spLocks noChangeArrowheads="1"/>
-            </p:cNvSpPr>
-            <p:nvPr/>
-          </p:nvSpPr>
-          <p:spPr bwMode="auto">
-            <a:xfrm>
-              <a:off x="1738" y="2520"/>
-              <a:ext cx="179" cy="192"/>
-            </a:xfrm>
-            <a:prstGeom prst="ellipse">
-              <a:avLst/>
-            </a:prstGeom>
-            <a:solidFill>
-              <a:srgbClr val="FFFFFF"/>
-            </a:solidFill>
-            <a:ln w="9525" algn="ctr">
-              <a:solidFill>
-                <a:schemeClr val="tx1"/>
-              </a:solidFill>
-              <a:round/>
-              <a:headEnd/>
-              <a:tailEnd/>
-            </a:ln>
-          </p:spPr>
-          <p:txBody>
-            <a:bodyPr wrap="none" anchor="ctr"/>
-            <a:lstStyle/>
-            <a:p>
-              <a:endParaRPr lang="en-US"/>
-            </a:p>
-          </p:txBody>
-        </p:sp>
-        <p:sp>
-          <p:nvSpPr>
-            <p:cNvPr id="5137" name="Oval 12"/>
-            <p:cNvSpPr>
-              <a:spLocks noChangeArrowheads="1"/>
-            </p:cNvSpPr>
-            <p:nvPr/>
-          </p:nvSpPr>
-          <p:spPr bwMode="auto">
-            <a:xfrm>
-              <a:off x="1816" y="2599"/>
-              <a:ext cx="26" cy="33"/>
-            </a:xfrm>
-            <a:prstGeom prst="ellipse">
-              <a:avLst/>
-            </a:prstGeom>
-            <a:solidFill>
-              <a:schemeClr val="tx1"/>
-            </a:solidFill>
-            <a:ln w="9525" algn="ctr">
-              <a:solidFill>
-                <a:schemeClr val="tx1"/>
-              </a:solidFill>
-              <a:round/>
-              <a:headEnd/>
-              <a:tailEnd/>
-            </a:ln>
-          </p:spPr>
-          <p:txBody>
-            <a:bodyPr wrap="none" anchor="ctr"/>
-            <a:lstStyle/>
-            <a:p>
-              <a:endParaRPr lang="en-US"/>
-            </a:p>
-          </p:txBody>
-        </p:sp>
-      </p:grpSp>
-      <p:grpSp>
-        <p:nvGrpSpPr>
-          <p:cNvPr id="19" name="Group 18"/>
-          <p:cNvGrpSpPr/>
-          <p:nvPr/>
-        </p:nvGrpSpPr>
-        <p:grpSpPr>
-          <a:xfrm>
-            <a:off x="4665807" y="3208274"/>
-            <a:ext cx="1101841" cy="2876952"/>
-            <a:chOff x="1255765" y="2207348"/>
-            <a:chExt cx="1272743" cy="3815140"/>
-          </a:xfrm>
-          <a:solidFill>
-            <a:schemeClr val="tx2">
-              <a:lumMod val="50000"/>
-            </a:schemeClr>
-          </a:solidFill>
-        </p:grpSpPr>
-        <p:sp>
-          <p:nvSpPr>
-            <p:cNvPr id="20" name="Oval 12"/>
-            <p:cNvSpPr>
-              <a:spLocks noChangeArrowheads="1"/>
-            </p:cNvSpPr>
-            <p:nvPr/>
-          </p:nvSpPr>
-          <p:spPr bwMode="auto">
-            <a:xfrm flipH="1">
-              <a:off x="1681044" y="2865611"/>
-              <a:ext cx="420688" cy="1400456"/>
-            </a:xfrm>
-            <a:prstGeom prst="ellipse">
-              <a:avLst/>
-            </a:prstGeom>
-            <a:grpFill/>
-            <a:ln w="9525" algn="ctr">
-              <a:noFill/>
-              <a:round/>
-              <a:headEnd/>
-              <a:tailEnd/>
-            </a:ln>
-          </p:spPr>
-          <p:txBody>
-            <a:bodyPr wrap="none" anchor="ctr"/>
-            <a:lstStyle/>
-            <a:p>
-              <a:endParaRPr lang="en-US" dirty="0"/>
-            </a:p>
-          </p:txBody>
-        </p:sp>
-        <p:sp>
-          <p:nvSpPr>
-            <p:cNvPr id="21" name="Rectangle 14"/>
-            <p:cNvSpPr>
-              <a:spLocks noChangeArrowheads="1"/>
-            </p:cNvSpPr>
-            <p:nvPr/>
-          </p:nvSpPr>
-          <p:spPr bwMode="auto">
-            <a:xfrm rot="10099660" flipH="1">
-              <a:off x="2313352" y="3441501"/>
-              <a:ext cx="169239" cy="704850"/>
-            </a:xfrm>
-            <a:prstGeom prst="rect">
-              <a:avLst/>
-            </a:prstGeom>
-            <a:grpFill/>
-            <a:ln w="9525" algn="ctr">
-              <a:noFill/>
-              <a:miter lim="800000"/>
-              <a:headEnd/>
-              <a:tailEnd/>
-            </a:ln>
-          </p:spPr>
-          <p:txBody>
-            <a:bodyPr wrap="none" anchor="ctr"/>
-            <a:lstStyle/>
-            <a:p>
-              <a:endParaRPr lang="en-US" dirty="0"/>
-            </a:p>
-          </p:txBody>
-        </p:sp>
-        <p:sp>
-          <p:nvSpPr>
-            <p:cNvPr id="22" name="Rectangle 17"/>
-            <p:cNvSpPr>
-              <a:spLocks noChangeArrowheads="1"/>
-            </p:cNvSpPr>
-            <p:nvPr/>
-          </p:nvSpPr>
-          <p:spPr bwMode="auto">
-            <a:xfrm flipH="1">
-              <a:off x="1271541" y="5760992"/>
-              <a:ext cx="448907" cy="205387"/>
-            </a:xfrm>
-            <a:prstGeom prst="rect">
-              <a:avLst/>
-            </a:prstGeom>
-            <a:grpFill/>
-            <a:ln w="9525" algn="ctr">
-              <a:noFill/>
-              <a:miter lim="800000"/>
-              <a:headEnd/>
-              <a:tailEnd/>
-            </a:ln>
-          </p:spPr>
-          <p:txBody>
-            <a:bodyPr wrap="none" anchor="ctr"/>
-            <a:lstStyle/>
-            <a:p>
-              <a:endParaRPr lang="en-US" dirty="0"/>
-            </a:p>
-          </p:txBody>
-        </p:sp>
-        <p:sp>
-          <p:nvSpPr>
-            <p:cNvPr id="23" name="Oval 22"/>
-            <p:cNvSpPr>
-              <a:spLocks noChangeArrowheads="1"/>
-            </p:cNvSpPr>
-            <p:nvPr/>
-          </p:nvSpPr>
-          <p:spPr bwMode="auto">
-            <a:xfrm flipH="1">
-              <a:off x="1628646" y="2207348"/>
-              <a:ext cx="496888" cy="692150"/>
-            </a:xfrm>
-            <a:prstGeom prst="ellipse">
-              <a:avLst/>
-            </a:prstGeom>
-            <a:grpFill/>
-            <a:ln w="9525" algn="ctr">
-              <a:solidFill>
-                <a:schemeClr val="bg1"/>
-              </a:solidFill>
-              <a:round/>
-              <a:headEnd/>
-              <a:tailEnd/>
-            </a:ln>
-          </p:spPr>
-          <p:txBody>
-            <a:bodyPr wrap="none" anchor="ctr"/>
-            <a:lstStyle/>
-            <a:p>
-              <a:endParaRPr lang="en-US" dirty="0"/>
-            </a:p>
-          </p:txBody>
-        </p:sp>
-        <p:sp>
-          <p:nvSpPr>
-            <p:cNvPr id="24" name="Rectangle 23"/>
-            <p:cNvSpPr>
-              <a:spLocks noChangeArrowheads="1"/>
-            </p:cNvSpPr>
-            <p:nvPr/>
-          </p:nvSpPr>
-          <p:spPr bwMode="auto">
-            <a:xfrm rot="8649417" flipH="1">
-              <a:off x="2100794" y="2904963"/>
-              <a:ext cx="183140" cy="701857"/>
-            </a:xfrm>
-            <a:prstGeom prst="rect">
-              <a:avLst/>
-            </a:prstGeom>
-            <a:grpFill/>
-            <a:ln w="9525" algn="ctr">
-              <a:noFill/>
-              <a:miter lim="800000"/>
-              <a:headEnd/>
-              <a:tailEnd/>
-            </a:ln>
-          </p:spPr>
-          <p:txBody>
-            <a:bodyPr wrap="none" anchor="ctr"/>
-            <a:lstStyle/>
-            <a:p>
-              <a:endParaRPr lang="en-US" dirty="0"/>
-            </a:p>
-          </p:txBody>
-        </p:sp>
-        <p:sp>
-          <p:nvSpPr>
-            <p:cNvPr id="25" name="Rectangle 15"/>
-            <p:cNvSpPr>
-              <a:spLocks noChangeArrowheads="1"/>
-            </p:cNvSpPr>
-            <p:nvPr/>
-          </p:nvSpPr>
-          <p:spPr bwMode="auto">
-            <a:xfrm rot="20522501" flipH="1">
-              <a:off x="1956616" y="3998171"/>
-              <a:ext cx="239713" cy="1019175"/>
-            </a:xfrm>
-            <a:prstGeom prst="rect">
-              <a:avLst/>
-            </a:prstGeom>
-            <a:grpFill/>
-            <a:ln w="9525" algn="ctr">
-              <a:noFill/>
-              <a:miter lim="800000"/>
-              <a:headEnd/>
-              <a:tailEnd/>
-            </a:ln>
-          </p:spPr>
-          <p:txBody>
-            <a:bodyPr wrap="none" anchor="ctr"/>
-            <a:lstStyle/>
-            <a:p>
-              <a:endParaRPr lang="en-US" dirty="0"/>
-            </a:p>
-          </p:txBody>
-        </p:sp>
-        <p:sp>
-          <p:nvSpPr>
-            <p:cNvPr id="26" name="Rectangle 15"/>
-            <p:cNvSpPr>
-              <a:spLocks noChangeArrowheads="1"/>
-            </p:cNvSpPr>
-            <p:nvPr/>
-          </p:nvSpPr>
-          <p:spPr bwMode="auto">
-            <a:xfrm flipH="1">
-              <a:off x="2108045" y="4871561"/>
-              <a:ext cx="236538" cy="1150927"/>
-            </a:xfrm>
-            <a:prstGeom prst="rect">
-              <a:avLst/>
-            </a:prstGeom>
-            <a:grpFill/>
-            <a:ln w="9525" algn="ctr">
-              <a:noFill/>
-              <a:miter lim="800000"/>
-              <a:headEnd/>
-              <a:tailEnd/>
-            </a:ln>
-          </p:spPr>
-          <p:txBody>
-            <a:bodyPr wrap="none" anchor="ctr"/>
-            <a:lstStyle/>
-            <a:p>
-              <a:endParaRPr lang="en-US" dirty="0"/>
-            </a:p>
-          </p:txBody>
-        </p:sp>
-        <p:sp>
-          <p:nvSpPr>
-            <p:cNvPr id="27" name="Rectangle 26"/>
-            <p:cNvSpPr>
-              <a:spLocks noChangeArrowheads="1"/>
-            </p:cNvSpPr>
-            <p:nvPr/>
-          </p:nvSpPr>
-          <p:spPr bwMode="auto">
-            <a:xfrm rot="335058" flipH="1">
-              <a:off x="2127532" y="5806095"/>
-              <a:ext cx="360147" cy="192590"/>
-            </a:xfrm>
-            <a:prstGeom prst="rect">
-              <a:avLst/>
-            </a:prstGeom>
-            <a:grpFill/>
-            <a:ln w="9525" algn="ctr">
-              <a:noFill/>
-              <a:miter lim="800000"/>
-              <a:headEnd/>
-              <a:tailEnd/>
-            </a:ln>
-          </p:spPr>
-          <p:txBody>
-            <a:bodyPr wrap="none" anchor="ctr"/>
-            <a:lstStyle/>
-            <a:p>
-              <a:endParaRPr lang="en-US" dirty="0"/>
-            </a:p>
-          </p:txBody>
-        </p:sp>
-        <p:sp>
-          <p:nvSpPr>
-            <p:cNvPr id="28" name="Rectangle 15"/>
-            <p:cNvSpPr>
-              <a:spLocks noChangeArrowheads="1"/>
-            </p:cNvSpPr>
-            <p:nvPr/>
-          </p:nvSpPr>
-          <p:spPr bwMode="auto">
-            <a:xfrm rot="631007" flipH="1">
-              <a:off x="1551643" y="3961764"/>
-              <a:ext cx="241300" cy="1019175"/>
-            </a:xfrm>
-            <a:prstGeom prst="rect">
-              <a:avLst/>
-            </a:prstGeom>
-            <a:grpFill/>
-            <a:ln w="9525" algn="ctr">
-              <a:noFill/>
-              <a:miter lim="800000"/>
-              <a:headEnd/>
-              <a:tailEnd/>
-            </a:ln>
-          </p:spPr>
-          <p:txBody>
-            <a:bodyPr wrap="none" anchor="ctr"/>
-            <a:lstStyle/>
-            <a:p>
-              <a:endParaRPr lang="en-US" dirty="0"/>
-            </a:p>
-          </p:txBody>
-        </p:sp>
-        <p:sp>
-          <p:nvSpPr>
-            <p:cNvPr id="29" name="Rectangle 15"/>
-            <p:cNvSpPr>
-              <a:spLocks noChangeArrowheads="1"/>
-            </p:cNvSpPr>
-            <p:nvPr/>
-          </p:nvSpPr>
-          <p:spPr bwMode="auto">
-            <a:xfrm flipH="1">
-              <a:off x="1504795" y="4791106"/>
-              <a:ext cx="209037" cy="1189088"/>
-            </a:xfrm>
-            <a:prstGeom prst="rect">
-              <a:avLst/>
-            </a:prstGeom>
-            <a:grpFill/>
-            <a:ln w="9525" algn="ctr">
-              <a:noFill/>
-              <a:miter lim="800000"/>
-              <a:headEnd/>
-              <a:tailEnd/>
-            </a:ln>
-          </p:spPr>
-          <p:txBody>
-            <a:bodyPr wrap="none" anchor="ctr"/>
-            <a:lstStyle/>
-            <a:p>
-              <a:endParaRPr lang="en-US" dirty="0"/>
-            </a:p>
-          </p:txBody>
-        </p:sp>
-        <p:sp>
-          <p:nvSpPr>
-            <p:cNvPr id="30" name="Rectangle 13"/>
-            <p:cNvSpPr>
-              <a:spLocks noChangeArrowheads="1"/>
-            </p:cNvSpPr>
-            <p:nvPr/>
-          </p:nvSpPr>
-          <p:spPr bwMode="auto">
-            <a:xfrm rot="811954" flipH="1">
-              <a:off x="2384593" y="4006620"/>
-              <a:ext cx="143915" cy="300064"/>
-            </a:xfrm>
-            <a:prstGeom prst="rect">
-              <a:avLst/>
-            </a:prstGeom>
-            <a:grpFill/>
-            <a:ln w="9525" algn="ctr">
-              <a:noFill/>
-              <a:miter lim="800000"/>
-              <a:headEnd/>
-              <a:tailEnd/>
-            </a:ln>
-          </p:spPr>
-          <p:txBody>
-            <a:bodyPr wrap="none" anchor="ctr"/>
-            <a:lstStyle/>
-            <a:p>
-              <a:endParaRPr lang="en-US" dirty="0"/>
-            </a:p>
-          </p:txBody>
-        </p:sp>
-        <p:sp>
-          <p:nvSpPr>
-            <p:cNvPr id="31" name="Rectangle 14"/>
-            <p:cNvSpPr>
-              <a:spLocks noChangeArrowheads="1"/>
-            </p:cNvSpPr>
-            <p:nvPr/>
-          </p:nvSpPr>
-          <p:spPr bwMode="auto">
-            <a:xfrm rot="11244453" flipH="1">
-              <a:off x="1319151" y="3460533"/>
-              <a:ext cx="169239" cy="704850"/>
-            </a:xfrm>
-            <a:prstGeom prst="rect">
-              <a:avLst/>
-            </a:prstGeom>
-            <a:grpFill/>
-            <a:ln w="9525" algn="ctr">
-              <a:noFill/>
-              <a:miter lim="800000"/>
-              <a:headEnd/>
-              <a:tailEnd/>
-            </a:ln>
-          </p:spPr>
-          <p:txBody>
-            <a:bodyPr wrap="none" anchor="ctr"/>
-            <a:lstStyle/>
-            <a:p>
-              <a:endParaRPr lang="en-US" dirty="0"/>
-            </a:p>
-          </p:txBody>
-        </p:sp>
-        <p:sp>
-          <p:nvSpPr>
-            <p:cNvPr id="32" name="Rectangle 31"/>
-            <p:cNvSpPr>
-              <a:spLocks noChangeArrowheads="1"/>
-            </p:cNvSpPr>
-            <p:nvPr/>
-          </p:nvSpPr>
-          <p:spPr bwMode="auto">
-            <a:xfrm rot="12761612" flipH="1">
-              <a:off x="1514614" y="2863204"/>
-              <a:ext cx="183140" cy="701857"/>
-            </a:xfrm>
-            <a:prstGeom prst="rect">
-              <a:avLst/>
-            </a:prstGeom>
-            <a:grpFill/>
-            <a:ln w="9525" algn="ctr">
-              <a:noFill/>
-              <a:miter lim="800000"/>
-              <a:headEnd/>
-              <a:tailEnd/>
-            </a:ln>
-          </p:spPr>
-          <p:txBody>
-            <a:bodyPr wrap="none" anchor="ctr"/>
-            <a:lstStyle/>
-            <a:p>
-              <a:endParaRPr lang="en-US" dirty="0"/>
-            </a:p>
-          </p:txBody>
-        </p:sp>
-        <p:sp>
-          <p:nvSpPr>
-            <p:cNvPr id="33" name="Rectangle 13"/>
-            <p:cNvSpPr>
-              <a:spLocks noChangeArrowheads="1"/>
-            </p:cNvSpPr>
-            <p:nvPr/>
-          </p:nvSpPr>
-          <p:spPr bwMode="auto">
-            <a:xfrm rot="7497537" flipH="1">
-              <a:off x="1303841" y="4035577"/>
-              <a:ext cx="165219" cy="261372"/>
-            </a:xfrm>
-            <a:prstGeom prst="rect">
-              <a:avLst/>
-            </a:prstGeom>
-            <a:grpFill/>
-            <a:ln w="9525" algn="ctr">
-              <a:noFill/>
-              <a:miter lim="800000"/>
-              <a:headEnd/>
-              <a:tailEnd/>
-            </a:ln>
-          </p:spPr>
-          <p:txBody>
-            <a:bodyPr wrap="none" anchor="ctr"/>
-            <a:lstStyle/>
-            <a:p>
-              <a:endParaRPr lang="en-US" dirty="0"/>
-            </a:p>
-          </p:txBody>
-        </p:sp>
-      </p:grpSp>
-      <p:sp>
-        <p:nvSpPr>
-          <p:cNvPr id="35" name="Oval 34"/>
-          <p:cNvSpPr/>
-          <p:nvPr/>
-        </p:nvSpPr>
-        <p:spPr>
-          <a:xfrm>
-            <a:off x="4953029" y="4053306"/>
-            <a:ext cx="513289" cy="711625"/>
-          </a:xfrm>
-          <a:prstGeom prst="ellipse">
-            <a:avLst/>
-          </a:prstGeom>
-          <a:solidFill>
-            <a:schemeClr val="tx2">
-              <a:lumMod val="50000"/>
-            </a:schemeClr>
-          </a:solidFill>
-          <a:ln>
-            <a:noFill/>
-          </a:ln>
-        </p:spPr>
-        <p:style>
-          <a:lnRef idx="2">
-            <a:schemeClr val="accent1">
-              <a:shade val="50000"/>
-            </a:schemeClr>
-          </a:lnRef>
-          <a:fillRef idx="1">
-            <a:schemeClr val="accent1"/>
-          </a:fillRef>
-          <a:effectRef idx="0">
-            <a:schemeClr val="accent1"/>
-          </a:effectRef>
-          <a:fontRef idx="minor">
-            <a:schemeClr val="lt1"/>
-          </a:fontRef>
-        </p:style>
-        <p:txBody>
-          <a:bodyPr rtlCol="0" anchor="ctr"/>
-          <a:lstStyle/>
-          <a:p>
-            <a:pPr algn="ctr"/>
-            <a:endParaRPr lang="en-US"/>
-          </a:p>
-        </p:txBody>
-      </p:sp>
-      <p:grpSp>
-        <p:nvGrpSpPr>
-          <p:cNvPr id="36" name="Group 35"/>
-          <p:cNvGrpSpPr/>
-          <p:nvPr/>
-        </p:nvGrpSpPr>
-        <p:grpSpPr>
-          <a:xfrm>
-            <a:off x="5154083" y="3752559"/>
-            <a:ext cx="121920" cy="753290"/>
-            <a:chOff x="3770811" y="2873829"/>
-            <a:chExt cx="448492" cy="2475098"/>
-          </a:xfrm>
-          <a:solidFill>
-            <a:schemeClr val="bg1"/>
-          </a:solidFill>
-        </p:grpSpPr>
-        <p:sp>
-          <p:nvSpPr>
-            <p:cNvPr id="37" name="Isosceles Triangle 36"/>
-            <p:cNvSpPr/>
-            <p:nvPr/>
-          </p:nvSpPr>
-          <p:spPr>
-            <a:xfrm rot="10800000">
-              <a:off x="3770811" y="2873829"/>
-              <a:ext cx="435429" cy="339634"/>
-            </a:xfrm>
-            <a:prstGeom prst="triangle">
-              <a:avLst/>
-            </a:prstGeom>
-            <a:grpFill/>
-            <a:ln>
-              <a:noFill/>
-            </a:ln>
-          </p:spPr>
-          <p:style>
-            <a:lnRef idx="2">
-              <a:schemeClr val="accent1">
-                <a:shade val="50000"/>
-              </a:schemeClr>
-            </a:lnRef>
-            <a:fillRef idx="1">
-              <a:schemeClr val="accent1"/>
-            </a:fillRef>
-            <a:effectRef idx="0">
-              <a:schemeClr val="accent1"/>
-            </a:effectRef>
-            <a:fontRef idx="minor">
-              <a:schemeClr val="lt1"/>
-            </a:fontRef>
-          </p:style>
-          <p:txBody>
-            <a:bodyPr rtlCol="0" anchor="ctr"/>
-            <a:lstStyle/>
-            <a:p>
-              <a:pPr algn="ctr"/>
-              <a:endParaRPr lang="en-US"/>
-            </a:p>
-          </p:txBody>
-        </p:sp>
-        <p:sp>
-          <p:nvSpPr>
-            <p:cNvPr id="38" name="Isosceles Triangle 37"/>
-            <p:cNvSpPr/>
-            <p:nvPr/>
-          </p:nvSpPr>
-          <p:spPr>
-            <a:xfrm rot="10800000" flipV="1">
-              <a:off x="3775163" y="3200400"/>
-              <a:ext cx="435429" cy="1833154"/>
-            </a:xfrm>
-            <a:prstGeom prst="triangle">
-              <a:avLst/>
-            </a:prstGeom>
-            <a:grpFill/>
-            <a:ln>
-              <a:noFill/>
-            </a:ln>
-          </p:spPr>
-          <p:style>
-            <a:lnRef idx="2">
-              <a:schemeClr val="accent1">
-                <a:shade val="50000"/>
-              </a:schemeClr>
-            </a:lnRef>
-            <a:fillRef idx="1">
-              <a:schemeClr val="accent1"/>
-            </a:fillRef>
-            <a:effectRef idx="0">
-              <a:schemeClr val="accent1"/>
-            </a:effectRef>
-            <a:fontRef idx="minor">
-              <a:schemeClr val="lt1"/>
-            </a:fontRef>
-          </p:style>
-          <p:txBody>
-            <a:bodyPr rtlCol="0" anchor="ctr"/>
-            <a:lstStyle/>
-            <a:p>
-              <a:pPr algn="ctr"/>
-              <a:endParaRPr lang="en-US"/>
-            </a:p>
-          </p:txBody>
-        </p:sp>
-        <p:sp>
-          <p:nvSpPr>
-            <p:cNvPr id="39" name="Isosceles Triangle 38"/>
-            <p:cNvSpPr/>
-            <p:nvPr/>
-          </p:nvSpPr>
-          <p:spPr>
-            <a:xfrm rot="10800000">
-              <a:off x="3783874" y="5009292"/>
-              <a:ext cx="435429" cy="339635"/>
-            </a:xfrm>
-            <a:prstGeom prst="triangle">
-              <a:avLst/>
-            </a:prstGeom>
-            <a:grpFill/>
-            <a:ln>
-              <a:noFill/>
-            </a:ln>
-          </p:spPr>
-          <p:style>
-            <a:lnRef idx="2">
-              <a:schemeClr val="accent1">
-                <a:shade val="50000"/>
-              </a:schemeClr>
-            </a:lnRef>
-            <a:fillRef idx="1">
-              <a:schemeClr val="accent1"/>
-            </a:fillRef>
-            <a:effectRef idx="0">
-              <a:schemeClr val="accent1"/>
-            </a:effectRef>
-            <a:fontRef idx="minor">
-              <a:schemeClr val="lt1"/>
-            </a:fontRef>
-          </p:style>
-          <p:txBody>
-            <a:bodyPr rtlCol="0" anchor="ctr"/>
-            <a:lstStyle/>
-            <a:p>
-              <a:pPr algn="ctr"/>
-              <a:endParaRPr lang="en-US"/>
-            </a:p>
-          </p:txBody>
-        </p:sp>
-      </p:grpSp>
-      <p:grpSp>
-        <p:nvGrpSpPr>
-          <p:cNvPr id="42" name="Group 41"/>
-          <p:cNvGrpSpPr/>
-          <p:nvPr/>
-        </p:nvGrpSpPr>
-        <p:grpSpPr>
-          <a:xfrm>
-            <a:off x="7366863" y="3127212"/>
-            <a:ext cx="1101841" cy="2876952"/>
-            <a:chOff x="1255765" y="2207348"/>
-            <a:chExt cx="1272743" cy="3815140"/>
-          </a:xfrm>
-          <a:solidFill>
-            <a:schemeClr val="tx2">
-              <a:lumMod val="50000"/>
-            </a:schemeClr>
-          </a:solidFill>
-        </p:grpSpPr>
-        <p:sp>
-          <p:nvSpPr>
-            <p:cNvPr id="43" name="Oval 12"/>
-            <p:cNvSpPr>
-              <a:spLocks noChangeArrowheads="1"/>
-            </p:cNvSpPr>
-            <p:nvPr/>
-          </p:nvSpPr>
-          <p:spPr bwMode="auto">
-            <a:xfrm flipH="1">
-              <a:off x="1681044" y="2865611"/>
-              <a:ext cx="420688" cy="1400456"/>
-            </a:xfrm>
-            <a:prstGeom prst="ellipse">
-              <a:avLst/>
-            </a:prstGeom>
-            <a:grpFill/>
-            <a:ln w="9525" algn="ctr">
-              <a:noFill/>
-              <a:round/>
-              <a:headEnd/>
-              <a:tailEnd/>
-            </a:ln>
-          </p:spPr>
-          <p:txBody>
-            <a:bodyPr wrap="none" anchor="ctr"/>
-            <a:lstStyle/>
-            <a:p>
-              <a:endParaRPr lang="en-US" dirty="0"/>
-            </a:p>
-          </p:txBody>
-        </p:sp>
-        <p:sp>
-          <p:nvSpPr>
-            <p:cNvPr id="44" name="Rectangle 14"/>
-            <p:cNvSpPr>
-              <a:spLocks noChangeArrowheads="1"/>
-            </p:cNvSpPr>
-            <p:nvPr/>
-          </p:nvSpPr>
-          <p:spPr bwMode="auto">
-            <a:xfrm rot="10099660" flipH="1">
-              <a:off x="2313352" y="3441501"/>
-              <a:ext cx="169239" cy="704850"/>
-            </a:xfrm>
-            <a:prstGeom prst="rect">
-              <a:avLst/>
-            </a:prstGeom>
-            <a:grpFill/>
-            <a:ln w="9525" algn="ctr">
-              <a:noFill/>
-              <a:miter lim="800000"/>
-              <a:headEnd/>
-              <a:tailEnd/>
-            </a:ln>
-          </p:spPr>
-          <p:txBody>
-            <a:bodyPr wrap="none" anchor="ctr"/>
-            <a:lstStyle/>
-            <a:p>
-              <a:endParaRPr lang="en-US" dirty="0"/>
-            </a:p>
-          </p:txBody>
-        </p:sp>
-        <p:sp>
-          <p:nvSpPr>
-            <p:cNvPr id="45" name="Rectangle 17"/>
-            <p:cNvSpPr>
-              <a:spLocks noChangeArrowheads="1"/>
-            </p:cNvSpPr>
-            <p:nvPr/>
-          </p:nvSpPr>
-          <p:spPr bwMode="auto">
-            <a:xfrm flipH="1">
-              <a:off x="1271541" y="5760992"/>
-              <a:ext cx="448907" cy="205387"/>
-            </a:xfrm>
-            <a:prstGeom prst="rect">
-              <a:avLst/>
-            </a:prstGeom>
-            <a:grpFill/>
-            <a:ln w="9525" algn="ctr">
-              <a:noFill/>
-              <a:miter lim="800000"/>
-              <a:headEnd/>
-              <a:tailEnd/>
-            </a:ln>
-          </p:spPr>
-          <p:txBody>
-            <a:bodyPr wrap="none" anchor="ctr"/>
-            <a:lstStyle/>
-            <a:p>
-              <a:endParaRPr lang="en-US" dirty="0"/>
-            </a:p>
-          </p:txBody>
-        </p:sp>
-        <p:sp>
-          <p:nvSpPr>
-            <p:cNvPr id="46" name="Oval 45"/>
-            <p:cNvSpPr>
-              <a:spLocks noChangeArrowheads="1"/>
-            </p:cNvSpPr>
-            <p:nvPr/>
-          </p:nvSpPr>
-          <p:spPr bwMode="auto">
-            <a:xfrm flipH="1">
-              <a:off x="1628646" y="2207348"/>
-              <a:ext cx="496888" cy="692150"/>
-            </a:xfrm>
-            <a:prstGeom prst="ellipse">
-              <a:avLst/>
-            </a:prstGeom>
-            <a:grpFill/>
-            <a:ln w="9525" algn="ctr">
-              <a:solidFill>
-                <a:schemeClr val="bg1"/>
-              </a:solidFill>
-              <a:round/>
-              <a:headEnd/>
-              <a:tailEnd/>
-            </a:ln>
-          </p:spPr>
-          <p:txBody>
-            <a:bodyPr wrap="none" anchor="ctr"/>
-            <a:lstStyle/>
-            <a:p>
-              <a:endParaRPr lang="en-US" dirty="0"/>
-            </a:p>
-          </p:txBody>
-        </p:sp>
-        <p:sp>
-          <p:nvSpPr>
-            <p:cNvPr id="47" name="Rectangle 46"/>
-            <p:cNvSpPr>
-              <a:spLocks noChangeArrowheads="1"/>
-            </p:cNvSpPr>
-            <p:nvPr/>
-          </p:nvSpPr>
-          <p:spPr bwMode="auto">
-            <a:xfrm rot="8649417" flipH="1">
-              <a:off x="2100794" y="2904963"/>
-              <a:ext cx="183140" cy="701857"/>
-            </a:xfrm>
-            <a:prstGeom prst="rect">
-              <a:avLst/>
-            </a:prstGeom>
-            <a:grpFill/>
-            <a:ln w="9525" algn="ctr">
-              <a:noFill/>
-              <a:miter lim="800000"/>
-              <a:headEnd/>
-              <a:tailEnd/>
-            </a:ln>
-          </p:spPr>
-          <p:txBody>
-            <a:bodyPr wrap="none" anchor="ctr"/>
-            <a:lstStyle/>
-            <a:p>
-              <a:endParaRPr lang="en-US" dirty="0"/>
-            </a:p>
-          </p:txBody>
-        </p:sp>
-        <p:sp>
-          <p:nvSpPr>
-            <p:cNvPr id="48" name="Rectangle 15"/>
-            <p:cNvSpPr>
-              <a:spLocks noChangeArrowheads="1"/>
-            </p:cNvSpPr>
-            <p:nvPr/>
-          </p:nvSpPr>
-          <p:spPr bwMode="auto">
-            <a:xfrm rot="20522501" flipH="1">
-              <a:off x="1956616" y="3998171"/>
-              <a:ext cx="239713" cy="1019175"/>
-            </a:xfrm>
-            <a:prstGeom prst="rect">
-              <a:avLst/>
-            </a:prstGeom>
-            <a:grpFill/>
-            <a:ln w="9525" algn="ctr">
-              <a:noFill/>
-              <a:miter lim="800000"/>
-              <a:headEnd/>
-              <a:tailEnd/>
-            </a:ln>
-          </p:spPr>
-          <p:txBody>
-            <a:bodyPr wrap="none" anchor="ctr"/>
-            <a:lstStyle/>
-            <a:p>
-              <a:endParaRPr lang="en-US" dirty="0"/>
-            </a:p>
-          </p:txBody>
-        </p:sp>
-        <p:sp>
-          <p:nvSpPr>
-            <p:cNvPr id="49" name="Rectangle 15"/>
-            <p:cNvSpPr>
-              <a:spLocks noChangeArrowheads="1"/>
-            </p:cNvSpPr>
-            <p:nvPr/>
-          </p:nvSpPr>
-          <p:spPr bwMode="auto">
-            <a:xfrm flipH="1">
-              <a:off x="2108045" y="4871561"/>
-              <a:ext cx="236538" cy="1150927"/>
-            </a:xfrm>
-            <a:prstGeom prst="rect">
-              <a:avLst/>
-            </a:prstGeom>
-            <a:grpFill/>
-            <a:ln w="9525" algn="ctr">
-              <a:noFill/>
-              <a:miter lim="800000"/>
-              <a:headEnd/>
-              <a:tailEnd/>
-            </a:ln>
-          </p:spPr>
-          <p:txBody>
-            <a:bodyPr wrap="none" anchor="ctr"/>
-            <a:lstStyle/>
-            <a:p>
-              <a:endParaRPr lang="en-US" dirty="0"/>
-            </a:p>
-          </p:txBody>
-        </p:sp>
-        <p:sp>
-          <p:nvSpPr>
-            <p:cNvPr id="50" name="Rectangle 49"/>
-            <p:cNvSpPr>
-              <a:spLocks noChangeArrowheads="1"/>
-            </p:cNvSpPr>
-            <p:nvPr/>
-          </p:nvSpPr>
-          <p:spPr bwMode="auto">
-            <a:xfrm rot="335058" flipH="1">
-              <a:off x="2127532" y="5806095"/>
-              <a:ext cx="360147" cy="192590"/>
-            </a:xfrm>
-            <a:prstGeom prst="rect">
-              <a:avLst/>
-            </a:prstGeom>
-            <a:grpFill/>
-            <a:ln w="9525" algn="ctr">
-              <a:noFill/>
-              <a:miter lim="800000"/>
-              <a:headEnd/>
-              <a:tailEnd/>
-            </a:ln>
-          </p:spPr>
-          <p:txBody>
-            <a:bodyPr wrap="none" anchor="ctr"/>
-            <a:lstStyle/>
-            <a:p>
-              <a:endParaRPr lang="en-US" dirty="0"/>
-            </a:p>
-          </p:txBody>
-        </p:sp>
-        <p:sp>
-          <p:nvSpPr>
-            <p:cNvPr id="51" name="Rectangle 15"/>
-            <p:cNvSpPr>
-              <a:spLocks noChangeArrowheads="1"/>
-            </p:cNvSpPr>
-            <p:nvPr/>
-          </p:nvSpPr>
-          <p:spPr bwMode="auto">
-            <a:xfrm rot="631007" flipH="1">
-              <a:off x="1551643" y="3961764"/>
-              <a:ext cx="241300" cy="1019175"/>
-            </a:xfrm>
-            <a:prstGeom prst="rect">
-              <a:avLst/>
-            </a:prstGeom>
-            <a:grpFill/>
-            <a:ln w="9525" algn="ctr">
-              <a:noFill/>
-              <a:miter lim="800000"/>
-              <a:headEnd/>
-              <a:tailEnd/>
-            </a:ln>
-          </p:spPr>
-          <p:txBody>
-            <a:bodyPr wrap="none" anchor="ctr"/>
-            <a:lstStyle/>
-            <a:p>
-              <a:endParaRPr lang="en-US" dirty="0"/>
-            </a:p>
-          </p:txBody>
-        </p:sp>
-        <p:sp>
-          <p:nvSpPr>
-            <p:cNvPr id="52" name="Rectangle 15"/>
-            <p:cNvSpPr>
-              <a:spLocks noChangeArrowheads="1"/>
-            </p:cNvSpPr>
-            <p:nvPr/>
-          </p:nvSpPr>
-          <p:spPr bwMode="auto">
-            <a:xfrm flipH="1">
-              <a:off x="1504795" y="4791106"/>
-              <a:ext cx="209037" cy="1189088"/>
-            </a:xfrm>
-            <a:prstGeom prst="rect">
-              <a:avLst/>
-            </a:prstGeom>
-            <a:grpFill/>
-            <a:ln w="9525" algn="ctr">
-              <a:noFill/>
-              <a:miter lim="800000"/>
-              <a:headEnd/>
-              <a:tailEnd/>
-            </a:ln>
-          </p:spPr>
-          <p:txBody>
-            <a:bodyPr wrap="none" anchor="ctr"/>
-            <a:lstStyle/>
-            <a:p>
-              <a:endParaRPr lang="en-US" dirty="0"/>
-            </a:p>
-          </p:txBody>
-        </p:sp>
-        <p:sp>
-          <p:nvSpPr>
-            <p:cNvPr id="53" name="Rectangle 13"/>
-            <p:cNvSpPr>
-              <a:spLocks noChangeArrowheads="1"/>
-            </p:cNvSpPr>
-            <p:nvPr/>
-          </p:nvSpPr>
-          <p:spPr bwMode="auto">
-            <a:xfrm rot="811954" flipH="1">
-              <a:off x="2384593" y="4006620"/>
-              <a:ext cx="143915" cy="300064"/>
-            </a:xfrm>
-            <a:prstGeom prst="rect">
-              <a:avLst/>
-            </a:prstGeom>
-            <a:grpFill/>
-            <a:ln w="9525" algn="ctr">
-              <a:noFill/>
-              <a:miter lim="800000"/>
-              <a:headEnd/>
-              <a:tailEnd/>
-            </a:ln>
-          </p:spPr>
-          <p:txBody>
-            <a:bodyPr wrap="none" anchor="ctr"/>
-            <a:lstStyle/>
-            <a:p>
-              <a:endParaRPr lang="en-US" dirty="0"/>
-            </a:p>
-          </p:txBody>
-        </p:sp>
-        <p:sp>
-          <p:nvSpPr>
-            <p:cNvPr id="54" name="Rectangle 14"/>
-            <p:cNvSpPr>
-              <a:spLocks noChangeArrowheads="1"/>
-            </p:cNvSpPr>
-            <p:nvPr/>
-          </p:nvSpPr>
-          <p:spPr bwMode="auto">
-            <a:xfrm rot="11244453" flipH="1">
-              <a:off x="1319151" y="3460533"/>
-              <a:ext cx="169239" cy="704850"/>
-            </a:xfrm>
-            <a:prstGeom prst="rect">
-              <a:avLst/>
-            </a:prstGeom>
-            <a:grpFill/>
-            <a:ln w="9525" algn="ctr">
-              <a:noFill/>
-              <a:miter lim="800000"/>
-              <a:headEnd/>
-              <a:tailEnd/>
-            </a:ln>
-          </p:spPr>
-          <p:txBody>
-            <a:bodyPr wrap="none" anchor="ctr"/>
-            <a:lstStyle/>
-            <a:p>
-              <a:endParaRPr lang="en-US" dirty="0"/>
-            </a:p>
-          </p:txBody>
-        </p:sp>
-        <p:sp>
-          <p:nvSpPr>
-            <p:cNvPr id="55" name="Rectangle 54"/>
-            <p:cNvSpPr>
-              <a:spLocks noChangeArrowheads="1"/>
-            </p:cNvSpPr>
-            <p:nvPr/>
-          </p:nvSpPr>
-          <p:spPr bwMode="auto">
-            <a:xfrm rot="12761612" flipH="1">
-              <a:off x="1514614" y="2863204"/>
-              <a:ext cx="183140" cy="701857"/>
-            </a:xfrm>
-            <a:prstGeom prst="rect">
-              <a:avLst/>
-            </a:prstGeom>
-            <a:grpFill/>
-            <a:ln w="9525" algn="ctr">
-              <a:noFill/>
-              <a:miter lim="800000"/>
-              <a:headEnd/>
-              <a:tailEnd/>
-            </a:ln>
-          </p:spPr>
-          <p:txBody>
-            <a:bodyPr wrap="none" anchor="ctr"/>
-            <a:lstStyle/>
-            <a:p>
-              <a:endParaRPr lang="en-US" dirty="0"/>
-            </a:p>
-          </p:txBody>
-        </p:sp>
-        <p:sp>
-          <p:nvSpPr>
-            <p:cNvPr id="56" name="Rectangle 13"/>
-            <p:cNvSpPr>
-              <a:spLocks noChangeArrowheads="1"/>
-            </p:cNvSpPr>
-            <p:nvPr/>
-          </p:nvSpPr>
-          <p:spPr bwMode="auto">
-            <a:xfrm rot="7497537" flipH="1">
-              <a:off x="1303841" y="4035577"/>
-              <a:ext cx="165219" cy="261372"/>
-            </a:xfrm>
-            <a:prstGeom prst="rect">
-              <a:avLst/>
-            </a:prstGeom>
-            <a:grpFill/>
-            <a:ln w="9525" algn="ctr">
-              <a:noFill/>
-              <a:miter lim="800000"/>
-              <a:headEnd/>
-              <a:tailEnd/>
-            </a:ln>
-          </p:spPr>
-          <p:txBody>
-            <a:bodyPr wrap="none" anchor="ctr"/>
-            <a:lstStyle/>
-            <a:p>
-              <a:endParaRPr lang="en-US" dirty="0"/>
-            </a:p>
-          </p:txBody>
-        </p:sp>
-      </p:grpSp>
-      <p:sp>
-        <p:nvSpPr>
-          <p:cNvPr id="57" name="Oval 56"/>
-          <p:cNvSpPr/>
-          <p:nvPr/>
-        </p:nvSpPr>
-        <p:spPr>
-          <a:xfrm>
-            <a:off x="7654085" y="3972244"/>
-            <a:ext cx="513289" cy="711625"/>
-          </a:xfrm>
-          <a:prstGeom prst="ellipse">
-            <a:avLst/>
-          </a:prstGeom>
-          <a:solidFill>
-            <a:schemeClr val="tx2">
-              <a:lumMod val="50000"/>
-            </a:schemeClr>
-          </a:solidFill>
-          <a:ln>
-            <a:noFill/>
-          </a:ln>
-        </p:spPr>
-        <p:style>
-          <a:lnRef idx="2">
-            <a:schemeClr val="accent1">
-              <a:shade val="50000"/>
-            </a:schemeClr>
-          </a:lnRef>
-          <a:fillRef idx="1">
-            <a:schemeClr val="accent1"/>
-          </a:fillRef>
-          <a:effectRef idx="0">
-            <a:schemeClr val="accent1"/>
-          </a:effectRef>
-          <a:fontRef idx="minor">
-            <a:schemeClr val="lt1"/>
-          </a:fontRef>
-        </p:style>
-        <p:txBody>
-          <a:bodyPr rtlCol="0" anchor="ctr"/>
-          <a:lstStyle/>
-          <a:p>
-            <a:pPr algn="ctr"/>
-            <a:endParaRPr lang="en-US"/>
-          </a:p>
-        </p:txBody>
-      </p:sp>
-      <p:grpSp>
-        <p:nvGrpSpPr>
-          <p:cNvPr id="58" name="Group 57"/>
-          <p:cNvGrpSpPr/>
-          <p:nvPr/>
-        </p:nvGrpSpPr>
-        <p:grpSpPr>
-          <a:xfrm>
-            <a:off x="7855139" y="3671497"/>
-            <a:ext cx="121920" cy="753290"/>
-            <a:chOff x="3770811" y="2873829"/>
-            <a:chExt cx="448492" cy="2475098"/>
-          </a:xfrm>
-          <a:solidFill>
-            <a:schemeClr val="bg1"/>
-          </a:solidFill>
-        </p:grpSpPr>
-        <p:sp>
-          <p:nvSpPr>
-            <p:cNvPr id="59" name="Isosceles Triangle 58"/>
-            <p:cNvSpPr/>
-            <p:nvPr/>
-          </p:nvSpPr>
-          <p:spPr>
-            <a:xfrm rot="10800000">
-              <a:off x="3770811" y="2873829"/>
-              <a:ext cx="435429" cy="339634"/>
-            </a:xfrm>
-            <a:prstGeom prst="triangle">
-              <a:avLst/>
-            </a:prstGeom>
-            <a:grpFill/>
-            <a:ln>
-              <a:noFill/>
-            </a:ln>
-          </p:spPr>
-          <p:style>
-            <a:lnRef idx="2">
-              <a:schemeClr val="accent1">
-                <a:shade val="50000"/>
-              </a:schemeClr>
-            </a:lnRef>
-            <a:fillRef idx="1">
-              <a:schemeClr val="accent1"/>
-            </a:fillRef>
-            <a:effectRef idx="0">
-              <a:schemeClr val="accent1"/>
-            </a:effectRef>
-            <a:fontRef idx="minor">
-              <a:schemeClr val="lt1"/>
-            </a:fontRef>
-          </p:style>
-          <p:txBody>
-            <a:bodyPr rtlCol="0" anchor="ctr"/>
-            <a:lstStyle/>
-            <a:p>
-              <a:pPr algn="ctr"/>
-              <a:endParaRPr lang="en-US"/>
-            </a:p>
-          </p:txBody>
-        </p:sp>
-        <p:sp>
-          <p:nvSpPr>
-            <p:cNvPr id="60" name="Isosceles Triangle 59"/>
-            <p:cNvSpPr/>
-            <p:nvPr/>
-          </p:nvSpPr>
-          <p:spPr>
-            <a:xfrm rot="10800000" flipV="1">
-              <a:off x="3775163" y="3200400"/>
-              <a:ext cx="435429" cy="1833154"/>
-            </a:xfrm>
-            <a:prstGeom prst="triangle">
-              <a:avLst/>
-            </a:prstGeom>
-            <a:grpFill/>
-            <a:ln>
-              <a:noFill/>
-            </a:ln>
-          </p:spPr>
-          <p:style>
-            <a:lnRef idx="2">
-              <a:schemeClr val="accent1">
-                <a:shade val="50000"/>
-              </a:schemeClr>
-            </a:lnRef>
-            <a:fillRef idx="1">
-              <a:schemeClr val="accent1"/>
-            </a:fillRef>
-            <a:effectRef idx="0">
-              <a:schemeClr val="accent1"/>
-            </a:effectRef>
-            <a:fontRef idx="minor">
-              <a:schemeClr val="lt1"/>
-            </a:fontRef>
-          </p:style>
-          <p:txBody>
-            <a:bodyPr rtlCol="0" anchor="ctr"/>
-            <a:lstStyle/>
-            <a:p>
-              <a:pPr algn="ctr"/>
-              <a:endParaRPr lang="en-US"/>
-            </a:p>
-          </p:txBody>
-        </p:sp>
-        <p:sp>
-          <p:nvSpPr>
-            <p:cNvPr id="61" name="Isosceles Triangle 60"/>
-            <p:cNvSpPr/>
-            <p:nvPr/>
-          </p:nvSpPr>
-          <p:spPr>
-            <a:xfrm rot="10800000">
-              <a:off x="3783874" y="5009292"/>
-              <a:ext cx="435429" cy="339635"/>
-            </a:xfrm>
-            <a:prstGeom prst="triangle">
-              <a:avLst/>
-            </a:prstGeom>
-            <a:grpFill/>
-            <a:ln>
-              <a:noFill/>
-            </a:ln>
-          </p:spPr>
-          <p:style>
-            <a:lnRef idx="2">
-              <a:schemeClr val="accent1">
-                <a:shade val="50000"/>
-              </a:schemeClr>
-            </a:lnRef>
-            <a:fillRef idx="1">
-              <a:schemeClr val="accent1"/>
-            </a:fillRef>
-            <a:effectRef idx="0">
-              <a:schemeClr val="accent1"/>
-            </a:effectRef>
-            <a:fontRef idx="minor">
-              <a:schemeClr val="lt1"/>
-            </a:fontRef>
-          </p:style>
-          <p:txBody>
-            <a:bodyPr rtlCol="0" anchor="ctr"/>
-            <a:lstStyle/>
-            <a:p>
-              <a:pPr algn="ctr"/>
-              <a:endParaRPr lang="en-US"/>
-            </a:p>
-          </p:txBody>
-        </p:sp>
-      </p:grpSp>
-      <p:sp>
-        <p:nvSpPr>
-          <p:cNvPr id="5" name="TextBox 4"/>
-          <p:cNvSpPr txBox="1"/>
-          <p:nvPr/>
-        </p:nvSpPr>
-        <p:spPr>
-          <a:xfrm>
-            <a:off x="4630366" y="6138153"/>
-            <a:ext cx="1249188" cy="369332"/>
-          </a:xfrm>
-          <a:prstGeom prst="rect">
-            <a:avLst/>
-          </a:prstGeom>
-          <a:noFill/>
-        </p:spPr>
-        <p:txBody>
-          <a:bodyPr wrap="none" rtlCol="0">
-            <a:spAutoFit/>
-          </a:bodyPr>
-          <a:lstStyle/>
-          <a:p>
-            <a:r>
-              <a:rPr lang="en-US" dirty="0"/>
-              <a:t>Professor A</a:t>
-            </a:r>
-          </a:p>
-        </p:txBody>
-      </p:sp>
-      <p:sp>
-        <p:nvSpPr>
-          <p:cNvPr id="63" name="TextBox 62"/>
-          <p:cNvSpPr txBox="1"/>
-          <p:nvPr/>
-        </p:nvSpPr>
-        <p:spPr>
-          <a:xfrm>
-            <a:off x="7321685" y="6096000"/>
-            <a:ext cx="1241174" cy="369332"/>
-          </a:xfrm>
-          <a:prstGeom prst="rect">
-            <a:avLst/>
-          </a:prstGeom>
-          <a:noFill/>
-        </p:spPr>
-        <p:txBody>
-          <a:bodyPr wrap="none" rtlCol="0">
-            <a:spAutoFit/>
-          </a:bodyPr>
-          <a:lstStyle/>
-          <a:p>
-            <a:r>
-              <a:rPr lang="en-US" dirty="0"/>
-              <a:t>Professor B</a:t>
-            </a:r>
-          </a:p>
-        </p:txBody>
-      </p:sp>
-      <p:sp>
-        <p:nvSpPr>
-          <p:cNvPr id="6" name="TextBox 5"/>
-          <p:cNvSpPr txBox="1"/>
-          <p:nvPr/>
-        </p:nvSpPr>
-        <p:spPr>
-          <a:xfrm>
-            <a:off x="496111" y="359923"/>
-            <a:ext cx="6116996" cy="523220"/>
-          </a:xfrm>
-          <a:prstGeom prst="rect">
-            <a:avLst/>
-          </a:prstGeom>
-          <a:noFill/>
-        </p:spPr>
-        <p:txBody>
-          <a:bodyPr wrap="none" rtlCol="0">
-            <a:spAutoFit/>
-          </a:bodyPr>
-          <a:lstStyle/>
-          <a:p>
-            <a:r>
-              <a:rPr lang="en-US" sz="2800" dirty="0"/>
-              <a:t>For which professor is the sound louder?</a:t>
-            </a:r>
-          </a:p>
-        </p:txBody>
-      </p:sp>
-      <p:sp>
-        <p:nvSpPr>
-          <p:cNvPr id="65" name="Line 15"/>
-          <p:cNvSpPr>
-            <a:spLocks noChangeShapeType="1"/>
-          </p:cNvSpPr>
-          <p:nvPr/>
-        </p:nvSpPr>
-        <p:spPr bwMode="auto">
-          <a:xfrm flipV="1">
-            <a:off x="2334638" y="3563026"/>
-            <a:ext cx="1987685" cy="1816370"/>
-          </a:xfrm>
-          <a:prstGeom prst="line">
-            <a:avLst/>
-          </a:prstGeom>
-          <a:noFill/>
-          <a:ln w="9525">
-            <a:solidFill>
-              <a:schemeClr val="tx1"/>
-            </a:solidFill>
-            <a:round/>
-            <a:headEnd/>
-            <a:tailEnd type="triangle" w="med" len="med"/>
-          </a:ln>
-        </p:spPr>
-        <p:txBody>
-          <a:bodyPr wrap="none" anchor="ctr"/>
-          <a:lstStyle/>
-          <a:p>
-            <a:endParaRPr lang="en-US"/>
-          </a:p>
-        </p:txBody>
-      </p:sp>
-      <p:sp>
-        <p:nvSpPr>
-          <p:cNvPr id="66" name="Text Box 16"/>
-          <p:cNvSpPr txBox="1">
-            <a:spLocks noChangeArrowheads="1"/>
-          </p:cNvSpPr>
-          <p:nvPr/>
-        </p:nvSpPr>
-        <p:spPr bwMode="auto">
-          <a:xfrm>
-            <a:off x="979251" y="5228076"/>
-            <a:ext cx="1492250" cy="366713"/>
-          </a:xfrm>
-          <a:prstGeom prst="rect">
-            <a:avLst/>
-          </a:prstGeom>
-          <a:noFill/>
-          <a:ln w="9525" algn="ctr">
-            <a:noFill/>
-            <a:miter lim="800000"/>
-            <a:headEnd/>
-            <a:tailEnd/>
-          </a:ln>
-        </p:spPr>
-        <p:txBody>
-          <a:bodyPr wrap="none">
-            <a:spAutoFit/>
-          </a:bodyPr>
-          <a:lstStyle/>
-          <a:p>
-            <a:r>
-              <a:rPr lang="en-US" dirty="0"/>
-              <a:t>Point Source</a:t>
-            </a:r>
-          </a:p>
-        </p:txBody>
-      </p:sp>
-    </p:spTree>
-    <p:extLst>
-      <p:ext uri="{BB962C8B-B14F-4D97-AF65-F5344CB8AC3E}">
-        <p14:creationId xmlns:p14="http://schemas.microsoft.com/office/powerpoint/2010/main" val="103656388"/>
-      </p:ext>
-    </p:extLst>
-  </p:cSld>
-  <p:clrMapOvr>
-    <a:masterClrMapping/>
-  </p:clrMapOvr>
-</p:sld>
-</file>
-
-<file path=ppt/slides/slide8.xml><?xml version="1.0" encoding="utf-8"?>
-<p:sld xmlns:a="http://schemas.openxmlformats.org/drawingml/2006/main" xmlns:r="http://schemas.openxmlformats.org/officeDocument/2006/relationships" xmlns:p="http://schemas.openxmlformats.org/presentationml/2006/main">
-  <p:cSld>
-    <p:spTree>
-      <p:nvGrpSpPr>
-        <p:cNvPr id="1" name=""/>
-        <p:cNvGrpSpPr/>
-        <p:nvPr/>
-      </p:nvGrpSpPr>
-      <p:grpSpPr>
-        <a:xfrm>
-          <a:off x="0" y="0"/>
-          <a:ext cx="0" cy="0"/>
-          <a:chOff x="0" y="0"/>
-          <a:chExt cx="0" cy="0"/>
-        </a:xfrm>
-      </p:grpSpPr>
-      <p:sp>
-        <p:nvSpPr>
-          <p:cNvPr id="63491" name="Rectangle 2"/>
-          <p:cNvSpPr>
-            <a:spLocks noGrp="1" noChangeArrowheads="1"/>
-          </p:cNvSpPr>
-          <p:nvPr>
-            <p:ph type="title"/>
-          </p:nvPr>
-        </p:nvSpPr>
-        <p:spPr/>
-        <p:txBody>
-          <a:bodyPr>
-            <a:normAutofit/>
-          </a:bodyPr>
-          <a:lstStyle/>
-          <a:p>
-            <a:r>
-              <a:rPr lang="en-US" dirty="0"/>
-              <a:t>Question 223.4.7   123.22.3</a:t>
-            </a:r>
-          </a:p>
-        </p:txBody>
-      </p:sp>
-      <p:sp>
-        <p:nvSpPr>
-          <p:cNvPr id="63492" name="Rectangle 3"/>
-          <p:cNvSpPr>
-            <a:spLocks noGrp="1" noChangeArrowheads="1"/>
-          </p:cNvSpPr>
-          <p:nvPr>
-            <p:ph idx="1"/>
-          </p:nvPr>
-        </p:nvSpPr>
-        <p:spPr/>
-        <p:txBody>
-          <a:bodyPr/>
-          <a:lstStyle/>
-          <a:p>
-            <a:pPr marL="609600" indent="-609600" eaLnBrk="1" hangingPunct="1">
-              <a:buFontTx/>
-              <a:buNone/>
-            </a:pPr>
-            <a:r>
-              <a:rPr lang="en-US" dirty="0"/>
-              <a:t>Tuning Fork: Which tuning fork is louder, the </a:t>
-            </a:r>
-          </a:p>
-          <a:p>
-            <a:pPr marL="609600" indent="-609600" eaLnBrk="1" hangingPunct="1">
-              <a:buFontTx/>
-              <a:buAutoNum type="alphaLcParenR"/>
-            </a:pPr>
-            <a:r>
-              <a:rPr lang="en-US" dirty="0"/>
-              <a:t>mounted one </a:t>
-            </a:r>
-          </a:p>
-          <a:p>
-            <a:pPr marL="609600" indent="-609600" eaLnBrk="1" hangingPunct="1">
-              <a:buFontTx/>
-              <a:buAutoNum type="alphaLcParenR"/>
-            </a:pPr>
-            <a:r>
-              <a:rPr lang="en-US" dirty="0"/>
-              <a:t>free one</a:t>
-            </a:r>
-          </a:p>
-          <a:p>
-            <a:pPr marL="609600" indent="-609600" eaLnBrk="1" hangingPunct="1"/>
-            <a:endParaRPr lang="en-US" dirty="0"/>
-          </a:p>
-        </p:txBody>
-      </p:sp>
-      <p:sp>
-        <p:nvSpPr>
-          <p:cNvPr id="63490" name="Slide Number Placeholder 5"/>
-          <p:cNvSpPr>
-            <a:spLocks noGrp="1"/>
-          </p:cNvSpPr>
-          <p:nvPr>
-            <p:ph type="sldNum" sz="quarter" idx="12"/>
-          </p:nvPr>
-        </p:nvSpPr>
-        <p:spPr>
-          <a:noFill/>
-        </p:spPr>
-        <p:txBody>
-          <a:bodyPr/>
-          <a:lstStyle/>
-          <a:p>
-            <a:fld id="{B7EC24E5-89AC-43BC-95C0-434346ACF2A9}" type="slidenum">
-              <a:rPr lang="en-US" smtClean="0"/>
-              <a:pPr/>
-              <a:t>8</a:t>
-            </a:fld>
-            <a:endParaRPr lang="en-US"/>
-          </a:p>
-        </p:txBody>
-      </p:sp>
-    </p:spTree>
-    <p:extLst>
-      <p:ext uri="{BB962C8B-B14F-4D97-AF65-F5344CB8AC3E}">
-        <p14:creationId xmlns:p14="http://schemas.microsoft.com/office/powerpoint/2010/main" val="2416614079"/>
-      </p:ext>
-    </p:extLst>
-  </p:cSld>
-  <p:clrMapOvr>
-    <a:masterClrMapping/>
-  </p:clrMapOvr>
-</p:sld>
-</file>
-
-<file path=ppt/slides/slide9.xml><?xml version="1.0" encoding="utf-8"?>
-<p:sld xmlns:a="http://schemas.openxmlformats.org/drawingml/2006/main" xmlns:r="http://schemas.openxmlformats.org/officeDocument/2006/relationships" xmlns:p="http://schemas.openxmlformats.org/presentationml/2006/main">
-  <p:cSld>
-    <p:spTree>
-      <p:nvGrpSpPr>
-        <p:cNvPr id="1" name=""/>
-        <p:cNvGrpSpPr/>
-        <p:nvPr/>
-      </p:nvGrpSpPr>
-      <p:grpSpPr>
-        <a:xfrm>
-          <a:off x="0" y="0"/>
-          <a:ext cx="0" cy="0"/>
-          <a:chOff x="0" y="0"/>
-          <a:chExt cx="0" cy="0"/>
-        </a:xfrm>
-      </p:grpSpPr>
-      <p:grpSp>
-        <p:nvGrpSpPr>
-          <p:cNvPr id="2" name="Group 6"/>
-          <p:cNvGrpSpPr>
-            <a:grpSpLocks/>
-          </p:cNvGrpSpPr>
-          <p:nvPr/>
-        </p:nvGrpSpPr>
-        <p:grpSpPr bwMode="auto">
-          <a:xfrm>
-            <a:off x="1163638" y="1122363"/>
-            <a:ext cx="6262687" cy="4262437"/>
-            <a:chOff x="1163783" y="1122218"/>
-            <a:chExt cx="6262252" cy="4262460"/>
-          </a:xfrm>
-        </p:grpSpPr>
-        <p:pic>
-          <p:nvPicPr>
-            <p:cNvPr id="540674" name="Picture 1"/>
-            <p:cNvPicPr>
-              <a:picLocks noChangeAspect="1" noChangeArrowheads="1"/>
-            </p:cNvPicPr>
-            <p:nvPr/>
-          </p:nvPicPr>
-          <p:blipFill>
-            <a:blip r:embed="rId2" cstate="print"/>
-            <a:srcRect l="20950" b="11513"/>
-            <a:stretch>
-              <a:fillRect/>
-            </a:stretch>
-          </p:blipFill>
-          <p:spPr bwMode="auto">
-            <a:xfrm>
-              <a:off x="2355273" y="1122218"/>
-              <a:ext cx="5070762" cy="3726873"/>
-            </a:xfrm>
-            <a:prstGeom prst="rect">
-              <a:avLst/>
-            </a:prstGeom>
-            <a:noFill/>
-            <a:ln w="9525">
-              <a:noFill/>
-              <a:miter lim="800000"/>
-              <a:headEnd/>
-              <a:tailEnd/>
-            </a:ln>
-          </p:spPr>
-        </p:pic>
-        <p:sp>
-          <p:nvSpPr>
-            <p:cNvPr id="540675" name="TextBox 3"/>
-            <p:cNvSpPr txBox="1">
-              <a:spLocks noChangeArrowheads="1"/>
-            </p:cNvSpPr>
-            <p:nvPr/>
-          </p:nvSpPr>
-          <p:spPr bwMode="auto">
-            <a:xfrm>
-              <a:off x="1163783" y="2549235"/>
-              <a:ext cx="1122218" cy="646331"/>
-            </a:xfrm>
-            <a:prstGeom prst="rect">
-              <a:avLst/>
-            </a:prstGeom>
-            <a:noFill/>
-            <a:ln w="9525">
-              <a:noFill/>
-              <a:miter lim="800000"/>
-              <a:headEnd/>
-              <a:tailEnd/>
-            </a:ln>
-          </p:spPr>
-          <p:txBody>
-            <a:bodyPr>
-              <a:spAutoFit/>
-            </a:bodyPr>
-            <a:lstStyle/>
-            <a:p>
-              <a:pPr algn="r"/>
-              <a:r>
-                <a:rPr lang="en-US"/>
-                <a:t>Intensity in W/m</a:t>
-              </a:r>
-              <a:r>
-                <a:rPr lang="en-US" baseline="30000"/>
-                <a:t>2</a:t>
-              </a:r>
-              <a:r>
-                <a:rPr lang="en-US"/>
-                <a:t> </a:t>
-              </a:r>
-            </a:p>
-          </p:txBody>
-        </p:sp>
-        <p:sp>
-          <p:nvSpPr>
-            <p:cNvPr id="540676" name="TextBox 4"/>
-            <p:cNvSpPr txBox="1">
-              <a:spLocks noChangeArrowheads="1"/>
-            </p:cNvSpPr>
-            <p:nvPr/>
-          </p:nvSpPr>
-          <p:spPr bwMode="auto">
-            <a:xfrm>
-              <a:off x="4308764" y="5015346"/>
-              <a:ext cx="1922065" cy="369332"/>
-            </a:xfrm>
-            <a:prstGeom prst="rect">
-              <a:avLst/>
-            </a:prstGeom>
-            <a:noFill/>
-            <a:ln w="9525">
-              <a:noFill/>
-              <a:miter lim="800000"/>
-              <a:headEnd/>
-              <a:tailEnd/>
-            </a:ln>
-          </p:spPr>
-          <p:txBody>
-            <a:bodyPr wrap="none">
-              <a:spAutoFit/>
-            </a:bodyPr>
-            <a:lstStyle/>
-            <a:p>
-              <a:r>
-                <a:rPr lang="en-US"/>
-                <a:t>Distance in meters</a:t>
-              </a:r>
-            </a:p>
-          </p:txBody>
-        </p:sp>
-        <p:sp>
-          <p:nvSpPr>
-            <p:cNvPr id="6" name="Rectangle 5"/>
-            <p:cNvSpPr/>
-            <p:nvPr/>
-          </p:nvSpPr>
-          <p:spPr>
-            <a:xfrm>
-              <a:off x="6567258" y="4697287"/>
-              <a:ext cx="290492" cy="387352"/>
-            </a:xfrm>
-            <a:prstGeom prst="rect">
-              <a:avLst/>
-            </a:prstGeom>
-            <a:solidFill>
-              <a:schemeClr val="bg1"/>
-            </a:solidFill>
-            <a:ln>
-              <a:noFill/>
-            </a:ln>
-          </p:spPr>
-          <p:style>
-            <a:lnRef idx="2">
-              <a:schemeClr val="accent1">
-                <a:shade val="50000"/>
-              </a:schemeClr>
-            </a:lnRef>
-            <a:fillRef idx="1">
-              <a:schemeClr val="accent1"/>
-            </a:fillRef>
-            <a:effectRef idx="0">
-              <a:schemeClr val="accent1"/>
-            </a:effectRef>
-            <a:fontRef idx="minor">
-              <a:schemeClr val="lt1"/>
-            </a:fontRef>
-          </p:style>
-          <p:txBody>
-            <a:bodyPr anchor="ctr"/>
-            <a:lstStyle/>
-            <a:p>
-              <a:pPr algn="ctr" fontAlgn="auto">
-                <a:spcBef>
-                  <a:spcPts val="0"/>
-                </a:spcBef>
-                <a:spcAft>
-                  <a:spcPts val="0"/>
-                </a:spcAft>
-                <a:defRPr/>
-              </a:pPr>
-              <a:endParaRPr lang="en-US"/>
-            </a:p>
-          </p:txBody>
-        </p:sp>
-      </p:grpSp>
-    </p:spTree>
-    <p:extLst>
-      <p:ext uri="{BB962C8B-B14F-4D97-AF65-F5344CB8AC3E}">
-        <p14:creationId xmlns:p14="http://schemas.microsoft.com/office/powerpoint/2010/main" val="1729789265"/>
       </p:ext>
     </p:extLst>
   </p:cSld>
